--- a/Masterprüfung/Presentation/Presentation_Pamuk.pptx
+++ b/Masterprüfung/Presentation/Presentation_Pamuk.pptx
@@ -5,10 +5,10 @@
     <p:sldMasterId id="2147483648" r:id="rId1"/>
   </p:sldMasterIdLst>
   <p:notesMasterIdLst>
-    <p:notesMasterId r:id="rId21"/>
+    <p:notesMasterId r:id="rId34"/>
   </p:notesMasterIdLst>
   <p:handoutMasterIdLst>
-    <p:handoutMasterId r:id="rId22"/>
+    <p:handoutMasterId r:id="rId35"/>
   </p:handoutMasterIdLst>
   <p:sldIdLst>
     <p:sldId id="260" r:id="rId2"/>
@@ -21,15 +21,28 @@
     <p:sldId id="268" r:id="rId9"/>
     <p:sldId id="269" r:id="rId10"/>
     <p:sldId id="270" r:id="rId11"/>
-    <p:sldId id="278" r:id="rId12"/>
-    <p:sldId id="279" r:id="rId13"/>
-    <p:sldId id="292" r:id="rId14"/>
-    <p:sldId id="293" r:id="rId15"/>
-    <p:sldId id="299" r:id="rId16"/>
-    <p:sldId id="294" r:id="rId17"/>
-    <p:sldId id="300" r:id="rId18"/>
-    <p:sldId id="301" r:id="rId19"/>
-    <p:sldId id="302" r:id="rId20"/>
+    <p:sldId id="286" r:id="rId12"/>
+    <p:sldId id="287" r:id="rId13"/>
+    <p:sldId id="288" r:id="rId14"/>
+    <p:sldId id="289" r:id="rId15"/>
+    <p:sldId id="295" r:id="rId16"/>
+    <p:sldId id="290" r:id="rId17"/>
+    <p:sldId id="296" r:id="rId18"/>
+    <p:sldId id="291" r:id="rId19"/>
+    <p:sldId id="297" r:id="rId20"/>
+    <p:sldId id="292" r:id="rId21"/>
+    <p:sldId id="298" r:id="rId22"/>
+    <p:sldId id="293" r:id="rId23"/>
+    <p:sldId id="299" r:id="rId24"/>
+    <p:sldId id="294" r:id="rId25"/>
+    <p:sldId id="300" r:id="rId26"/>
+    <p:sldId id="301" r:id="rId27"/>
+    <p:sldId id="302" r:id="rId28"/>
+    <p:sldId id="278" r:id="rId29"/>
+    <p:sldId id="279" r:id="rId30"/>
+    <p:sldId id="280" r:id="rId31"/>
+    <p:sldId id="281" r:id="rId32"/>
+    <p:sldId id="303" r:id="rId33"/>
   </p:sldIdLst>
   <p:sldSz cx="9144000" cy="5143500" type="screen16x9"/>
   <p:notesSz cx="6858000" cy="9144000"/>
@@ -145,14 +158,22 @@
             <p14:sldId id="270"/>
           </p14:sldIdLst>
         </p14:section>
-        <p14:section name="Backup" id="{05246FA4-7B3D-4EC2-A608-15D2AADC5265}">
+        <p14:section name="Frage 1" id="{60600029-E562-496C-BBD2-798383C4E5AD}">
           <p14:sldIdLst>
-            <p14:sldId id="278"/>
-            <p14:sldId id="279"/>
+            <p14:sldId id="286"/>
+            <p14:sldId id="287"/>
+            <p14:sldId id="288"/>
+            <p14:sldId id="289"/>
+            <p14:sldId id="295"/>
+            <p14:sldId id="290"/>
+            <p14:sldId id="296"/>
+            <p14:sldId id="291"/>
+            <p14:sldId id="297"/>
             <p14:sldId id="292"/>
+            <p14:sldId id="298"/>
           </p14:sldIdLst>
         </p14:section>
-        <p14:section name="Frage 2" id="{267C2EEF-09C9-48E4-B4DD-3384EE7288A3}">
+        <p14:section name="Frage 2" id="{05246FA4-7B3D-4EC2-A608-15D2AADC5265}">
           <p14:sldIdLst>
             <p14:sldId id="293"/>
             <p14:sldId id="299"/>
@@ -160,6 +181,15 @@
             <p14:sldId id="300"/>
             <p14:sldId id="301"/>
             <p14:sldId id="302"/>
+          </p14:sldIdLst>
+        </p14:section>
+        <p14:section name="Frage 3" id="{608A415E-1182-4072-B80F-F3390EFBB514}">
+          <p14:sldIdLst>
+            <p14:sldId id="278"/>
+            <p14:sldId id="279"/>
+            <p14:sldId id="280"/>
+            <p14:sldId id="281"/>
+            <p14:sldId id="303"/>
           </p14:sldIdLst>
         </p14:section>
       </p14:sectionLst>
@@ -6147,7 +6177,7 @@
           <a:p>
             <a:r>
               <a:rPr lang="en-US" dirty="0"/>
-              <a:t>QEMU Script</a:t>
+              <a:t>Salamander 4 Bare Metal</a:t>
             </a:r>
           </a:p>
         </p:txBody>
@@ -6170,10 +6200,13 @@
         </p:nvSpPr>
         <p:spPr/>
         <p:txBody>
-          <a:bodyPr/>
-          <a:lstStyle/>
-          <a:p>
-            <a:endParaRPr lang="en-US" dirty="0"/>
+          <a:bodyPr>
+            <a:normAutofit/>
+          </a:bodyPr>
+          <a:lstStyle/>
+          <a:p>
+            <a:pPr algn="l"/>
+            <a:endParaRPr lang="en-US" sz="1600" dirty="0"/>
           </a:p>
         </p:txBody>
       </p:sp>
@@ -6243,6 +6276,4557 @@
               <a:rPr lang="en-GB" smtClean="0"/>
               <a:pPr/>
               <a:t>11</a:t>
+            </a:fld>
+            <a:endParaRPr lang="en-GB" dirty="0"/>
+          </a:p>
+        </p:txBody>
+      </p:sp>
+      <p:sp>
+        <p:nvSpPr>
+          <p:cNvPr id="6" name="Textfeld 5">
+            <a:extLst>
+              <a:ext uri="{FF2B5EF4-FFF2-40B4-BE49-F238E27FC236}">
+                <a16:creationId xmlns:a16="http://schemas.microsoft.com/office/drawing/2014/main" id="{9AB5A822-3C8A-C9CC-A179-6AC2B863414C}"/>
+              </a:ext>
+            </a:extLst>
+          </p:cNvPr>
+          <p:cNvSpPr txBox="1"/>
+          <p:nvPr/>
+        </p:nvSpPr>
+        <p:spPr>
+          <a:xfrm>
+            <a:off x="2042160" y="1988820"/>
+            <a:ext cx="914400" cy="914400"/>
+          </a:xfrm>
+          <a:prstGeom prst="rect">
+            <a:avLst/>
+          </a:prstGeom>
+        </p:spPr>
+        <p:txBody>
+          <a:bodyPr vert="horz" wrap="none" lIns="91440" tIns="45720" rIns="91440" bIns="45720" rtlCol="0" anchor="t">
+            <a:normAutofit/>
+          </a:bodyPr>
+          <a:lstStyle/>
+          <a:p>
+            <a:pPr algn="l"/>
+            <a:endParaRPr lang="en-US" sz="2800" dirty="0"/>
+          </a:p>
+        </p:txBody>
+      </p:sp>
+      <p:pic>
+        <p:nvPicPr>
+          <p:cNvPr id="11" name="Grafik 10">
+            <a:extLst>
+              <a:ext uri="{FF2B5EF4-FFF2-40B4-BE49-F238E27FC236}">
+                <a16:creationId xmlns:a16="http://schemas.microsoft.com/office/drawing/2014/main" id="{106D20C0-0340-0BBF-201B-DC2192015DD9}"/>
+              </a:ext>
+            </a:extLst>
+          </p:cNvPr>
+          <p:cNvPicPr>
+            <a:picLocks noChangeAspect="1"/>
+          </p:cNvPicPr>
+          <p:nvPr/>
+        </p:nvPicPr>
+        <p:blipFill>
+          <a:blip r:embed="rId2"/>
+          <a:stretch>
+            <a:fillRect/>
+          </a:stretch>
+        </p:blipFill>
+        <p:spPr>
+          <a:xfrm>
+            <a:off x="188680" y="761429"/>
+            <a:ext cx="4659094" cy="3713590"/>
+          </a:xfrm>
+          <a:prstGeom prst="rect">
+            <a:avLst/>
+          </a:prstGeom>
+          <a:ln>
+            <a:solidFill>
+              <a:schemeClr val="bg1"/>
+            </a:solidFill>
+          </a:ln>
+        </p:spPr>
+      </p:pic>
+      <p:pic>
+        <p:nvPicPr>
+          <p:cNvPr id="8" name="Grafik 7">
+            <a:extLst>
+              <a:ext uri="{FF2B5EF4-FFF2-40B4-BE49-F238E27FC236}">
+                <a16:creationId xmlns:a16="http://schemas.microsoft.com/office/drawing/2014/main" id="{EB792DB5-BD01-F5C6-38E5-7845F7786252}"/>
+              </a:ext>
+            </a:extLst>
+          </p:cNvPr>
+          <p:cNvPicPr>
+            <a:picLocks noChangeAspect="1"/>
+          </p:cNvPicPr>
+          <p:nvPr/>
+        </p:nvPicPr>
+        <p:blipFill>
+          <a:blip r:embed="rId3"/>
+          <a:stretch>
+            <a:fillRect/>
+          </a:stretch>
+        </p:blipFill>
+        <p:spPr>
+          <a:xfrm>
+            <a:off x="4928455" y="1836703"/>
+            <a:ext cx="4026866" cy="1847353"/>
+          </a:xfrm>
+          <a:prstGeom prst="rect">
+            <a:avLst/>
+          </a:prstGeom>
+          <a:ln>
+            <a:solidFill>
+              <a:schemeClr val="bg1"/>
+            </a:solidFill>
+          </a:ln>
+        </p:spPr>
+      </p:pic>
+    </p:spTree>
+    <p:extLst>
+      <p:ext uri="{BB962C8B-B14F-4D97-AF65-F5344CB8AC3E}">
+        <p14:creationId xmlns:p14="http://schemas.microsoft.com/office/powerpoint/2010/main" val="1747486408"/>
+      </p:ext>
+    </p:extLst>
+  </p:cSld>
+  <p:clrMapOvr>
+    <a:masterClrMapping/>
+  </p:clrMapOvr>
+</p:sld>
+</file>
+
+<file path=ppt/slides/slide12.xml><?xml version="1.0" encoding="utf-8"?>
+<p:sld xmlns:a="http://schemas.openxmlformats.org/drawingml/2006/main" xmlns:r="http://schemas.openxmlformats.org/officeDocument/2006/relationships" xmlns:p="http://schemas.openxmlformats.org/presentationml/2006/main" show="0">
+  <p:cSld>
+    <p:spTree>
+      <p:nvGrpSpPr>
+        <p:cNvPr id="1" name=""/>
+        <p:cNvGrpSpPr/>
+        <p:nvPr/>
+      </p:nvGrpSpPr>
+      <p:grpSpPr>
+        <a:xfrm>
+          <a:off x="0" y="0"/>
+          <a:ext cx="0" cy="0"/>
+          <a:chOff x="0" y="0"/>
+          <a:chExt cx="0" cy="0"/>
+        </a:xfrm>
+      </p:grpSpPr>
+      <p:sp>
+        <p:nvSpPr>
+          <p:cNvPr id="2" name="Titel 1">
+            <a:extLst>
+              <a:ext uri="{FF2B5EF4-FFF2-40B4-BE49-F238E27FC236}">
+                <a16:creationId xmlns:a16="http://schemas.microsoft.com/office/drawing/2014/main" id="{446D3BEF-CC88-B742-5807-43EE48D25381}"/>
+              </a:ext>
+            </a:extLst>
+          </p:cNvPr>
+          <p:cNvSpPr>
+            <a:spLocks noGrp="1"/>
+          </p:cNvSpPr>
+          <p:nvPr>
+            <p:ph type="title"/>
+          </p:nvPr>
+        </p:nvSpPr>
+        <p:spPr/>
+        <p:txBody>
+          <a:bodyPr>
+            <a:normAutofit fontScale="90000"/>
+          </a:bodyPr>
+          <a:lstStyle/>
+          <a:p>
+            <a:r>
+              <a:rPr lang="en-US" dirty="0"/>
+              <a:t>Salamander 4 Untuned Virtualization</a:t>
+            </a:r>
+          </a:p>
+        </p:txBody>
+      </p:sp>
+      <p:sp>
+        <p:nvSpPr>
+          <p:cNvPr id="3" name="Textplatzhalter 2">
+            <a:extLst>
+              <a:ext uri="{FF2B5EF4-FFF2-40B4-BE49-F238E27FC236}">
+                <a16:creationId xmlns:a16="http://schemas.microsoft.com/office/drawing/2014/main" id="{04897626-5992-AC9F-A7C2-0A8A6A65B6F9}"/>
+              </a:ext>
+            </a:extLst>
+          </p:cNvPr>
+          <p:cNvSpPr>
+            <a:spLocks noGrp="1"/>
+          </p:cNvSpPr>
+          <p:nvPr>
+            <p:ph type="body" sz="quarter" idx="14"/>
+          </p:nvPr>
+        </p:nvSpPr>
+        <p:spPr/>
+        <p:txBody>
+          <a:bodyPr>
+            <a:normAutofit/>
+          </a:bodyPr>
+          <a:lstStyle/>
+          <a:p>
+            <a:pPr algn="l"/>
+            <a:endParaRPr lang="en-US" sz="1600" dirty="0"/>
+          </a:p>
+        </p:txBody>
+      </p:sp>
+      <p:sp>
+        <p:nvSpPr>
+          <p:cNvPr id="4" name="Fußzeilenplatzhalter 3">
+            <a:extLst>
+              <a:ext uri="{FF2B5EF4-FFF2-40B4-BE49-F238E27FC236}">
+                <a16:creationId xmlns:a16="http://schemas.microsoft.com/office/drawing/2014/main" id="{17F6F80D-FCFD-474A-A46E-BEF92F26DC8D}"/>
+              </a:ext>
+            </a:extLst>
+          </p:cNvPr>
+          <p:cNvSpPr>
+            <a:spLocks noGrp="1"/>
+          </p:cNvSpPr>
+          <p:nvPr>
+            <p:ph type="ftr" sz="quarter" idx="12"/>
+          </p:nvPr>
+        </p:nvSpPr>
+        <p:spPr/>
+        <p:txBody>
+          <a:bodyPr/>
+          <a:lstStyle/>
+          <a:p>
+            <a:r>
+              <a:rPr lang="en-US"/>
+              <a:t>Virtualization of a Real-Time Operating System for Robot Control with a Focus on RealTime Compliance</a:t>
+            </a:r>
+            <a:r>
+              <a:rPr lang="en-GB"/>
+              <a:t> | </a:t>
+            </a:r>
+            <a:r>
+              <a:rPr lang="de-AT"/>
+              <a:t>Halil Pamuk, BSc.</a:t>
+            </a:r>
+            <a:r>
+              <a:rPr lang="en-GB"/>
+              <a:t> | 10.10.2024</a:t>
+            </a:r>
+            <a:endParaRPr lang="en-GB" dirty="0"/>
+          </a:p>
+        </p:txBody>
+      </p:sp>
+      <p:sp>
+        <p:nvSpPr>
+          <p:cNvPr id="5" name="Foliennummernplatzhalter 4">
+            <a:extLst>
+              <a:ext uri="{FF2B5EF4-FFF2-40B4-BE49-F238E27FC236}">
+                <a16:creationId xmlns:a16="http://schemas.microsoft.com/office/drawing/2014/main" id="{6FE7C3E3-082F-E591-9994-A62597200B98}"/>
+              </a:ext>
+            </a:extLst>
+          </p:cNvPr>
+          <p:cNvSpPr>
+            <a:spLocks noGrp="1"/>
+          </p:cNvSpPr>
+          <p:nvPr>
+            <p:ph type="sldNum" sz="quarter" idx="13"/>
+          </p:nvPr>
+        </p:nvSpPr>
+        <p:spPr/>
+        <p:txBody>
+          <a:bodyPr/>
+          <a:lstStyle/>
+          <a:p>
+            <a:fld id="{9C057DB4-583E-41A7-BD94-987342018C17}" type="slidenum">
+              <a:rPr lang="en-GB" smtClean="0"/>
+              <a:pPr/>
+              <a:t>12</a:t>
+            </a:fld>
+            <a:endParaRPr lang="en-GB" dirty="0"/>
+          </a:p>
+        </p:txBody>
+      </p:sp>
+      <p:sp>
+        <p:nvSpPr>
+          <p:cNvPr id="6" name="Textfeld 5">
+            <a:extLst>
+              <a:ext uri="{FF2B5EF4-FFF2-40B4-BE49-F238E27FC236}">
+                <a16:creationId xmlns:a16="http://schemas.microsoft.com/office/drawing/2014/main" id="{9AB5A822-3C8A-C9CC-A179-6AC2B863414C}"/>
+              </a:ext>
+            </a:extLst>
+          </p:cNvPr>
+          <p:cNvSpPr txBox="1"/>
+          <p:nvPr/>
+        </p:nvSpPr>
+        <p:spPr>
+          <a:xfrm>
+            <a:off x="2042160" y="1988820"/>
+            <a:ext cx="914400" cy="914400"/>
+          </a:xfrm>
+          <a:prstGeom prst="rect">
+            <a:avLst/>
+          </a:prstGeom>
+        </p:spPr>
+        <p:txBody>
+          <a:bodyPr vert="horz" wrap="none" lIns="91440" tIns="45720" rIns="91440" bIns="45720" rtlCol="0" anchor="t">
+            <a:normAutofit/>
+          </a:bodyPr>
+          <a:lstStyle/>
+          <a:p>
+            <a:pPr algn="l"/>
+            <a:endParaRPr lang="en-US" sz="2800" dirty="0"/>
+          </a:p>
+        </p:txBody>
+      </p:sp>
+      <p:pic>
+        <p:nvPicPr>
+          <p:cNvPr id="10" name="Grafik 9">
+            <a:extLst>
+              <a:ext uri="{FF2B5EF4-FFF2-40B4-BE49-F238E27FC236}">
+                <a16:creationId xmlns:a16="http://schemas.microsoft.com/office/drawing/2014/main" id="{C5581C0A-971F-1BAA-360F-C2D050591494}"/>
+              </a:ext>
+            </a:extLst>
+          </p:cNvPr>
+          <p:cNvPicPr>
+            <a:picLocks noChangeAspect="1"/>
+          </p:cNvPicPr>
+          <p:nvPr/>
+        </p:nvPicPr>
+        <p:blipFill>
+          <a:blip r:embed="rId2"/>
+          <a:stretch>
+            <a:fillRect/>
+          </a:stretch>
+        </p:blipFill>
+        <p:spPr>
+          <a:xfrm>
+            <a:off x="188679" y="761429"/>
+            <a:ext cx="4659094" cy="3771348"/>
+          </a:xfrm>
+          <a:prstGeom prst="rect">
+            <a:avLst/>
+          </a:prstGeom>
+          <a:ln>
+            <a:solidFill>
+              <a:schemeClr val="bg1"/>
+            </a:solidFill>
+          </a:ln>
+        </p:spPr>
+      </p:pic>
+      <p:pic>
+        <p:nvPicPr>
+          <p:cNvPr id="13" name="Grafik 12">
+            <a:extLst>
+              <a:ext uri="{FF2B5EF4-FFF2-40B4-BE49-F238E27FC236}">
+                <a16:creationId xmlns:a16="http://schemas.microsoft.com/office/drawing/2014/main" id="{E9EF5FC4-0D37-B3DD-23B3-FAD37AA8FFBE}"/>
+              </a:ext>
+            </a:extLst>
+          </p:cNvPr>
+          <p:cNvPicPr>
+            <a:picLocks noChangeAspect="1"/>
+          </p:cNvPicPr>
+          <p:nvPr/>
+        </p:nvPicPr>
+        <p:blipFill>
+          <a:blip r:embed="rId3"/>
+          <a:stretch>
+            <a:fillRect/>
+          </a:stretch>
+        </p:blipFill>
+        <p:spPr>
+          <a:xfrm>
+            <a:off x="4928455" y="1961016"/>
+            <a:ext cx="4026865" cy="1598725"/>
+          </a:xfrm>
+          <a:prstGeom prst="rect">
+            <a:avLst/>
+          </a:prstGeom>
+          <a:ln>
+            <a:solidFill>
+              <a:schemeClr val="bg1"/>
+            </a:solidFill>
+          </a:ln>
+        </p:spPr>
+      </p:pic>
+    </p:spTree>
+    <p:extLst>
+      <p:ext uri="{BB962C8B-B14F-4D97-AF65-F5344CB8AC3E}">
+        <p14:creationId xmlns:p14="http://schemas.microsoft.com/office/powerpoint/2010/main" val="260377123"/>
+      </p:ext>
+    </p:extLst>
+  </p:cSld>
+  <p:clrMapOvr>
+    <a:masterClrMapping/>
+  </p:clrMapOvr>
+</p:sld>
+</file>
+
+<file path=ppt/slides/slide13.xml><?xml version="1.0" encoding="utf-8"?>
+<p:sld xmlns:a="http://schemas.openxmlformats.org/drawingml/2006/main" xmlns:r="http://schemas.openxmlformats.org/officeDocument/2006/relationships" xmlns:p="http://schemas.openxmlformats.org/presentationml/2006/main" show="0">
+  <p:cSld>
+    <p:spTree>
+      <p:nvGrpSpPr>
+        <p:cNvPr id="1" name=""/>
+        <p:cNvGrpSpPr/>
+        <p:nvPr/>
+      </p:nvGrpSpPr>
+      <p:grpSpPr>
+        <a:xfrm>
+          <a:off x="0" y="0"/>
+          <a:ext cx="0" cy="0"/>
+          <a:chOff x="0" y="0"/>
+          <a:chExt cx="0" cy="0"/>
+        </a:xfrm>
+      </p:grpSpPr>
+      <p:sp>
+        <p:nvSpPr>
+          <p:cNvPr id="2" name="Titel 1">
+            <a:extLst>
+              <a:ext uri="{FF2B5EF4-FFF2-40B4-BE49-F238E27FC236}">
+                <a16:creationId xmlns:a16="http://schemas.microsoft.com/office/drawing/2014/main" id="{446D3BEF-CC88-B742-5807-43EE48D25381}"/>
+              </a:ext>
+            </a:extLst>
+          </p:cNvPr>
+          <p:cNvSpPr>
+            <a:spLocks noGrp="1"/>
+          </p:cNvSpPr>
+          <p:nvPr>
+            <p:ph type="title"/>
+          </p:nvPr>
+        </p:nvSpPr>
+        <p:spPr/>
+        <p:txBody>
+          <a:bodyPr>
+            <a:normAutofit fontScale="90000"/>
+          </a:bodyPr>
+          <a:lstStyle/>
+          <a:p>
+            <a:r>
+              <a:rPr lang="en-US" dirty="0"/>
+              <a:t>Salamander 4 Bare Metal vs. Virtualization</a:t>
+            </a:r>
+          </a:p>
+        </p:txBody>
+      </p:sp>
+      <p:sp>
+        <p:nvSpPr>
+          <p:cNvPr id="3" name="Textplatzhalter 2">
+            <a:extLst>
+              <a:ext uri="{FF2B5EF4-FFF2-40B4-BE49-F238E27FC236}">
+                <a16:creationId xmlns:a16="http://schemas.microsoft.com/office/drawing/2014/main" id="{04897626-5992-AC9F-A7C2-0A8A6A65B6F9}"/>
+              </a:ext>
+            </a:extLst>
+          </p:cNvPr>
+          <p:cNvSpPr>
+            <a:spLocks noGrp="1"/>
+          </p:cNvSpPr>
+          <p:nvPr>
+            <p:ph type="body" sz="quarter" idx="14"/>
+          </p:nvPr>
+        </p:nvSpPr>
+        <p:spPr/>
+        <p:txBody>
+          <a:bodyPr>
+            <a:normAutofit/>
+          </a:bodyPr>
+          <a:lstStyle/>
+          <a:p>
+            <a:pPr algn="l"/>
+            <a:endParaRPr lang="en-US" sz="1600" dirty="0"/>
+          </a:p>
+        </p:txBody>
+      </p:sp>
+      <p:sp>
+        <p:nvSpPr>
+          <p:cNvPr id="4" name="Fußzeilenplatzhalter 3">
+            <a:extLst>
+              <a:ext uri="{FF2B5EF4-FFF2-40B4-BE49-F238E27FC236}">
+                <a16:creationId xmlns:a16="http://schemas.microsoft.com/office/drawing/2014/main" id="{17F6F80D-FCFD-474A-A46E-BEF92F26DC8D}"/>
+              </a:ext>
+            </a:extLst>
+          </p:cNvPr>
+          <p:cNvSpPr>
+            <a:spLocks noGrp="1"/>
+          </p:cNvSpPr>
+          <p:nvPr>
+            <p:ph type="ftr" sz="quarter" idx="12"/>
+          </p:nvPr>
+        </p:nvSpPr>
+        <p:spPr/>
+        <p:txBody>
+          <a:bodyPr/>
+          <a:lstStyle/>
+          <a:p>
+            <a:r>
+              <a:rPr lang="en-US"/>
+              <a:t>Virtualization of a Real-Time Operating System for Robot Control with a Focus on RealTime Compliance</a:t>
+            </a:r>
+            <a:r>
+              <a:rPr lang="en-GB"/>
+              <a:t> | </a:t>
+            </a:r>
+            <a:r>
+              <a:rPr lang="de-AT"/>
+              <a:t>Halil Pamuk, BSc.</a:t>
+            </a:r>
+            <a:r>
+              <a:rPr lang="en-GB"/>
+              <a:t> | 10.10.2024</a:t>
+            </a:r>
+            <a:endParaRPr lang="en-GB" dirty="0"/>
+          </a:p>
+        </p:txBody>
+      </p:sp>
+      <p:sp>
+        <p:nvSpPr>
+          <p:cNvPr id="5" name="Foliennummernplatzhalter 4">
+            <a:extLst>
+              <a:ext uri="{FF2B5EF4-FFF2-40B4-BE49-F238E27FC236}">
+                <a16:creationId xmlns:a16="http://schemas.microsoft.com/office/drawing/2014/main" id="{6FE7C3E3-082F-E591-9994-A62597200B98}"/>
+              </a:ext>
+            </a:extLst>
+          </p:cNvPr>
+          <p:cNvSpPr>
+            <a:spLocks noGrp="1"/>
+          </p:cNvSpPr>
+          <p:nvPr>
+            <p:ph type="sldNum" sz="quarter" idx="13"/>
+          </p:nvPr>
+        </p:nvSpPr>
+        <p:spPr/>
+        <p:txBody>
+          <a:bodyPr/>
+          <a:lstStyle/>
+          <a:p>
+            <a:fld id="{9C057DB4-583E-41A7-BD94-987342018C17}" type="slidenum">
+              <a:rPr lang="en-GB" smtClean="0"/>
+              <a:pPr/>
+              <a:t>13</a:t>
+            </a:fld>
+            <a:endParaRPr lang="en-GB" dirty="0"/>
+          </a:p>
+        </p:txBody>
+      </p:sp>
+      <p:sp>
+        <p:nvSpPr>
+          <p:cNvPr id="6" name="Textfeld 5">
+            <a:extLst>
+              <a:ext uri="{FF2B5EF4-FFF2-40B4-BE49-F238E27FC236}">
+                <a16:creationId xmlns:a16="http://schemas.microsoft.com/office/drawing/2014/main" id="{9AB5A822-3C8A-C9CC-A179-6AC2B863414C}"/>
+              </a:ext>
+            </a:extLst>
+          </p:cNvPr>
+          <p:cNvSpPr txBox="1"/>
+          <p:nvPr/>
+        </p:nvSpPr>
+        <p:spPr>
+          <a:xfrm>
+            <a:off x="2042160" y="1988820"/>
+            <a:ext cx="914400" cy="914400"/>
+          </a:xfrm>
+          <a:prstGeom prst="rect">
+            <a:avLst/>
+          </a:prstGeom>
+        </p:spPr>
+        <p:txBody>
+          <a:bodyPr vert="horz" wrap="none" lIns="91440" tIns="45720" rIns="91440" bIns="45720" rtlCol="0" anchor="t">
+            <a:normAutofit/>
+          </a:bodyPr>
+          <a:lstStyle/>
+          <a:p>
+            <a:pPr algn="l"/>
+            <a:endParaRPr lang="en-US" sz="2800" dirty="0"/>
+          </a:p>
+        </p:txBody>
+      </p:sp>
+      <p:pic>
+        <p:nvPicPr>
+          <p:cNvPr id="25" name="Grafik 24">
+            <a:extLst>
+              <a:ext uri="{FF2B5EF4-FFF2-40B4-BE49-F238E27FC236}">
+                <a16:creationId xmlns:a16="http://schemas.microsoft.com/office/drawing/2014/main" id="{7FFDC4E4-238A-D8F0-A432-3EE5613E70C2}"/>
+              </a:ext>
+            </a:extLst>
+          </p:cNvPr>
+          <p:cNvPicPr>
+            <a:picLocks noChangeAspect="1"/>
+          </p:cNvPicPr>
+          <p:nvPr/>
+        </p:nvPicPr>
+        <p:blipFill>
+          <a:blip r:embed="rId2"/>
+          <a:stretch>
+            <a:fillRect/>
+          </a:stretch>
+        </p:blipFill>
+        <p:spPr>
+          <a:xfrm>
+            <a:off x="1613096" y="780847"/>
+            <a:ext cx="5917808" cy="3755154"/>
+          </a:xfrm>
+          <a:prstGeom prst="rect">
+            <a:avLst/>
+          </a:prstGeom>
+        </p:spPr>
+      </p:pic>
+    </p:spTree>
+    <p:extLst>
+      <p:ext uri="{BB962C8B-B14F-4D97-AF65-F5344CB8AC3E}">
+        <p14:creationId xmlns:p14="http://schemas.microsoft.com/office/powerpoint/2010/main" val="2492359486"/>
+      </p:ext>
+    </p:extLst>
+  </p:cSld>
+  <p:clrMapOvr>
+    <a:masterClrMapping/>
+  </p:clrMapOvr>
+</p:sld>
+</file>
+
+<file path=ppt/slides/slide14.xml><?xml version="1.0" encoding="utf-8"?>
+<p:sld xmlns:a="http://schemas.openxmlformats.org/drawingml/2006/main" xmlns:r="http://schemas.openxmlformats.org/officeDocument/2006/relationships" xmlns:p="http://schemas.openxmlformats.org/presentationml/2006/main" show="0">
+  <p:cSld>
+    <p:spTree>
+      <p:nvGrpSpPr>
+        <p:cNvPr id="1" name=""/>
+        <p:cNvGrpSpPr/>
+        <p:nvPr/>
+      </p:nvGrpSpPr>
+      <p:grpSpPr>
+        <a:xfrm>
+          <a:off x="0" y="0"/>
+          <a:ext cx="0" cy="0"/>
+          <a:chOff x="0" y="0"/>
+          <a:chExt cx="0" cy="0"/>
+        </a:xfrm>
+      </p:grpSpPr>
+      <p:sp>
+        <p:nvSpPr>
+          <p:cNvPr id="2" name="Titel 1">
+            <a:extLst>
+              <a:ext uri="{FF2B5EF4-FFF2-40B4-BE49-F238E27FC236}">
+                <a16:creationId xmlns:a16="http://schemas.microsoft.com/office/drawing/2014/main" id="{446D3BEF-CC88-B742-5807-43EE48D25381}"/>
+              </a:ext>
+            </a:extLst>
+          </p:cNvPr>
+          <p:cNvSpPr>
+            <a:spLocks noGrp="1"/>
+          </p:cNvSpPr>
+          <p:nvPr>
+            <p:ph type="title"/>
+          </p:nvPr>
+        </p:nvSpPr>
+        <p:spPr/>
+        <p:txBody>
+          <a:bodyPr>
+            <a:normAutofit fontScale="90000"/>
+          </a:bodyPr>
+          <a:lstStyle/>
+          <a:p>
+            <a:r>
+              <a:rPr lang="en-US" dirty="0"/>
+              <a:t>Salamander 4 Virtualization BIOS Configurations</a:t>
+            </a:r>
+          </a:p>
+        </p:txBody>
+      </p:sp>
+      <p:sp>
+        <p:nvSpPr>
+          <p:cNvPr id="3" name="Textplatzhalter 2">
+            <a:extLst>
+              <a:ext uri="{FF2B5EF4-FFF2-40B4-BE49-F238E27FC236}">
+                <a16:creationId xmlns:a16="http://schemas.microsoft.com/office/drawing/2014/main" id="{04897626-5992-AC9F-A7C2-0A8A6A65B6F9}"/>
+              </a:ext>
+            </a:extLst>
+          </p:cNvPr>
+          <p:cNvSpPr>
+            <a:spLocks noGrp="1"/>
+          </p:cNvSpPr>
+          <p:nvPr>
+            <p:ph type="body" sz="quarter" idx="14"/>
+          </p:nvPr>
+        </p:nvSpPr>
+        <p:spPr/>
+        <p:txBody>
+          <a:bodyPr>
+            <a:normAutofit/>
+          </a:bodyPr>
+          <a:lstStyle/>
+          <a:p>
+            <a:pPr algn="l"/>
+            <a:endParaRPr lang="en-US" sz="1600" dirty="0"/>
+          </a:p>
+        </p:txBody>
+      </p:sp>
+      <p:sp>
+        <p:nvSpPr>
+          <p:cNvPr id="4" name="Fußzeilenplatzhalter 3">
+            <a:extLst>
+              <a:ext uri="{FF2B5EF4-FFF2-40B4-BE49-F238E27FC236}">
+                <a16:creationId xmlns:a16="http://schemas.microsoft.com/office/drawing/2014/main" id="{17F6F80D-FCFD-474A-A46E-BEF92F26DC8D}"/>
+              </a:ext>
+            </a:extLst>
+          </p:cNvPr>
+          <p:cNvSpPr>
+            <a:spLocks noGrp="1"/>
+          </p:cNvSpPr>
+          <p:nvPr>
+            <p:ph type="ftr" sz="quarter" idx="12"/>
+          </p:nvPr>
+        </p:nvSpPr>
+        <p:spPr/>
+        <p:txBody>
+          <a:bodyPr/>
+          <a:lstStyle/>
+          <a:p>
+            <a:r>
+              <a:rPr lang="en-US"/>
+              <a:t>Virtualization of a Real-Time Operating System for Robot Control with a Focus on RealTime Compliance</a:t>
+            </a:r>
+            <a:r>
+              <a:rPr lang="en-GB"/>
+              <a:t> | </a:t>
+            </a:r>
+            <a:r>
+              <a:rPr lang="de-AT"/>
+              <a:t>Halil Pamuk, BSc.</a:t>
+            </a:r>
+            <a:r>
+              <a:rPr lang="en-GB"/>
+              <a:t> | 10.10.2024</a:t>
+            </a:r>
+            <a:endParaRPr lang="en-GB" dirty="0"/>
+          </a:p>
+        </p:txBody>
+      </p:sp>
+      <p:sp>
+        <p:nvSpPr>
+          <p:cNvPr id="5" name="Foliennummernplatzhalter 4">
+            <a:extLst>
+              <a:ext uri="{FF2B5EF4-FFF2-40B4-BE49-F238E27FC236}">
+                <a16:creationId xmlns:a16="http://schemas.microsoft.com/office/drawing/2014/main" id="{6FE7C3E3-082F-E591-9994-A62597200B98}"/>
+              </a:ext>
+            </a:extLst>
+          </p:cNvPr>
+          <p:cNvSpPr>
+            <a:spLocks noGrp="1"/>
+          </p:cNvSpPr>
+          <p:nvPr>
+            <p:ph type="sldNum" sz="quarter" idx="13"/>
+          </p:nvPr>
+        </p:nvSpPr>
+        <p:spPr/>
+        <p:txBody>
+          <a:bodyPr/>
+          <a:lstStyle/>
+          <a:p>
+            <a:fld id="{9C057DB4-583E-41A7-BD94-987342018C17}" type="slidenum">
+              <a:rPr lang="en-GB" smtClean="0"/>
+              <a:pPr/>
+              <a:t>14</a:t>
+            </a:fld>
+            <a:endParaRPr lang="en-GB" dirty="0"/>
+          </a:p>
+        </p:txBody>
+      </p:sp>
+      <p:sp>
+        <p:nvSpPr>
+          <p:cNvPr id="6" name="Textfeld 5">
+            <a:extLst>
+              <a:ext uri="{FF2B5EF4-FFF2-40B4-BE49-F238E27FC236}">
+                <a16:creationId xmlns:a16="http://schemas.microsoft.com/office/drawing/2014/main" id="{9AB5A822-3C8A-C9CC-A179-6AC2B863414C}"/>
+              </a:ext>
+            </a:extLst>
+          </p:cNvPr>
+          <p:cNvSpPr txBox="1"/>
+          <p:nvPr/>
+        </p:nvSpPr>
+        <p:spPr>
+          <a:xfrm>
+            <a:off x="2042160" y="1988820"/>
+            <a:ext cx="914400" cy="914400"/>
+          </a:xfrm>
+          <a:prstGeom prst="rect">
+            <a:avLst/>
+          </a:prstGeom>
+        </p:spPr>
+        <p:txBody>
+          <a:bodyPr vert="horz" wrap="none" lIns="91440" tIns="45720" rIns="91440" bIns="45720" rtlCol="0" anchor="t">
+            <a:normAutofit/>
+          </a:bodyPr>
+          <a:lstStyle/>
+          <a:p>
+            <a:pPr algn="l"/>
+            <a:endParaRPr lang="en-US" sz="2800" dirty="0"/>
+          </a:p>
+        </p:txBody>
+      </p:sp>
+      <p:pic>
+        <p:nvPicPr>
+          <p:cNvPr id="18" name="Grafik 17">
+            <a:extLst>
+              <a:ext uri="{FF2B5EF4-FFF2-40B4-BE49-F238E27FC236}">
+                <a16:creationId xmlns:a16="http://schemas.microsoft.com/office/drawing/2014/main" id="{E0E93EE3-2ACB-3DB4-4E9C-BE36B4DA099E}"/>
+              </a:ext>
+            </a:extLst>
+          </p:cNvPr>
+          <p:cNvPicPr>
+            <a:picLocks noChangeAspect="1"/>
+          </p:cNvPicPr>
+          <p:nvPr/>
+        </p:nvPicPr>
+        <p:blipFill>
+          <a:blip r:embed="rId2"/>
+          <a:stretch>
+            <a:fillRect/>
+          </a:stretch>
+        </p:blipFill>
+        <p:spPr>
+          <a:xfrm>
+            <a:off x="1582703" y="964959"/>
+            <a:ext cx="5969914" cy="3306530"/>
+          </a:xfrm>
+          <a:prstGeom prst="rect">
+            <a:avLst/>
+          </a:prstGeom>
+        </p:spPr>
+      </p:pic>
+    </p:spTree>
+    <p:extLst>
+      <p:ext uri="{BB962C8B-B14F-4D97-AF65-F5344CB8AC3E}">
+        <p14:creationId xmlns:p14="http://schemas.microsoft.com/office/powerpoint/2010/main" val="376197105"/>
+      </p:ext>
+    </p:extLst>
+  </p:cSld>
+  <p:clrMapOvr>
+    <a:masterClrMapping/>
+  </p:clrMapOvr>
+</p:sld>
+</file>
+
+<file path=ppt/slides/slide15.xml><?xml version="1.0" encoding="utf-8"?>
+<p:sld xmlns:a="http://schemas.openxmlformats.org/drawingml/2006/main" xmlns:r="http://schemas.openxmlformats.org/officeDocument/2006/relationships" xmlns:p="http://schemas.openxmlformats.org/presentationml/2006/main" show="0">
+  <p:cSld>
+    <p:spTree>
+      <p:nvGrpSpPr>
+        <p:cNvPr id="1" name=""/>
+        <p:cNvGrpSpPr/>
+        <p:nvPr/>
+      </p:nvGrpSpPr>
+      <p:grpSpPr>
+        <a:xfrm>
+          <a:off x="0" y="0"/>
+          <a:ext cx="0" cy="0"/>
+          <a:chOff x="0" y="0"/>
+          <a:chExt cx="0" cy="0"/>
+        </a:xfrm>
+      </p:grpSpPr>
+      <p:sp>
+        <p:nvSpPr>
+          <p:cNvPr id="2" name="Titel 1">
+            <a:extLst>
+              <a:ext uri="{FF2B5EF4-FFF2-40B4-BE49-F238E27FC236}">
+                <a16:creationId xmlns:a16="http://schemas.microsoft.com/office/drawing/2014/main" id="{446D3BEF-CC88-B742-5807-43EE48D25381}"/>
+              </a:ext>
+            </a:extLst>
+          </p:cNvPr>
+          <p:cNvSpPr>
+            <a:spLocks noGrp="1"/>
+          </p:cNvSpPr>
+          <p:nvPr>
+            <p:ph type="title"/>
+          </p:nvPr>
+        </p:nvSpPr>
+        <p:spPr/>
+        <p:txBody>
+          <a:bodyPr>
+            <a:normAutofit fontScale="90000"/>
+          </a:bodyPr>
+          <a:lstStyle/>
+          <a:p>
+            <a:r>
+              <a:rPr lang="en-US" dirty="0"/>
+              <a:t>Salamander 4 Virtualization after BIOS Configurations</a:t>
+            </a:r>
+          </a:p>
+        </p:txBody>
+      </p:sp>
+      <p:sp>
+        <p:nvSpPr>
+          <p:cNvPr id="3" name="Textplatzhalter 2">
+            <a:extLst>
+              <a:ext uri="{FF2B5EF4-FFF2-40B4-BE49-F238E27FC236}">
+                <a16:creationId xmlns:a16="http://schemas.microsoft.com/office/drawing/2014/main" id="{04897626-5992-AC9F-A7C2-0A8A6A65B6F9}"/>
+              </a:ext>
+            </a:extLst>
+          </p:cNvPr>
+          <p:cNvSpPr>
+            <a:spLocks noGrp="1"/>
+          </p:cNvSpPr>
+          <p:nvPr>
+            <p:ph type="body" sz="quarter" idx="14"/>
+          </p:nvPr>
+        </p:nvSpPr>
+        <p:spPr/>
+        <p:txBody>
+          <a:bodyPr>
+            <a:normAutofit/>
+          </a:bodyPr>
+          <a:lstStyle/>
+          <a:p>
+            <a:pPr algn="l"/>
+            <a:endParaRPr lang="en-US" sz="1600" dirty="0"/>
+          </a:p>
+        </p:txBody>
+      </p:sp>
+      <p:sp>
+        <p:nvSpPr>
+          <p:cNvPr id="4" name="Fußzeilenplatzhalter 3">
+            <a:extLst>
+              <a:ext uri="{FF2B5EF4-FFF2-40B4-BE49-F238E27FC236}">
+                <a16:creationId xmlns:a16="http://schemas.microsoft.com/office/drawing/2014/main" id="{17F6F80D-FCFD-474A-A46E-BEF92F26DC8D}"/>
+              </a:ext>
+            </a:extLst>
+          </p:cNvPr>
+          <p:cNvSpPr>
+            <a:spLocks noGrp="1"/>
+          </p:cNvSpPr>
+          <p:nvPr>
+            <p:ph type="ftr" sz="quarter" idx="12"/>
+          </p:nvPr>
+        </p:nvSpPr>
+        <p:spPr/>
+        <p:txBody>
+          <a:bodyPr/>
+          <a:lstStyle/>
+          <a:p>
+            <a:r>
+              <a:rPr lang="en-US"/>
+              <a:t>Virtualization of a Real-Time Operating System for Robot Control with a Focus on RealTime Compliance</a:t>
+            </a:r>
+            <a:r>
+              <a:rPr lang="en-GB"/>
+              <a:t> | </a:t>
+            </a:r>
+            <a:r>
+              <a:rPr lang="de-AT"/>
+              <a:t>Halil Pamuk, BSc.</a:t>
+            </a:r>
+            <a:r>
+              <a:rPr lang="en-GB"/>
+              <a:t> | 10.10.2024</a:t>
+            </a:r>
+            <a:endParaRPr lang="en-GB" dirty="0"/>
+          </a:p>
+        </p:txBody>
+      </p:sp>
+      <p:sp>
+        <p:nvSpPr>
+          <p:cNvPr id="5" name="Foliennummernplatzhalter 4">
+            <a:extLst>
+              <a:ext uri="{FF2B5EF4-FFF2-40B4-BE49-F238E27FC236}">
+                <a16:creationId xmlns:a16="http://schemas.microsoft.com/office/drawing/2014/main" id="{6FE7C3E3-082F-E591-9994-A62597200B98}"/>
+              </a:ext>
+            </a:extLst>
+          </p:cNvPr>
+          <p:cNvSpPr>
+            <a:spLocks noGrp="1"/>
+          </p:cNvSpPr>
+          <p:nvPr>
+            <p:ph type="sldNum" sz="quarter" idx="13"/>
+          </p:nvPr>
+        </p:nvSpPr>
+        <p:spPr/>
+        <p:txBody>
+          <a:bodyPr/>
+          <a:lstStyle/>
+          <a:p>
+            <a:fld id="{9C057DB4-583E-41A7-BD94-987342018C17}" type="slidenum">
+              <a:rPr lang="en-GB" smtClean="0"/>
+              <a:pPr/>
+              <a:t>15</a:t>
+            </a:fld>
+            <a:endParaRPr lang="en-GB" dirty="0"/>
+          </a:p>
+        </p:txBody>
+      </p:sp>
+      <p:sp>
+        <p:nvSpPr>
+          <p:cNvPr id="6" name="Textfeld 5">
+            <a:extLst>
+              <a:ext uri="{FF2B5EF4-FFF2-40B4-BE49-F238E27FC236}">
+                <a16:creationId xmlns:a16="http://schemas.microsoft.com/office/drawing/2014/main" id="{9AB5A822-3C8A-C9CC-A179-6AC2B863414C}"/>
+              </a:ext>
+            </a:extLst>
+          </p:cNvPr>
+          <p:cNvSpPr txBox="1"/>
+          <p:nvPr/>
+        </p:nvSpPr>
+        <p:spPr>
+          <a:xfrm>
+            <a:off x="2042160" y="1988820"/>
+            <a:ext cx="914400" cy="914400"/>
+          </a:xfrm>
+          <a:prstGeom prst="rect">
+            <a:avLst/>
+          </a:prstGeom>
+        </p:spPr>
+        <p:txBody>
+          <a:bodyPr vert="horz" wrap="none" lIns="91440" tIns="45720" rIns="91440" bIns="45720" rtlCol="0" anchor="t">
+            <a:normAutofit/>
+          </a:bodyPr>
+          <a:lstStyle/>
+          <a:p>
+            <a:pPr algn="l"/>
+            <a:endParaRPr lang="en-US" sz="2800" dirty="0"/>
+          </a:p>
+        </p:txBody>
+      </p:sp>
+      <p:pic>
+        <p:nvPicPr>
+          <p:cNvPr id="12" name="Grafik 11">
+            <a:extLst>
+              <a:ext uri="{FF2B5EF4-FFF2-40B4-BE49-F238E27FC236}">
+                <a16:creationId xmlns:a16="http://schemas.microsoft.com/office/drawing/2014/main" id="{5A7933C1-B2A4-FFC9-1D95-A28F13632EA9}"/>
+              </a:ext>
+            </a:extLst>
+          </p:cNvPr>
+          <p:cNvPicPr>
+            <a:picLocks noChangeAspect="1"/>
+          </p:cNvPicPr>
+          <p:nvPr/>
+        </p:nvPicPr>
+        <p:blipFill>
+          <a:blip r:embed="rId2"/>
+          <a:stretch>
+            <a:fillRect/>
+          </a:stretch>
+        </p:blipFill>
+        <p:spPr>
+          <a:xfrm>
+            <a:off x="197359" y="1156120"/>
+            <a:ext cx="4659094" cy="2831259"/>
+          </a:xfrm>
+          <a:prstGeom prst="rect">
+            <a:avLst/>
+          </a:prstGeom>
+          <a:ln>
+            <a:solidFill>
+              <a:schemeClr val="bg1"/>
+            </a:solidFill>
+          </a:ln>
+        </p:spPr>
+      </p:pic>
+      <p:pic>
+        <p:nvPicPr>
+          <p:cNvPr id="16" name="Grafik 15">
+            <a:extLst>
+              <a:ext uri="{FF2B5EF4-FFF2-40B4-BE49-F238E27FC236}">
+                <a16:creationId xmlns:a16="http://schemas.microsoft.com/office/drawing/2014/main" id="{F4D82E7B-2045-9648-AA0A-D232804C23CE}"/>
+              </a:ext>
+            </a:extLst>
+          </p:cNvPr>
+          <p:cNvPicPr>
+            <a:picLocks noChangeAspect="1"/>
+          </p:cNvPicPr>
+          <p:nvPr/>
+        </p:nvPicPr>
+        <p:blipFill>
+          <a:blip r:embed="rId3"/>
+          <a:stretch>
+            <a:fillRect/>
+          </a:stretch>
+        </p:blipFill>
+        <p:spPr>
+          <a:xfrm>
+            <a:off x="4928454" y="1984767"/>
+            <a:ext cx="4035545" cy="1551224"/>
+          </a:xfrm>
+          <a:prstGeom prst="rect">
+            <a:avLst/>
+          </a:prstGeom>
+          <a:ln>
+            <a:solidFill>
+              <a:schemeClr val="bg1"/>
+            </a:solidFill>
+          </a:ln>
+        </p:spPr>
+      </p:pic>
+    </p:spTree>
+    <p:extLst>
+      <p:ext uri="{BB962C8B-B14F-4D97-AF65-F5344CB8AC3E}">
+        <p14:creationId xmlns:p14="http://schemas.microsoft.com/office/powerpoint/2010/main" val="2911760232"/>
+      </p:ext>
+    </p:extLst>
+  </p:cSld>
+  <p:clrMapOvr>
+    <a:masterClrMapping/>
+  </p:clrMapOvr>
+</p:sld>
+</file>
+
+<file path=ppt/slides/slide16.xml><?xml version="1.0" encoding="utf-8"?>
+<p:sld xmlns:a="http://schemas.openxmlformats.org/drawingml/2006/main" xmlns:r="http://schemas.openxmlformats.org/officeDocument/2006/relationships" xmlns:p="http://schemas.openxmlformats.org/presentationml/2006/main" show="0">
+  <p:cSld>
+    <p:spTree>
+      <p:nvGrpSpPr>
+        <p:cNvPr id="1" name=""/>
+        <p:cNvGrpSpPr/>
+        <p:nvPr/>
+      </p:nvGrpSpPr>
+      <p:grpSpPr>
+        <a:xfrm>
+          <a:off x="0" y="0"/>
+          <a:ext cx="0" cy="0"/>
+          <a:chOff x="0" y="0"/>
+          <a:chExt cx="0" cy="0"/>
+        </a:xfrm>
+      </p:grpSpPr>
+      <p:sp>
+        <p:nvSpPr>
+          <p:cNvPr id="2" name="Titel 1">
+            <a:extLst>
+              <a:ext uri="{FF2B5EF4-FFF2-40B4-BE49-F238E27FC236}">
+                <a16:creationId xmlns:a16="http://schemas.microsoft.com/office/drawing/2014/main" id="{446D3BEF-CC88-B742-5807-43EE48D25381}"/>
+              </a:ext>
+            </a:extLst>
+          </p:cNvPr>
+          <p:cNvSpPr>
+            <a:spLocks noGrp="1"/>
+          </p:cNvSpPr>
+          <p:nvPr>
+            <p:ph type="title"/>
+          </p:nvPr>
+        </p:nvSpPr>
+        <p:spPr/>
+        <p:txBody>
+          <a:bodyPr>
+            <a:normAutofit fontScale="90000"/>
+          </a:bodyPr>
+          <a:lstStyle/>
+          <a:p>
+            <a:r>
+              <a:rPr lang="en-US" dirty="0"/>
+              <a:t>Salamander 4 Virtualization Kernel Configurations</a:t>
+            </a:r>
+          </a:p>
+        </p:txBody>
+      </p:sp>
+      <p:sp>
+        <p:nvSpPr>
+          <p:cNvPr id="3" name="Textplatzhalter 2">
+            <a:extLst>
+              <a:ext uri="{FF2B5EF4-FFF2-40B4-BE49-F238E27FC236}">
+                <a16:creationId xmlns:a16="http://schemas.microsoft.com/office/drawing/2014/main" id="{04897626-5992-AC9F-A7C2-0A8A6A65B6F9}"/>
+              </a:ext>
+            </a:extLst>
+          </p:cNvPr>
+          <p:cNvSpPr>
+            <a:spLocks noGrp="1"/>
+          </p:cNvSpPr>
+          <p:nvPr>
+            <p:ph type="body" sz="quarter" idx="14"/>
+          </p:nvPr>
+        </p:nvSpPr>
+        <p:spPr/>
+        <p:txBody>
+          <a:bodyPr>
+            <a:normAutofit/>
+          </a:bodyPr>
+          <a:lstStyle/>
+          <a:p>
+            <a:pPr algn="l"/>
+            <a:endParaRPr lang="en-US" sz="1600" dirty="0"/>
+          </a:p>
+        </p:txBody>
+      </p:sp>
+      <p:sp>
+        <p:nvSpPr>
+          <p:cNvPr id="4" name="Fußzeilenplatzhalter 3">
+            <a:extLst>
+              <a:ext uri="{FF2B5EF4-FFF2-40B4-BE49-F238E27FC236}">
+                <a16:creationId xmlns:a16="http://schemas.microsoft.com/office/drawing/2014/main" id="{17F6F80D-FCFD-474A-A46E-BEF92F26DC8D}"/>
+              </a:ext>
+            </a:extLst>
+          </p:cNvPr>
+          <p:cNvSpPr>
+            <a:spLocks noGrp="1"/>
+          </p:cNvSpPr>
+          <p:nvPr>
+            <p:ph type="ftr" sz="quarter" idx="12"/>
+          </p:nvPr>
+        </p:nvSpPr>
+        <p:spPr/>
+        <p:txBody>
+          <a:bodyPr/>
+          <a:lstStyle/>
+          <a:p>
+            <a:r>
+              <a:rPr lang="en-US"/>
+              <a:t>Virtualization of a Real-Time Operating System for Robot Control with a Focus on RealTime Compliance</a:t>
+            </a:r>
+            <a:r>
+              <a:rPr lang="en-GB"/>
+              <a:t> | </a:t>
+            </a:r>
+            <a:r>
+              <a:rPr lang="de-AT"/>
+              <a:t>Halil Pamuk, BSc.</a:t>
+            </a:r>
+            <a:r>
+              <a:rPr lang="en-GB"/>
+              <a:t> | 10.10.2024</a:t>
+            </a:r>
+            <a:endParaRPr lang="en-GB" dirty="0"/>
+          </a:p>
+        </p:txBody>
+      </p:sp>
+      <p:sp>
+        <p:nvSpPr>
+          <p:cNvPr id="5" name="Foliennummernplatzhalter 4">
+            <a:extLst>
+              <a:ext uri="{FF2B5EF4-FFF2-40B4-BE49-F238E27FC236}">
+                <a16:creationId xmlns:a16="http://schemas.microsoft.com/office/drawing/2014/main" id="{6FE7C3E3-082F-E591-9994-A62597200B98}"/>
+              </a:ext>
+            </a:extLst>
+          </p:cNvPr>
+          <p:cNvSpPr>
+            <a:spLocks noGrp="1"/>
+          </p:cNvSpPr>
+          <p:nvPr>
+            <p:ph type="sldNum" sz="quarter" idx="13"/>
+          </p:nvPr>
+        </p:nvSpPr>
+        <p:spPr/>
+        <p:txBody>
+          <a:bodyPr/>
+          <a:lstStyle/>
+          <a:p>
+            <a:fld id="{9C057DB4-583E-41A7-BD94-987342018C17}" type="slidenum">
+              <a:rPr lang="en-GB" smtClean="0"/>
+              <a:pPr/>
+              <a:t>16</a:t>
+            </a:fld>
+            <a:endParaRPr lang="en-GB" dirty="0"/>
+          </a:p>
+        </p:txBody>
+      </p:sp>
+      <p:sp>
+        <p:nvSpPr>
+          <p:cNvPr id="6" name="Textfeld 5">
+            <a:extLst>
+              <a:ext uri="{FF2B5EF4-FFF2-40B4-BE49-F238E27FC236}">
+                <a16:creationId xmlns:a16="http://schemas.microsoft.com/office/drawing/2014/main" id="{9AB5A822-3C8A-C9CC-A179-6AC2B863414C}"/>
+              </a:ext>
+            </a:extLst>
+          </p:cNvPr>
+          <p:cNvSpPr txBox="1"/>
+          <p:nvPr/>
+        </p:nvSpPr>
+        <p:spPr>
+          <a:xfrm>
+            <a:off x="2042160" y="1988820"/>
+            <a:ext cx="914400" cy="914400"/>
+          </a:xfrm>
+          <a:prstGeom prst="rect">
+            <a:avLst/>
+          </a:prstGeom>
+        </p:spPr>
+        <p:txBody>
+          <a:bodyPr vert="horz" wrap="none" lIns="91440" tIns="45720" rIns="91440" bIns="45720" rtlCol="0" anchor="t">
+            <a:normAutofit/>
+          </a:bodyPr>
+          <a:lstStyle/>
+          <a:p>
+            <a:pPr algn="l"/>
+            <a:endParaRPr lang="en-US" sz="2800" dirty="0"/>
+          </a:p>
+        </p:txBody>
+      </p:sp>
+      <p:pic>
+        <p:nvPicPr>
+          <p:cNvPr id="14" name="Grafik 13">
+            <a:extLst>
+              <a:ext uri="{FF2B5EF4-FFF2-40B4-BE49-F238E27FC236}">
+                <a16:creationId xmlns:a16="http://schemas.microsoft.com/office/drawing/2014/main" id="{32D9905F-CA70-3B38-1785-7DA6026C0ABA}"/>
+              </a:ext>
+            </a:extLst>
+          </p:cNvPr>
+          <p:cNvPicPr>
+            <a:picLocks noChangeAspect="1"/>
+          </p:cNvPicPr>
+          <p:nvPr/>
+        </p:nvPicPr>
+        <p:blipFill>
+          <a:blip r:embed="rId2"/>
+          <a:stretch>
+            <a:fillRect/>
+          </a:stretch>
+        </p:blipFill>
+        <p:spPr>
+          <a:xfrm>
+            <a:off x="614785" y="1420959"/>
+            <a:ext cx="7905750" cy="2301581"/>
+          </a:xfrm>
+          <a:prstGeom prst="rect">
+            <a:avLst/>
+          </a:prstGeom>
+        </p:spPr>
+      </p:pic>
+    </p:spTree>
+    <p:extLst>
+      <p:ext uri="{BB962C8B-B14F-4D97-AF65-F5344CB8AC3E}">
+        <p14:creationId xmlns:p14="http://schemas.microsoft.com/office/powerpoint/2010/main" val="239929394"/>
+      </p:ext>
+    </p:extLst>
+  </p:cSld>
+  <p:clrMapOvr>
+    <a:masterClrMapping/>
+  </p:clrMapOvr>
+</p:sld>
+</file>
+
+<file path=ppt/slides/slide17.xml><?xml version="1.0" encoding="utf-8"?>
+<p:sld xmlns:a="http://schemas.openxmlformats.org/drawingml/2006/main" xmlns:r="http://schemas.openxmlformats.org/officeDocument/2006/relationships" xmlns:p="http://schemas.openxmlformats.org/presentationml/2006/main" show="0">
+  <p:cSld>
+    <p:spTree>
+      <p:nvGrpSpPr>
+        <p:cNvPr id="1" name=""/>
+        <p:cNvGrpSpPr/>
+        <p:nvPr/>
+      </p:nvGrpSpPr>
+      <p:grpSpPr>
+        <a:xfrm>
+          <a:off x="0" y="0"/>
+          <a:ext cx="0" cy="0"/>
+          <a:chOff x="0" y="0"/>
+          <a:chExt cx="0" cy="0"/>
+        </a:xfrm>
+      </p:grpSpPr>
+      <p:sp>
+        <p:nvSpPr>
+          <p:cNvPr id="2" name="Titel 1">
+            <a:extLst>
+              <a:ext uri="{FF2B5EF4-FFF2-40B4-BE49-F238E27FC236}">
+                <a16:creationId xmlns:a16="http://schemas.microsoft.com/office/drawing/2014/main" id="{446D3BEF-CC88-B742-5807-43EE48D25381}"/>
+              </a:ext>
+            </a:extLst>
+          </p:cNvPr>
+          <p:cNvSpPr>
+            <a:spLocks noGrp="1"/>
+          </p:cNvSpPr>
+          <p:nvPr>
+            <p:ph type="title"/>
+          </p:nvPr>
+        </p:nvSpPr>
+        <p:spPr/>
+        <p:txBody>
+          <a:bodyPr>
+            <a:normAutofit fontScale="90000"/>
+          </a:bodyPr>
+          <a:lstStyle/>
+          <a:p>
+            <a:r>
+              <a:rPr lang="en-US" dirty="0"/>
+              <a:t>Salamander 4 Virtualization after Kernel Configurations</a:t>
+            </a:r>
+          </a:p>
+        </p:txBody>
+      </p:sp>
+      <p:sp>
+        <p:nvSpPr>
+          <p:cNvPr id="3" name="Textplatzhalter 2">
+            <a:extLst>
+              <a:ext uri="{FF2B5EF4-FFF2-40B4-BE49-F238E27FC236}">
+                <a16:creationId xmlns:a16="http://schemas.microsoft.com/office/drawing/2014/main" id="{04897626-5992-AC9F-A7C2-0A8A6A65B6F9}"/>
+              </a:ext>
+            </a:extLst>
+          </p:cNvPr>
+          <p:cNvSpPr>
+            <a:spLocks noGrp="1"/>
+          </p:cNvSpPr>
+          <p:nvPr>
+            <p:ph type="body" sz="quarter" idx="14"/>
+          </p:nvPr>
+        </p:nvSpPr>
+        <p:spPr/>
+        <p:txBody>
+          <a:bodyPr>
+            <a:normAutofit/>
+          </a:bodyPr>
+          <a:lstStyle/>
+          <a:p>
+            <a:pPr algn="l"/>
+            <a:endParaRPr lang="en-US" sz="1600" dirty="0"/>
+          </a:p>
+        </p:txBody>
+      </p:sp>
+      <p:sp>
+        <p:nvSpPr>
+          <p:cNvPr id="4" name="Fußzeilenplatzhalter 3">
+            <a:extLst>
+              <a:ext uri="{FF2B5EF4-FFF2-40B4-BE49-F238E27FC236}">
+                <a16:creationId xmlns:a16="http://schemas.microsoft.com/office/drawing/2014/main" id="{17F6F80D-FCFD-474A-A46E-BEF92F26DC8D}"/>
+              </a:ext>
+            </a:extLst>
+          </p:cNvPr>
+          <p:cNvSpPr>
+            <a:spLocks noGrp="1"/>
+          </p:cNvSpPr>
+          <p:nvPr>
+            <p:ph type="ftr" sz="quarter" idx="12"/>
+          </p:nvPr>
+        </p:nvSpPr>
+        <p:spPr/>
+        <p:txBody>
+          <a:bodyPr/>
+          <a:lstStyle/>
+          <a:p>
+            <a:r>
+              <a:rPr lang="en-US"/>
+              <a:t>Virtualization of a Real-Time Operating System for Robot Control with a Focus on RealTime Compliance</a:t>
+            </a:r>
+            <a:r>
+              <a:rPr lang="en-GB"/>
+              <a:t> | </a:t>
+            </a:r>
+            <a:r>
+              <a:rPr lang="de-AT"/>
+              <a:t>Halil Pamuk, BSc.</a:t>
+            </a:r>
+            <a:r>
+              <a:rPr lang="en-GB"/>
+              <a:t> | 10.10.2024</a:t>
+            </a:r>
+            <a:endParaRPr lang="en-GB" dirty="0"/>
+          </a:p>
+        </p:txBody>
+      </p:sp>
+      <p:sp>
+        <p:nvSpPr>
+          <p:cNvPr id="5" name="Foliennummernplatzhalter 4">
+            <a:extLst>
+              <a:ext uri="{FF2B5EF4-FFF2-40B4-BE49-F238E27FC236}">
+                <a16:creationId xmlns:a16="http://schemas.microsoft.com/office/drawing/2014/main" id="{6FE7C3E3-082F-E591-9994-A62597200B98}"/>
+              </a:ext>
+            </a:extLst>
+          </p:cNvPr>
+          <p:cNvSpPr>
+            <a:spLocks noGrp="1"/>
+          </p:cNvSpPr>
+          <p:nvPr>
+            <p:ph type="sldNum" sz="quarter" idx="13"/>
+          </p:nvPr>
+        </p:nvSpPr>
+        <p:spPr/>
+        <p:txBody>
+          <a:bodyPr/>
+          <a:lstStyle/>
+          <a:p>
+            <a:fld id="{9C057DB4-583E-41A7-BD94-987342018C17}" type="slidenum">
+              <a:rPr lang="en-GB" smtClean="0"/>
+              <a:pPr/>
+              <a:t>17</a:t>
+            </a:fld>
+            <a:endParaRPr lang="en-GB" dirty="0"/>
+          </a:p>
+        </p:txBody>
+      </p:sp>
+      <p:sp>
+        <p:nvSpPr>
+          <p:cNvPr id="6" name="Textfeld 5">
+            <a:extLst>
+              <a:ext uri="{FF2B5EF4-FFF2-40B4-BE49-F238E27FC236}">
+                <a16:creationId xmlns:a16="http://schemas.microsoft.com/office/drawing/2014/main" id="{9AB5A822-3C8A-C9CC-A179-6AC2B863414C}"/>
+              </a:ext>
+            </a:extLst>
+          </p:cNvPr>
+          <p:cNvSpPr txBox="1"/>
+          <p:nvPr/>
+        </p:nvSpPr>
+        <p:spPr>
+          <a:xfrm>
+            <a:off x="2042160" y="1988820"/>
+            <a:ext cx="914400" cy="914400"/>
+          </a:xfrm>
+          <a:prstGeom prst="rect">
+            <a:avLst/>
+          </a:prstGeom>
+        </p:spPr>
+        <p:txBody>
+          <a:bodyPr vert="horz" wrap="none" lIns="91440" tIns="45720" rIns="91440" bIns="45720" rtlCol="0" anchor="t">
+            <a:normAutofit/>
+          </a:bodyPr>
+          <a:lstStyle/>
+          <a:p>
+            <a:pPr algn="l"/>
+            <a:endParaRPr lang="en-US" sz="2800" dirty="0"/>
+          </a:p>
+        </p:txBody>
+      </p:sp>
+      <p:pic>
+        <p:nvPicPr>
+          <p:cNvPr id="9" name="Grafik 8">
+            <a:extLst>
+              <a:ext uri="{FF2B5EF4-FFF2-40B4-BE49-F238E27FC236}">
+                <a16:creationId xmlns:a16="http://schemas.microsoft.com/office/drawing/2014/main" id="{13EBB762-D366-FA43-84DF-3045A2913E98}"/>
+              </a:ext>
+            </a:extLst>
+          </p:cNvPr>
+          <p:cNvPicPr>
+            <a:picLocks noChangeAspect="1"/>
+          </p:cNvPicPr>
+          <p:nvPr/>
+        </p:nvPicPr>
+        <p:blipFill>
+          <a:blip r:embed="rId2"/>
+          <a:stretch>
+            <a:fillRect/>
+          </a:stretch>
+        </p:blipFill>
+        <p:spPr>
+          <a:xfrm>
+            <a:off x="180000" y="1327772"/>
+            <a:ext cx="4659094" cy="2824694"/>
+          </a:xfrm>
+          <a:prstGeom prst="rect">
+            <a:avLst/>
+          </a:prstGeom>
+          <a:ln>
+            <a:solidFill>
+              <a:schemeClr val="bg1"/>
+            </a:solidFill>
+          </a:ln>
+        </p:spPr>
+      </p:pic>
+      <p:pic>
+        <p:nvPicPr>
+          <p:cNvPr id="12" name="Grafik 11">
+            <a:extLst>
+              <a:ext uri="{FF2B5EF4-FFF2-40B4-BE49-F238E27FC236}">
+                <a16:creationId xmlns:a16="http://schemas.microsoft.com/office/drawing/2014/main" id="{28D9921B-23EB-7B05-9A4B-05FC626C4F36}"/>
+              </a:ext>
+            </a:extLst>
+          </p:cNvPr>
+          <p:cNvPicPr>
+            <a:picLocks noChangeAspect="1"/>
+          </p:cNvPicPr>
+          <p:nvPr/>
+        </p:nvPicPr>
+        <p:blipFill>
+          <a:blip r:embed="rId3"/>
+          <a:stretch>
+            <a:fillRect/>
+          </a:stretch>
+        </p:blipFill>
+        <p:spPr>
+          <a:xfrm>
+            <a:off x="4928454" y="1986039"/>
+            <a:ext cx="4026866" cy="1508161"/>
+          </a:xfrm>
+          <a:prstGeom prst="rect">
+            <a:avLst/>
+          </a:prstGeom>
+          <a:ln>
+            <a:solidFill>
+              <a:schemeClr val="bg1"/>
+            </a:solidFill>
+          </a:ln>
+        </p:spPr>
+      </p:pic>
+    </p:spTree>
+    <p:extLst>
+      <p:ext uri="{BB962C8B-B14F-4D97-AF65-F5344CB8AC3E}">
+        <p14:creationId xmlns:p14="http://schemas.microsoft.com/office/powerpoint/2010/main" val="1700598757"/>
+      </p:ext>
+    </p:extLst>
+  </p:cSld>
+  <p:clrMapOvr>
+    <a:masterClrMapping/>
+  </p:clrMapOvr>
+</p:sld>
+</file>
+
+<file path=ppt/slides/slide18.xml><?xml version="1.0" encoding="utf-8"?>
+<p:sld xmlns:a="http://schemas.openxmlformats.org/drawingml/2006/main" xmlns:r="http://schemas.openxmlformats.org/officeDocument/2006/relationships" xmlns:p="http://schemas.openxmlformats.org/presentationml/2006/main" show="0">
+  <p:cSld>
+    <p:spTree>
+      <p:nvGrpSpPr>
+        <p:cNvPr id="1" name=""/>
+        <p:cNvGrpSpPr/>
+        <p:nvPr/>
+      </p:nvGrpSpPr>
+      <p:grpSpPr>
+        <a:xfrm>
+          <a:off x="0" y="0"/>
+          <a:ext cx="0" cy="0"/>
+          <a:chOff x="0" y="0"/>
+          <a:chExt cx="0" cy="0"/>
+        </a:xfrm>
+      </p:grpSpPr>
+      <p:sp>
+        <p:nvSpPr>
+          <p:cNvPr id="2" name="Titel 1">
+            <a:extLst>
+              <a:ext uri="{FF2B5EF4-FFF2-40B4-BE49-F238E27FC236}">
+                <a16:creationId xmlns:a16="http://schemas.microsoft.com/office/drawing/2014/main" id="{446D3BEF-CC88-B742-5807-43EE48D25381}"/>
+              </a:ext>
+            </a:extLst>
+          </p:cNvPr>
+          <p:cNvSpPr>
+            <a:spLocks noGrp="1"/>
+          </p:cNvSpPr>
+          <p:nvPr>
+            <p:ph type="title"/>
+          </p:nvPr>
+        </p:nvSpPr>
+        <p:spPr/>
+        <p:txBody>
+          <a:bodyPr>
+            <a:normAutofit fontScale="90000"/>
+          </a:bodyPr>
+          <a:lstStyle/>
+          <a:p>
+            <a:r>
+              <a:rPr lang="en-US" dirty="0"/>
+              <a:t>Salamander 4 Virtualization Host Configurations</a:t>
+            </a:r>
+          </a:p>
+        </p:txBody>
+      </p:sp>
+      <p:sp>
+        <p:nvSpPr>
+          <p:cNvPr id="3" name="Textplatzhalter 2">
+            <a:extLst>
+              <a:ext uri="{FF2B5EF4-FFF2-40B4-BE49-F238E27FC236}">
+                <a16:creationId xmlns:a16="http://schemas.microsoft.com/office/drawing/2014/main" id="{04897626-5992-AC9F-A7C2-0A8A6A65B6F9}"/>
+              </a:ext>
+            </a:extLst>
+          </p:cNvPr>
+          <p:cNvSpPr>
+            <a:spLocks noGrp="1"/>
+          </p:cNvSpPr>
+          <p:nvPr>
+            <p:ph type="body" sz="quarter" idx="14"/>
+          </p:nvPr>
+        </p:nvSpPr>
+        <p:spPr/>
+        <p:txBody>
+          <a:bodyPr>
+            <a:normAutofit/>
+          </a:bodyPr>
+          <a:lstStyle/>
+          <a:p>
+            <a:pPr algn="l"/>
+            <a:endParaRPr lang="en-US" sz="1600" dirty="0"/>
+          </a:p>
+        </p:txBody>
+      </p:sp>
+      <p:sp>
+        <p:nvSpPr>
+          <p:cNvPr id="4" name="Fußzeilenplatzhalter 3">
+            <a:extLst>
+              <a:ext uri="{FF2B5EF4-FFF2-40B4-BE49-F238E27FC236}">
+                <a16:creationId xmlns:a16="http://schemas.microsoft.com/office/drawing/2014/main" id="{17F6F80D-FCFD-474A-A46E-BEF92F26DC8D}"/>
+              </a:ext>
+            </a:extLst>
+          </p:cNvPr>
+          <p:cNvSpPr>
+            <a:spLocks noGrp="1"/>
+          </p:cNvSpPr>
+          <p:nvPr>
+            <p:ph type="ftr" sz="quarter" idx="12"/>
+          </p:nvPr>
+        </p:nvSpPr>
+        <p:spPr/>
+        <p:txBody>
+          <a:bodyPr/>
+          <a:lstStyle/>
+          <a:p>
+            <a:r>
+              <a:rPr lang="en-US"/>
+              <a:t>Virtualization of a Real-Time Operating System for Robot Control with a Focus on RealTime Compliance</a:t>
+            </a:r>
+            <a:r>
+              <a:rPr lang="en-GB"/>
+              <a:t> | </a:t>
+            </a:r>
+            <a:r>
+              <a:rPr lang="de-AT"/>
+              <a:t>Halil Pamuk, BSc.</a:t>
+            </a:r>
+            <a:r>
+              <a:rPr lang="en-GB"/>
+              <a:t> | 10.10.2024</a:t>
+            </a:r>
+            <a:endParaRPr lang="en-GB" dirty="0"/>
+          </a:p>
+        </p:txBody>
+      </p:sp>
+      <p:sp>
+        <p:nvSpPr>
+          <p:cNvPr id="5" name="Foliennummernplatzhalter 4">
+            <a:extLst>
+              <a:ext uri="{FF2B5EF4-FFF2-40B4-BE49-F238E27FC236}">
+                <a16:creationId xmlns:a16="http://schemas.microsoft.com/office/drawing/2014/main" id="{6FE7C3E3-082F-E591-9994-A62597200B98}"/>
+              </a:ext>
+            </a:extLst>
+          </p:cNvPr>
+          <p:cNvSpPr>
+            <a:spLocks noGrp="1"/>
+          </p:cNvSpPr>
+          <p:nvPr>
+            <p:ph type="sldNum" sz="quarter" idx="13"/>
+          </p:nvPr>
+        </p:nvSpPr>
+        <p:spPr/>
+        <p:txBody>
+          <a:bodyPr/>
+          <a:lstStyle/>
+          <a:p>
+            <a:fld id="{9C057DB4-583E-41A7-BD94-987342018C17}" type="slidenum">
+              <a:rPr lang="en-GB" smtClean="0"/>
+              <a:pPr/>
+              <a:t>18</a:t>
+            </a:fld>
+            <a:endParaRPr lang="en-GB" dirty="0"/>
+          </a:p>
+        </p:txBody>
+      </p:sp>
+      <p:sp>
+        <p:nvSpPr>
+          <p:cNvPr id="6" name="Textfeld 5">
+            <a:extLst>
+              <a:ext uri="{FF2B5EF4-FFF2-40B4-BE49-F238E27FC236}">
+                <a16:creationId xmlns:a16="http://schemas.microsoft.com/office/drawing/2014/main" id="{9AB5A822-3C8A-C9CC-A179-6AC2B863414C}"/>
+              </a:ext>
+            </a:extLst>
+          </p:cNvPr>
+          <p:cNvSpPr txBox="1"/>
+          <p:nvPr/>
+        </p:nvSpPr>
+        <p:spPr>
+          <a:xfrm>
+            <a:off x="2042160" y="1988820"/>
+            <a:ext cx="914400" cy="914400"/>
+          </a:xfrm>
+          <a:prstGeom prst="rect">
+            <a:avLst/>
+          </a:prstGeom>
+        </p:spPr>
+        <p:txBody>
+          <a:bodyPr vert="horz" wrap="none" lIns="91440" tIns="45720" rIns="91440" bIns="45720" rtlCol="0" anchor="t">
+            <a:normAutofit/>
+          </a:bodyPr>
+          <a:lstStyle/>
+          <a:p>
+            <a:pPr algn="l"/>
+            <a:endParaRPr lang="en-US" sz="2800" dirty="0"/>
+          </a:p>
+        </p:txBody>
+      </p:sp>
+      <p:pic>
+        <p:nvPicPr>
+          <p:cNvPr id="14" name="Grafik 13">
+            <a:extLst>
+              <a:ext uri="{FF2B5EF4-FFF2-40B4-BE49-F238E27FC236}">
+                <a16:creationId xmlns:a16="http://schemas.microsoft.com/office/drawing/2014/main" id="{0D3B332F-EB18-DD9A-F19C-ECCD704E3AEB}"/>
+              </a:ext>
+            </a:extLst>
+          </p:cNvPr>
+          <p:cNvPicPr>
+            <a:picLocks noChangeAspect="1"/>
+          </p:cNvPicPr>
+          <p:nvPr/>
+        </p:nvPicPr>
+        <p:blipFill>
+          <a:blip r:embed="rId2"/>
+          <a:stretch>
+            <a:fillRect/>
+          </a:stretch>
+        </p:blipFill>
+        <p:spPr>
+          <a:xfrm>
+            <a:off x="3252787" y="875149"/>
+            <a:ext cx="2409825" cy="3486150"/>
+          </a:xfrm>
+          <a:prstGeom prst="rect">
+            <a:avLst/>
+          </a:prstGeom>
+        </p:spPr>
+      </p:pic>
+    </p:spTree>
+    <p:extLst>
+      <p:ext uri="{BB962C8B-B14F-4D97-AF65-F5344CB8AC3E}">
+        <p14:creationId xmlns:p14="http://schemas.microsoft.com/office/powerpoint/2010/main" val="1250394733"/>
+      </p:ext>
+    </p:extLst>
+  </p:cSld>
+  <p:clrMapOvr>
+    <a:masterClrMapping/>
+  </p:clrMapOvr>
+</p:sld>
+</file>
+
+<file path=ppt/slides/slide19.xml><?xml version="1.0" encoding="utf-8"?>
+<p:sld xmlns:a="http://schemas.openxmlformats.org/drawingml/2006/main" xmlns:r="http://schemas.openxmlformats.org/officeDocument/2006/relationships" xmlns:p="http://schemas.openxmlformats.org/presentationml/2006/main" show="0">
+  <p:cSld>
+    <p:spTree>
+      <p:nvGrpSpPr>
+        <p:cNvPr id="1" name=""/>
+        <p:cNvGrpSpPr/>
+        <p:nvPr/>
+      </p:nvGrpSpPr>
+      <p:grpSpPr>
+        <a:xfrm>
+          <a:off x="0" y="0"/>
+          <a:ext cx="0" cy="0"/>
+          <a:chOff x="0" y="0"/>
+          <a:chExt cx="0" cy="0"/>
+        </a:xfrm>
+      </p:grpSpPr>
+      <p:sp>
+        <p:nvSpPr>
+          <p:cNvPr id="2" name="Titel 1">
+            <a:extLst>
+              <a:ext uri="{FF2B5EF4-FFF2-40B4-BE49-F238E27FC236}">
+                <a16:creationId xmlns:a16="http://schemas.microsoft.com/office/drawing/2014/main" id="{446D3BEF-CC88-B742-5807-43EE48D25381}"/>
+              </a:ext>
+            </a:extLst>
+          </p:cNvPr>
+          <p:cNvSpPr>
+            <a:spLocks noGrp="1"/>
+          </p:cNvSpPr>
+          <p:nvPr>
+            <p:ph type="title"/>
+          </p:nvPr>
+        </p:nvSpPr>
+        <p:spPr/>
+        <p:txBody>
+          <a:bodyPr>
+            <a:normAutofit fontScale="90000"/>
+          </a:bodyPr>
+          <a:lstStyle/>
+          <a:p>
+            <a:r>
+              <a:rPr lang="en-US" dirty="0"/>
+              <a:t>Salamander 4 Virtualization after Host Configurations</a:t>
+            </a:r>
+          </a:p>
+        </p:txBody>
+      </p:sp>
+      <p:sp>
+        <p:nvSpPr>
+          <p:cNvPr id="3" name="Textplatzhalter 2">
+            <a:extLst>
+              <a:ext uri="{FF2B5EF4-FFF2-40B4-BE49-F238E27FC236}">
+                <a16:creationId xmlns:a16="http://schemas.microsoft.com/office/drawing/2014/main" id="{04897626-5992-AC9F-A7C2-0A8A6A65B6F9}"/>
+              </a:ext>
+            </a:extLst>
+          </p:cNvPr>
+          <p:cNvSpPr>
+            <a:spLocks noGrp="1"/>
+          </p:cNvSpPr>
+          <p:nvPr>
+            <p:ph type="body" sz="quarter" idx="14"/>
+          </p:nvPr>
+        </p:nvSpPr>
+        <p:spPr/>
+        <p:txBody>
+          <a:bodyPr>
+            <a:normAutofit/>
+          </a:bodyPr>
+          <a:lstStyle/>
+          <a:p>
+            <a:pPr algn="l"/>
+            <a:endParaRPr lang="en-US" sz="1600" dirty="0"/>
+          </a:p>
+        </p:txBody>
+      </p:sp>
+      <p:sp>
+        <p:nvSpPr>
+          <p:cNvPr id="4" name="Fußzeilenplatzhalter 3">
+            <a:extLst>
+              <a:ext uri="{FF2B5EF4-FFF2-40B4-BE49-F238E27FC236}">
+                <a16:creationId xmlns:a16="http://schemas.microsoft.com/office/drawing/2014/main" id="{17F6F80D-FCFD-474A-A46E-BEF92F26DC8D}"/>
+              </a:ext>
+            </a:extLst>
+          </p:cNvPr>
+          <p:cNvSpPr>
+            <a:spLocks noGrp="1"/>
+          </p:cNvSpPr>
+          <p:nvPr>
+            <p:ph type="ftr" sz="quarter" idx="12"/>
+          </p:nvPr>
+        </p:nvSpPr>
+        <p:spPr/>
+        <p:txBody>
+          <a:bodyPr/>
+          <a:lstStyle/>
+          <a:p>
+            <a:r>
+              <a:rPr lang="en-US"/>
+              <a:t>Virtualization of a Real-Time Operating System for Robot Control with a Focus on RealTime Compliance</a:t>
+            </a:r>
+            <a:r>
+              <a:rPr lang="en-GB"/>
+              <a:t> | </a:t>
+            </a:r>
+            <a:r>
+              <a:rPr lang="de-AT"/>
+              <a:t>Halil Pamuk, BSc.</a:t>
+            </a:r>
+            <a:r>
+              <a:rPr lang="en-GB"/>
+              <a:t> | 10.10.2024</a:t>
+            </a:r>
+            <a:endParaRPr lang="en-GB" dirty="0"/>
+          </a:p>
+        </p:txBody>
+      </p:sp>
+      <p:sp>
+        <p:nvSpPr>
+          <p:cNvPr id="5" name="Foliennummernplatzhalter 4">
+            <a:extLst>
+              <a:ext uri="{FF2B5EF4-FFF2-40B4-BE49-F238E27FC236}">
+                <a16:creationId xmlns:a16="http://schemas.microsoft.com/office/drawing/2014/main" id="{6FE7C3E3-082F-E591-9994-A62597200B98}"/>
+              </a:ext>
+            </a:extLst>
+          </p:cNvPr>
+          <p:cNvSpPr>
+            <a:spLocks noGrp="1"/>
+          </p:cNvSpPr>
+          <p:nvPr>
+            <p:ph type="sldNum" sz="quarter" idx="13"/>
+          </p:nvPr>
+        </p:nvSpPr>
+        <p:spPr/>
+        <p:txBody>
+          <a:bodyPr/>
+          <a:lstStyle/>
+          <a:p>
+            <a:fld id="{9C057DB4-583E-41A7-BD94-987342018C17}" type="slidenum">
+              <a:rPr lang="en-GB" smtClean="0"/>
+              <a:pPr/>
+              <a:t>19</a:t>
+            </a:fld>
+            <a:endParaRPr lang="en-GB" dirty="0"/>
+          </a:p>
+        </p:txBody>
+      </p:sp>
+      <p:sp>
+        <p:nvSpPr>
+          <p:cNvPr id="6" name="Textfeld 5">
+            <a:extLst>
+              <a:ext uri="{FF2B5EF4-FFF2-40B4-BE49-F238E27FC236}">
+                <a16:creationId xmlns:a16="http://schemas.microsoft.com/office/drawing/2014/main" id="{9AB5A822-3C8A-C9CC-A179-6AC2B863414C}"/>
+              </a:ext>
+            </a:extLst>
+          </p:cNvPr>
+          <p:cNvSpPr txBox="1"/>
+          <p:nvPr/>
+        </p:nvSpPr>
+        <p:spPr>
+          <a:xfrm>
+            <a:off x="2042160" y="1988820"/>
+            <a:ext cx="914400" cy="914400"/>
+          </a:xfrm>
+          <a:prstGeom prst="rect">
+            <a:avLst/>
+          </a:prstGeom>
+        </p:spPr>
+        <p:txBody>
+          <a:bodyPr vert="horz" wrap="none" lIns="91440" tIns="45720" rIns="91440" bIns="45720" rtlCol="0" anchor="t">
+            <a:normAutofit/>
+          </a:bodyPr>
+          <a:lstStyle/>
+          <a:p>
+            <a:pPr algn="l"/>
+            <a:endParaRPr lang="en-US" sz="2800" dirty="0"/>
+          </a:p>
+        </p:txBody>
+      </p:sp>
+      <p:pic>
+        <p:nvPicPr>
+          <p:cNvPr id="8" name="Grafik 7">
+            <a:extLst>
+              <a:ext uri="{FF2B5EF4-FFF2-40B4-BE49-F238E27FC236}">
+                <a16:creationId xmlns:a16="http://schemas.microsoft.com/office/drawing/2014/main" id="{C9B42C5C-BEB5-24B1-FB8E-4D0D2754FFDB}"/>
+              </a:ext>
+            </a:extLst>
+          </p:cNvPr>
+          <p:cNvPicPr>
+            <a:picLocks noChangeAspect="1"/>
+          </p:cNvPicPr>
+          <p:nvPr/>
+        </p:nvPicPr>
+        <p:blipFill>
+          <a:blip r:embed="rId2"/>
+          <a:stretch>
+            <a:fillRect/>
+          </a:stretch>
+        </p:blipFill>
+        <p:spPr>
+          <a:xfrm>
+            <a:off x="188680" y="1319215"/>
+            <a:ext cx="4676451" cy="2841807"/>
+          </a:xfrm>
+          <a:prstGeom prst="rect">
+            <a:avLst/>
+          </a:prstGeom>
+          <a:ln>
+            <a:solidFill>
+              <a:schemeClr val="bg1"/>
+            </a:solidFill>
+          </a:ln>
+        </p:spPr>
+      </p:pic>
+      <p:pic>
+        <p:nvPicPr>
+          <p:cNvPr id="11" name="Grafik 10">
+            <a:extLst>
+              <a:ext uri="{FF2B5EF4-FFF2-40B4-BE49-F238E27FC236}">
+                <a16:creationId xmlns:a16="http://schemas.microsoft.com/office/drawing/2014/main" id="{CF459157-1C4B-3F83-9F6D-7BF8DB83AB86}"/>
+              </a:ext>
+            </a:extLst>
+          </p:cNvPr>
+          <p:cNvPicPr>
+            <a:picLocks noChangeAspect="1"/>
+          </p:cNvPicPr>
+          <p:nvPr/>
+        </p:nvPicPr>
+        <p:blipFill>
+          <a:blip r:embed="rId3"/>
+          <a:stretch>
+            <a:fillRect/>
+          </a:stretch>
+        </p:blipFill>
+        <p:spPr>
+          <a:xfrm>
+            <a:off x="4923102" y="1999551"/>
+            <a:ext cx="3974246" cy="1481134"/>
+          </a:xfrm>
+          <a:prstGeom prst="rect">
+            <a:avLst/>
+          </a:prstGeom>
+          <a:ln>
+            <a:solidFill>
+              <a:schemeClr val="bg1"/>
+            </a:solidFill>
+          </a:ln>
+        </p:spPr>
+      </p:pic>
+    </p:spTree>
+    <p:extLst>
+      <p:ext uri="{BB962C8B-B14F-4D97-AF65-F5344CB8AC3E}">
+        <p14:creationId xmlns:p14="http://schemas.microsoft.com/office/powerpoint/2010/main" val="199014759"/>
+      </p:ext>
+    </p:extLst>
+  </p:cSld>
+  <p:clrMapOvr>
+    <a:masterClrMapping/>
+  </p:clrMapOvr>
+</p:sld>
+</file>
+
+<file path=ppt/slides/slide2.xml><?xml version="1.0" encoding="utf-8"?>
+<p:sld xmlns:a="http://schemas.openxmlformats.org/drawingml/2006/main" xmlns:r="http://schemas.openxmlformats.org/officeDocument/2006/relationships" xmlns:p="http://schemas.openxmlformats.org/presentationml/2006/main">
+  <p:cSld>
+    <p:spTree>
+      <p:nvGrpSpPr>
+        <p:cNvPr id="1" name=""/>
+        <p:cNvGrpSpPr/>
+        <p:nvPr/>
+      </p:nvGrpSpPr>
+      <p:grpSpPr>
+        <a:xfrm>
+          <a:off x="0" y="0"/>
+          <a:ext cx="0" cy="0"/>
+          <a:chOff x="0" y="0"/>
+          <a:chExt cx="0" cy="0"/>
+        </a:xfrm>
+      </p:grpSpPr>
+      <p:pic>
+        <p:nvPicPr>
+          <p:cNvPr id="15" name="Grafik 14" descr="Ein Bild, das Text, Screenshot, Reihe, Diagramm enthält.">
+            <a:extLst>
+              <a:ext uri="{FF2B5EF4-FFF2-40B4-BE49-F238E27FC236}">
+                <a16:creationId xmlns:a16="http://schemas.microsoft.com/office/drawing/2014/main" id="{70183D45-2E28-0D46-2796-E345F999D034}"/>
+              </a:ext>
+            </a:extLst>
+          </p:cNvPr>
+          <p:cNvPicPr>
+            <a:picLocks noChangeAspect="1"/>
+          </p:cNvPicPr>
+          <p:nvPr/>
+        </p:nvPicPr>
+        <p:blipFill>
+          <a:blip r:embed="rId2">
+            <a:extLst>
+              <a:ext uri="{28A0092B-C50C-407E-A947-70E740481C1C}">
+                <a14:useLocalDpi xmlns:a14="http://schemas.microsoft.com/office/drawing/2010/main" val="0"/>
+              </a:ext>
+            </a:extLst>
+          </a:blip>
+          <a:stretch>
+            <a:fillRect/>
+          </a:stretch>
+        </p:blipFill>
+        <p:spPr>
+          <a:xfrm>
+            <a:off x="4699159" y="2771774"/>
+            <a:ext cx="4064534" cy="1536903"/>
+          </a:xfrm>
+          <a:prstGeom prst="rect">
+            <a:avLst/>
+          </a:prstGeom>
+          <a:ln>
+            <a:solidFill>
+              <a:schemeClr val="tx1"/>
+            </a:solidFill>
+          </a:ln>
+        </p:spPr>
+      </p:pic>
+      <p:sp>
+        <p:nvSpPr>
+          <p:cNvPr id="2" name="Titel 1">
+            <a:extLst>
+              <a:ext uri="{FF2B5EF4-FFF2-40B4-BE49-F238E27FC236}">
+                <a16:creationId xmlns:a16="http://schemas.microsoft.com/office/drawing/2014/main" id="{73ADFF64-5302-EF15-926F-46D2C696D31A}"/>
+              </a:ext>
+            </a:extLst>
+          </p:cNvPr>
+          <p:cNvSpPr>
+            <a:spLocks noGrp="1"/>
+          </p:cNvSpPr>
+          <p:nvPr>
+            <p:ph type="title"/>
+          </p:nvPr>
+        </p:nvSpPr>
+        <p:spPr/>
+        <p:txBody>
+          <a:bodyPr>
+            <a:normAutofit fontScale="90000"/>
+          </a:bodyPr>
+          <a:lstStyle/>
+          <a:p>
+            <a:r>
+              <a:rPr lang="de-AT" dirty="0"/>
+              <a:t>Introduction</a:t>
+            </a:r>
+          </a:p>
+        </p:txBody>
+      </p:sp>
+      <p:sp>
+        <p:nvSpPr>
+          <p:cNvPr id="3" name="Textplatzhalter 2">
+            <a:extLst>
+              <a:ext uri="{FF2B5EF4-FFF2-40B4-BE49-F238E27FC236}">
+                <a16:creationId xmlns:a16="http://schemas.microsoft.com/office/drawing/2014/main" id="{0C5D34C3-D25D-2153-5492-7F46FFB508EE}"/>
+              </a:ext>
+            </a:extLst>
+          </p:cNvPr>
+          <p:cNvSpPr>
+            <a:spLocks noGrp="1"/>
+          </p:cNvSpPr>
+          <p:nvPr>
+            <p:ph type="body" sz="quarter" idx="14"/>
+          </p:nvPr>
+        </p:nvSpPr>
+        <p:spPr/>
+        <p:txBody>
+          <a:bodyPr>
+            <a:normAutofit/>
+          </a:bodyPr>
+          <a:lstStyle/>
+          <a:p>
+            <a:r>
+              <a:rPr lang="en-US" sz="2000" dirty="0"/>
+              <a:t>Robots perform time-critical tasks</a:t>
+            </a:r>
+          </a:p>
+          <a:p>
+            <a:endParaRPr lang="en-US" sz="2000" dirty="0"/>
+          </a:p>
+          <a:p>
+            <a:r>
+              <a:rPr lang="en-US" sz="2000" dirty="0"/>
+              <a:t>Delays </a:t>
+            </a:r>
+            <a:r>
+              <a:rPr lang="en-US" sz="2000" dirty="0">
+                <a:sym typeface="Wingdings" panose="05000000000000000000" pitchFamily="2" charset="2"/>
+              </a:rPr>
+              <a:t> </a:t>
+            </a:r>
+            <a:r>
+              <a:rPr lang="en-US" sz="2000" dirty="0"/>
+              <a:t>catastrophic consequences</a:t>
+            </a:r>
+          </a:p>
+          <a:p>
+            <a:endParaRPr lang="en-US" sz="2000" dirty="0"/>
+          </a:p>
+          <a:p>
+            <a:r>
+              <a:rPr lang="en-US" sz="2000" dirty="0"/>
+              <a:t>General-Purpose Operating System vs. Real-Time Operating System </a:t>
+            </a:r>
+          </a:p>
+          <a:p>
+            <a:endParaRPr lang="en-US" sz="2000" dirty="0"/>
+          </a:p>
+        </p:txBody>
+      </p:sp>
+      <p:sp>
+        <p:nvSpPr>
+          <p:cNvPr id="4" name="Fußzeilenplatzhalter 3">
+            <a:extLst>
+              <a:ext uri="{FF2B5EF4-FFF2-40B4-BE49-F238E27FC236}">
+                <a16:creationId xmlns:a16="http://schemas.microsoft.com/office/drawing/2014/main" id="{EA817E3F-89E9-CA85-E9CF-E05C574B5D7A}"/>
+              </a:ext>
+            </a:extLst>
+          </p:cNvPr>
+          <p:cNvSpPr>
+            <a:spLocks noGrp="1"/>
+          </p:cNvSpPr>
+          <p:nvPr>
+            <p:ph type="ftr" sz="quarter" idx="12"/>
+          </p:nvPr>
+        </p:nvSpPr>
+        <p:spPr/>
+        <p:txBody>
+          <a:bodyPr/>
+          <a:lstStyle/>
+          <a:p>
+            <a:r>
+              <a:rPr lang="en-US" dirty="0"/>
+              <a:t>Virtualization of a Real-Time Operating System for Robot Control with a Focus on </a:t>
+            </a:r>
+            <a:r>
+              <a:rPr lang="en-US" dirty="0" err="1"/>
+              <a:t>RealTime</a:t>
+            </a:r>
+            <a:r>
+              <a:rPr lang="en-US" dirty="0"/>
+              <a:t> Compliance</a:t>
+            </a:r>
+            <a:r>
+              <a:rPr lang="en-GB" dirty="0"/>
+              <a:t> | </a:t>
+            </a:r>
+            <a:r>
+              <a:rPr lang="de-AT" dirty="0"/>
+              <a:t>Halil Pamuk, </a:t>
+            </a:r>
+            <a:r>
+              <a:rPr lang="de-AT" dirty="0" err="1"/>
+              <a:t>BSc</a:t>
+            </a:r>
+            <a:r>
+              <a:rPr lang="de-AT" dirty="0"/>
+              <a:t>.</a:t>
+            </a:r>
+            <a:r>
+              <a:rPr lang="en-GB" dirty="0"/>
+              <a:t> | 10.10.2024</a:t>
+            </a:r>
+          </a:p>
+        </p:txBody>
+      </p:sp>
+      <p:sp>
+        <p:nvSpPr>
+          <p:cNvPr id="5" name="Foliennummernplatzhalter 4">
+            <a:extLst>
+              <a:ext uri="{FF2B5EF4-FFF2-40B4-BE49-F238E27FC236}">
+                <a16:creationId xmlns:a16="http://schemas.microsoft.com/office/drawing/2014/main" id="{A3704926-5E9E-0193-79D6-E0567D7C55A4}"/>
+              </a:ext>
+            </a:extLst>
+          </p:cNvPr>
+          <p:cNvSpPr>
+            <a:spLocks noGrp="1"/>
+          </p:cNvSpPr>
+          <p:nvPr>
+            <p:ph type="sldNum" sz="quarter" idx="13"/>
+          </p:nvPr>
+        </p:nvSpPr>
+        <p:spPr/>
+        <p:txBody>
+          <a:bodyPr/>
+          <a:lstStyle/>
+          <a:p>
+            <a:fld id="{9C057DB4-583E-41A7-BD94-987342018C17}" type="slidenum">
+              <a:rPr lang="en-GB" smtClean="0"/>
+              <a:pPr/>
+              <a:t>2</a:t>
+            </a:fld>
+            <a:endParaRPr lang="en-GB" dirty="0"/>
+          </a:p>
+        </p:txBody>
+      </p:sp>
+      <p:pic>
+        <p:nvPicPr>
+          <p:cNvPr id="13" name="Grafik 12" descr="Ein Bild, das Text, Screenshot, Schrift, Zahl enthält.&#10;&#10;Automatisch generierte Beschreibung">
+            <a:extLst>
+              <a:ext uri="{FF2B5EF4-FFF2-40B4-BE49-F238E27FC236}">
+                <a16:creationId xmlns:a16="http://schemas.microsoft.com/office/drawing/2014/main" id="{70F739E8-5464-7C7C-30BA-78B9A427F767}"/>
+              </a:ext>
+            </a:extLst>
+          </p:cNvPr>
+          <p:cNvPicPr>
+            <a:picLocks noChangeAspect="1"/>
+          </p:cNvPicPr>
+          <p:nvPr/>
+        </p:nvPicPr>
+        <p:blipFill>
+          <a:blip r:embed="rId3">
+            <a:extLst>
+              <a:ext uri="{28A0092B-C50C-407E-A947-70E740481C1C}">
+                <a14:useLocalDpi xmlns:a14="http://schemas.microsoft.com/office/drawing/2010/main" val="0"/>
+              </a:ext>
+            </a:extLst>
+          </a:blip>
+          <a:stretch>
+            <a:fillRect/>
+          </a:stretch>
+        </p:blipFill>
+        <p:spPr>
+          <a:xfrm>
+            <a:off x="385740" y="2774944"/>
+            <a:ext cx="4124325" cy="1533733"/>
+          </a:xfrm>
+          <a:prstGeom prst="rect">
+            <a:avLst/>
+          </a:prstGeom>
+          <a:ln>
+            <a:solidFill>
+              <a:schemeClr val="tx1"/>
+            </a:solidFill>
+          </a:ln>
+        </p:spPr>
+      </p:pic>
+      <p:sp>
+        <p:nvSpPr>
+          <p:cNvPr id="16" name="Textfeld 15">
+            <a:extLst>
+              <a:ext uri="{FF2B5EF4-FFF2-40B4-BE49-F238E27FC236}">
+                <a16:creationId xmlns:a16="http://schemas.microsoft.com/office/drawing/2014/main" id="{36F7C50C-9802-1145-F3A6-EB87CF7BF46C}"/>
+              </a:ext>
+            </a:extLst>
+          </p:cNvPr>
+          <p:cNvSpPr txBox="1"/>
+          <p:nvPr/>
+        </p:nvSpPr>
+        <p:spPr>
+          <a:xfrm>
+            <a:off x="1351835" y="4340514"/>
+            <a:ext cx="2192134" cy="271012"/>
+          </a:xfrm>
+          <a:prstGeom prst="rect">
+            <a:avLst/>
+          </a:prstGeom>
+        </p:spPr>
+        <p:txBody>
+          <a:bodyPr vert="horz" wrap="none" lIns="91440" tIns="45720" rIns="91440" bIns="45720" rtlCol="0" anchor="t">
+            <a:normAutofit/>
+          </a:bodyPr>
+          <a:lstStyle/>
+          <a:p>
+            <a:pPr algn="l"/>
+            <a:r>
+              <a:rPr lang="de-AT" sz="1000" dirty="0"/>
+              <a:t>Figure 1: Non-</a:t>
+            </a:r>
+            <a:r>
+              <a:rPr lang="de-AT" sz="1000" dirty="0" err="1"/>
+              <a:t>preemptible</a:t>
+            </a:r>
+            <a:r>
+              <a:rPr lang="de-AT" sz="1000" dirty="0"/>
+              <a:t> Kernel [1] </a:t>
+            </a:r>
+            <a:endParaRPr lang="en-US" sz="1000" dirty="0"/>
+          </a:p>
+        </p:txBody>
+      </p:sp>
+      <p:sp>
+        <p:nvSpPr>
+          <p:cNvPr id="6" name="Textfeld 5">
+            <a:extLst>
+              <a:ext uri="{FF2B5EF4-FFF2-40B4-BE49-F238E27FC236}">
+                <a16:creationId xmlns:a16="http://schemas.microsoft.com/office/drawing/2014/main" id="{34178FBA-C589-6075-766F-A04B79B9072E}"/>
+              </a:ext>
+            </a:extLst>
+          </p:cNvPr>
+          <p:cNvSpPr txBox="1"/>
+          <p:nvPr/>
+        </p:nvSpPr>
+        <p:spPr>
+          <a:xfrm>
+            <a:off x="5635359" y="4340427"/>
+            <a:ext cx="2192134" cy="271012"/>
+          </a:xfrm>
+          <a:prstGeom prst="rect">
+            <a:avLst/>
+          </a:prstGeom>
+        </p:spPr>
+        <p:txBody>
+          <a:bodyPr vert="horz" wrap="none" lIns="91440" tIns="45720" rIns="91440" bIns="45720" rtlCol="0" anchor="t">
+            <a:normAutofit/>
+          </a:bodyPr>
+          <a:lstStyle/>
+          <a:p>
+            <a:pPr algn="l"/>
+            <a:r>
+              <a:rPr lang="de-AT" sz="1000" dirty="0"/>
+              <a:t>Figure 2: </a:t>
+            </a:r>
+            <a:r>
+              <a:rPr lang="de-AT" sz="1000" dirty="0" err="1"/>
+              <a:t>Preemptible</a:t>
+            </a:r>
+            <a:r>
+              <a:rPr lang="de-AT" sz="1000" dirty="0"/>
+              <a:t> Kernel [1]</a:t>
+            </a:r>
+            <a:endParaRPr lang="en-US" sz="1000" dirty="0"/>
+          </a:p>
+        </p:txBody>
+      </p:sp>
+    </p:spTree>
+    <p:extLst>
+      <p:ext uri="{BB962C8B-B14F-4D97-AF65-F5344CB8AC3E}">
+        <p14:creationId xmlns:p14="http://schemas.microsoft.com/office/powerpoint/2010/main" val="950087830"/>
+      </p:ext>
+    </p:extLst>
+  </p:cSld>
+  <p:clrMapOvr>
+    <a:masterClrMapping/>
+  </p:clrMapOvr>
+</p:sld>
+</file>
+
+<file path=ppt/slides/slide20.xml><?xml version="1.0" encoding="utf-8"?>
+<p:sld xmlns:a="http://schemas.openxmlformats.org/drawingml/2006/main" xmlns:r="http://schemas.openxmlformats.org/officeDocument/2006/relationships" xmlns:p="http://schemas.openxmlformats.org/presentationml/2006/main" show="0">
+  <p:cSld>
+    <p:spTree>
+      <p:nvGrpSpPr>
+        <p:cNvPr id="1" name=""/>
+        <p:cNvGrpSpPr/>
+        <p:nvPr/>
+      </p:nvGrpSpPr>
+      <p:grpSpPr>
+        <a:xfrm>
+          <a:off x="0" y="0"/>
+          <a:ext cx="0" cy="0"/>
+          <a:chOff x="0" y="0"/>
+          <a:chExt cx="0" cy="0"/>
+        </a:xfrm>
+      </p:grpSpPr>
+      <p:sp>
+        <p:nvSpPr>
+          <p:cNvPr id="2" name="Titel 1">
+            <a:extLst>
+              <a:ext uri="{FF2B5EF4-FFF2-40B4-BE49-F238E27FC236}">
+                <a16:creationId xmlns:a16="http://schemas.microsoft.com/office/drawing/2014/main" id="{446D3BEF-CC88-B742-5807-43EE48D25381}"/>
+              </a:ext>
+            </a:extLst>
+          </p:cNvPr>
+          <p:cNvSpPr>
+            <a:spLocks noGrp="1"/>
+          </p:cNvSpPr>
+          <p:nvPr>
+            <p:ph type="title"/>
+          </p:nvPr>
+        </p:nvSpPr>
+        <p:spPr/>
+        <p:txBody>
+          <a:bodyPr>
+            <a:normAutofit fontScale="90000"/>
+          </a:bodyPr>
+          <a:lstStyle/>
+          <a:p>
+            <a:r>
+              <a:rPr lang="en-US" dirty="0"/>
+              <a:t>Salamander 4 Virtualization QEMU Configurations</a:t>
+            </a:r>
+          </a:p>
+        </p:txBody>
+      </p:sp>
+      <p:sp>
+        <p:nvSpPr>
+          <p:cNvPr id="3" name="Textplatzhalter 2">
+            <a:extLst>
+              <a:ext uri="{FF2B5EF4-FFF2-40B4-BE49-F238E27FC236}">
+                <a16:creationId xmlns:a16="http://schemas.microsoft.com/office/drawing/2014/main" id="{04897626-5992-AC9F-A7C2-0A8A6A65B6F9}"/>
+              </a:ext>
+            </a:extLst>
+          </p:cNvPr>
+          <p:cNvSpPr>
+            <a:spLocks noGrp="1"/>
+          </p:cNvSpPr>
+          <p:nvPr>
+            <p:ph type="body" sz="quarter" idx="14"/>
+          </p:nvPr>
+        </p:nvSpPr>
+        <p:spPr/>
+        <p:txBody>
+          <a:bodyPr>
+            <a:normAutofit/>
+          </a:bodyPr>
+          <a:lstStyle/>
+          <a:p>
+            <a:pPr algn="l"/>
+            <a:endParaRPr lang="en-US" sz="1600" dirty="0"/>
+          </a:p>
+        </p:txBody>
+      </p:sp>
+      <p:sp>
+        <p:nvSpPr>
+          <p:cNvPr id="4" name="Fußzeilenplatzhalter 3">
+            <a:extLst>
+              <a:ext uri="{FF2B5EF4-FFF2-40B4-BE49-F238E27FC236}">
+                <a16:creationId xmlns:a16="http://schemas.microsoft.com/office/drawing/2014/main" id="{17F6F80D-FCFD-474A-A46E-BEF92F26DC8D}"/>
+              </a:ext>
+            </a:extLst>
+          </p:cNvPr>
+          <p:cNvSpPr>
+            <a:spLocks noGrp="1"/>
+          </p:cNvSpPr>
+          <p:nvPr>
+            <p:ph type="ftr" sz="quarter" idx="12"/>
+          </p:nvPr>
+        </p:nvSpPr>
+        <p:spPr/>
+        <p:txBody>
+          <a:bodyPr/>
+          <a:lstStyle/>
+          <a:p>
+            <a:r>
+              <a:rPr lang="en-US"/>
+              <a:t>Virtualization of a Real-Time Operating System for Robot Control with a Focus on RealTime Compliance</a:t>
+            </a:r>
+            <a:r>
+              <a:rPr lang="en-GB"/>
+              <a:t> | </a:t>
+            </a:r>
+            <a:r>
+              <a:rPr lang="de-AT"/>
+              <a:t>Halil Pamuk, BSc.</a:t>
+            </a:r>
+            <a:r>
+              <a:rPr lang="en-GB"/>
+              <a:t> | 10.10.2024</a:t>
+            </a:r>
+            <a:endParaRPr lang="en-GB" dirty="0"/>
+          </a:p>
+        </p:txBody>
+      </p:sp>
+      <p:sp>
+        <p:nvSpPr>
+          <p:cNvPr id="5" name="Foliennummernplatzhalter 4">
+            <a:extLst>
+              <a:ext uri="{FF2B5EF4-FFF2-40B4-BE49-F238E27FC236}">
+                <a16:creationId xmlns:a16="http://schemas.microsoft.com/office/drawing/2014/main" id="{6FE7C3E3-082F-E591-9994-A62597200B98}"/>
+              </a:ext>
+            </a:extLst>
+          </p:cNvPr>
+          <p:cNvSpPr>
+            <a:spLocks noGrp="1"/>
+          </p:cNvSpPr>
+          <p:nvPr>
+            <p:ph type="sldNum" sz="quarter" idx="13"/>
+          </p:nvPr>
+        </p:nvSpPr>
+        <p:spPr/>
+        <p:txBody>
+          <a:bodyPr/>
+          <a:lstStyle/>
+          <a:p>
+            <a:fld id="{9C057DB4-583E-41A7-BD94-987342018C17}" type="slidenum">
+              <a:rPr lang="en-GB" smtClean="0"/>
+              <a:pPr/>
+              <a:t>20</a:t>
+            </a:fld>
+            <a:endParaRPr lang="en-GB" dirty="0"/>
+          </a:p>
+        </p:txBody>
+      </p:sp>
+      <p:sp>
+        <p:nvSpPr>
+          <p:cNvPr id="6" name="Textfeld 5">
+            <a:extLst>
+              <a:ext uri="{FF2B5EF4-FFF2-40B4-BE49-F238E27FC236}">
+                <a16:creationId xmlns:a16="http://schemas.microsoft.com/office/drawing/2014/main" id="{9AB5A822-3C8A-C9CC-A179-6AC2B863414C}"/>
+              </a:ext>
+            </a:extLst>
+          </p:cNvPr>
+          <p:cNvSpPr txBox="1"/>
+          <p:nvPr/>
+        </p:nvSpPr>
+        <p:spPr>
+          <a:xfrm>
+            <a:off x="2042160" y="1988820"/>
+            <a:ext cx="914400" cy="914400"/>
+          </a:xfrm>
+          <a:prstGeom prst="rect">
+            <a:avLst/>
+          </a:prstGeom>
+        </p:spPr>
+        <p:txBody>
+          <a:bodyPr vert="horz" wrap="none" lIns="91440" tIns="45720" rIns="91440" bIns="45720" rtlCol="0" anchor="t">
+            <a:normAutofit/>
+          </a:bodyPr>
+          <a:lstStyle/>
+          <a:p>
+            <a:pPr algn="l"/>
+            <a:endParaRPr lang="en-US" sz="2800" dirty="0"/>
+          </a:p>
+        </p:txBody>
+      </p:sp>
+      <p:pic>
+        <p:nvPicPr>
+          <p:cNvPr id="16" name="Grafik 15">
+            <a:extLst>
+              <a:ext uri="{FF2B5EF4-FFF2-40B4-BE49-F238E27FC236}">
+                <a16:creationId xmlns:a16="http://schemas.microsoft.com/office/drawing/2014/main" id="{4149004D-F8A4-6484-6E99-7343828DE748}"/>
+              </a:ext>
+            </a:extLst>
+          </p:cNvPr>
+          <p:cNvPicPr>
+            <a:picLocks noChangeAspect="1"/>
+          </p:cNvPicPr>
+          <p:nvPr/>
+        </p:nvPicPr>
+        <p:blipFill>
+          <a:blip r:embed="rId2"/>
+          <a:stretch>
+            <a:fillRect/>
+          </a:stretch>
+        </p:blipFill>
+        <p:spPr>
+          <a:xfrm>
+            <a:off x="6049285" y="1959492"/>
+            <a:ext cx="2495550" cy="685800"/>
+          </a:xfrm>
+          <a:prstGeom prst="rect">
+            <a:avLst/>
+          </a:prstGeom>
+        </p:spPr>
+      </p:pic>
+      <p:pic>
+        <p:nvPicPr>
+          <p:cNvPr id="18" name="Grafik 17">
+            <a:extLst>
+              <a:ext uri="{FF2B5EF4-FFF2-40B4-BE49-F238E27FC236}">
+                <a16:creationId xmlns:a16="http://schemas.microsoft.com/office/drawing/2014/main" id="{57BD6D07-7979-354B-C04D-FC8969F74962}"/>
+              </a:ext>
+            </a:extLst>
+          </p:cNvPr>
+          <p:cNvPicPr>
+            <a:picLocks noChangeAspect="1"/>
+          </p:cNvPicPr>
+          <p:nvPr/>
+        </p:nvPicPr>
+        <p:blipFill>
+          <a:blip r:embed="rId3"/>
+          <a:stretch>
+            <a:fillRect/>
+          </a:stretch>
+        </p:blipFill>
+        <p:spPr>
+          <a:xfrm>
+            <a:off x="434862" y="713223"/>
+            <a:ext cx="5203938" cy="3864139"/>
+          </a:xfrm>
+          <a:prstGeom prst="rect">
+            <a:avLst/>
+          </a:prstGeom>
+        </p:spPr>
+      </p:pic>
+    </p:spTree>
+    <p:extLst>
+      <p:ext uri="{BB962C8B-B14F-4D97-AF65-F5344CB8AC3E}">
+        <p14:creationId xmlns:p14="http://schemas.microsoft.com/office/powerpoint/2010/main" val="4234065362"/>
+      </p:ext>
+    </p:extLst>
+  </p:cSld>
+  <p:clrMapOvr>
+    <a:masterClrMapping/>
+  </p:clrMapOvr>
+</p:sld>
+</file>
+
+<file path=ppt/slides/slide21.xml><?xml version="1.0" encoding="utf-8"?>
+<p:sld xmlns:a="http://schemas.openxmlformats.org/drawingml/2006/main" xmlns:r="http://schemas.openxmlformats.org/officeDocument/2006/relationships" xmlns:p="http://schemas.openxmlformats.org/presentationml/2006/main" show="0">
+  <p:cSld>
+    <p:spTree>
+      <p:nvGrpSpPr>
+        <p:cNvPr id="1" name=""/>
+        <p:cNvGrpSpPr/>
+        <p:nvPr/>
+      </p:nvGrpSpPr>
+      <p:grpSpPr>
+        <a:xfrm>
+          <a:off x="0" y="0"/>
+          <a:ext cx="0" cy="0"/>
+          <a:chOff x="0" y="0"/>
+          <a:chExt cx="0" cy="0"/>
+        </a:xfrm>
+      </p:grpSpPr>
+      <p:sp>
+        <p:nvSpPr>
+          <p:cNvPr id="2" name="Titel 1">
+            <a:extLst>
+              <a:ext uri="{FF2B5EF4-FFF2-40B4-BE49-F238E27FC236}">
+                <a16:creationId xmlns:a16="http://schemas.microsoft.com/office/drawing/2014/main" id="{446D3BEF-CC88-B742-5807-43EE48D25381}"/>
+              </a:ext>
+            </a:extLst>
+          </p:cNvPr>
+          <p:cNvSpPr>
+            <a:spLocks noGrp="1"/>
+          </p:cNvSpPr>
+          <p:nvPr>
+            <p:ph type="title"/>
+          </p:nvPr>
+        </p:nvSpPr>
+        <p:spPr/>
+        <p:txBody>
+          <a:bodyPr>
+            <a:normAutofit fontScale="90000"/>
+          </a:bodyPr>
+          <a:lstStyle/>
+          <a:p>
+            <a:r>
+              <a:rPr lang="en-US" dirty="0"/>
+              <a:t>Salamander 4 Virtualization after QEMU Configurations</a:t>
+            </a:r>
+          </a:p>
+        </p:txBody>
+      </p:sp>
+      <p:sp>
+        <p:nvSpPr>
+          <p:cNvPr id="3" name="Textplatzhalter 2">
+            <a:extLst>
+              <a:ext uri="{FF2B5EF4-FFF2-40B4-BE49-F238E27FC236}">
+                <a16:creationId xmlns:a16="http://schemas.microsoft.com/office/drawing/2014/main" id="{04897626-5992-AC9F-A7C2-0A8A6A65B6F9}"/>
+              </a:ext>
+            </a:extLst>
+          </p:cNvPr>
+          <p:cNvSpPr>
+            <a:spLocks noGrp="1"/>
+          </p:cNvSpPr>
+          <p:nvPr>
+            <p:ph type="body" sz="quarter" idx="14"/>
+          </p:nvPr>
+        </p:nvSpPr>
+        <p:spPr/>
+        <p:txBody>
+          <a:bodyPr>
+            <a:normAutofit/>
+          </a:bodyPr>
+          <a:lstStyle/>
+          <a:p>
+            <a:pPr algn="l"/>
+            <a:endParaRPr lang="en-US" sz="1600" dirty="0"/>
+          </a:p>
+        </p:txBody>
+      </p:sp>
+      <p:sp>
+        <p:nvSpPr>
+          <p:cNvPr id="4" name="Fußzeilenplatzhalter 3">
+            <a:extLst>
+              <a:ext uri="{FF2B5EF4-FFF2-40B4-BE49-F238E27FC236}">
+                <a16:creationId xmlns:a16="http://schemas.microsoft.com/office/drawing/2014/main" id="{17F6F80D-FCFD-474A-A46E-BEF92F26DC8D}"/>
+              </a:ext>
+            </a:extLst>
+          </p:cNvPr>
+          <p:cNvSpPr>
+            <a:spLocks noGrp="1"/>
+          </p:cNvSpPr>
+          <p:nvPr>
+            <p:ph type="ftr" sz="quarter" idx="12"/>
+          </p:nvPr>
+        </p:nvSpPr>
+        <p:spPr/>
+        <p:txBody>
+          <a:bodyPr/>
+          <a:lstStyle/>
+          <a:p>
+            <a:r>
+              <a:rPr lang="en-US"/>
+              <a:t>Virtualization of a Real-Time Operating System for Robot Control with a Focus on RealTime Compliance</a:t>
+            </a:r>
+            <a:r>
+              <a:rPr lang="en-GB"/>
+              <a:t> | </a:t>
+            </a:r>
+            <a:r>
+              <a:rPr lang="de-AT"/>
+              <a:t>Halil Pamuk, BSc.</a:t>
+            </a:r>
+            <a:r>
+              <a:rPr lang="en-GB"/>
+              <a:t> | 10.10.2024</a:t>
+            </a:r>
+            <a:endParaRPr lang="en-GB" dirty="0"/>
+          </a:p>
+        </p:txBody>
+      </p:sp>
+      <p:sp>
+        <p:nvSpPr>
+          <p:cNvPr id="5" name="Foliennummernplatzhalter 4">
+            <a:extLst>
+              <a:ext uri="{FF2B5EF4-FFF2-40B4-BE49-F238E27FC236}">
+                <a16:creationId xmlns:a16="http://schemas.microsoft.com/office/drawing/2014/main" id="{6FE7C3E3-082F-E591-9994-A62597200B98}"/>
+              </a:ext>
+            </a:extLst>
+          </p:cNvPr>
+          <p:cNvSpPr>
+            <a:spLocks noGrp="1"/>
+          </p:cNvSpPr>
+          <p:nvPr>
+            <p:ph type="sldNum" sz="quarter" idx="13"/>
+          </p:nvPr>
+        </p:nvSpPr>
+        <p:spPr/>
+        <p:txBody>
+          <a:bodyPr/>
+          <a:lstStyle/>
+          <a:p>
+            <a:fld id="{9C057DB4-583E-41A7-BD94-987342018C17}" type="slidenum">
+              <a:rPr lang="en-GB" smtClean="0"/>
+              <a:pPr/>
+              <a:t>21</a:t>
+            </a:fld>
+            <a:endParaRPr lang="en-GB" dirty="0"/>
+          </a:p>
+        </p:txBody>
+      </p:sp>
+      <p:sp>
+        <p:nvSpPr>
+          <p:cNvPr id="6" name="Textfeld 5">
+            <a:extLst>
+              <a:ext uri="{FF2B5EF4-FFF2-40B4-BE49-F238E27FC236}">
+                <a16:creationId xmlns:a16="http://schemas.microsoft.com/office/drawing/2014/main" id="{9AB5A822-3C8A-C9CC-A179-6AC2B863414C}"/>
+              </a:ext>
+            </a:extLst>
+          </p:cNvPr>
+          <p:cNvSpPr txBox="1"/>
+          <p:nvPr/>
+        </p:nvSpPr>
+        <p:spPr>
+          <a:xfrm>
+            <a:off x="2042160" y="1988820"/>
+            <a:ext cx="914400" cy="914400"/>
+          </a:xfrm>
+          <a:prstGeom prst="rect">
+            <a:avLst/>
+          </a:prstGeom>
+        </p:spPr>
+        <p:txBody>
+          <a:bodyPr vert="horz" wrap="none" lIns="91440" tIns="45720" rIns="91440" bIns="45720" rtlCol="0" anchor="t">
+            <a:normAutofit/>
+          </a:bodyPr>
+          <a:lstStyle/>
+          <a:p>
+            <a:pPr algn="l"/>
+            <a:endParaRPr lang="en-US" sz="2800" dirty="0"/>
+          </a:p>
+        </p:txBody>
+      </p:sp>
+      <p:pic>
+        <p:nvPicPr>
+          <p:cNvPr id="8" name="Grafik 7">
+            <a:extLst>
+              <a:ext uri="{FF2B5EF4-FFF2-40B4-BE49-F238E27FC236}">
+                <a16:creationId xmlns:a16="http://schemas.microsoft.com/office/drawing/2014/main" id="{4296391C-A68A-EA64-DED4-454493842C52}"/>
+              </a:ext>
+            </a:extLst>
+          </p:cNvPr>
+          <p:cNvPicPr>
+            <a:picLocks noChangeAspect="1"/>
+          </p:cNvPicPr>
+          <p:nvPr/>
+        </p:nvPicPr>
+        <p:blipFill>
+          <a:blip r:embed="rId2"/>
+          <a:stretch>
+            <a:fillRect/>
+          </a:stretch>
+        </p:blipFill>
+        <p:spPr>
+          <a:xfrm>
+            <a:off x="224681" y="1278092"/>
+            <a:ext cx="4659093" cy="2924053"/>
+          </a:xfrm>
+          <a:prstGeom prst="rect">
+            <a:avLst/>
+          </a:prstGeom>
+          <a:ln>
+            <a:solidFill>
+              <a:schemeClr val="bg1"/>
+            </a:solidFill>
+          </a:ln>
+        </p:spPr>
+      </p:pic>
+      <p:pic>
+        <p:nvPicPr>
+          <p:cNvPr id="14" name="Grafik 13">
+            <a:extLst>
+              <a:ext uri="{FF2B5EF4-FFF2-40B4-BE49-F238E27FC236}">
+                <a16:creationId xmlns:a16="http://schemas.microsoft.com/office/drawing/2014/main" id="{CB2A9039-B2D1-B081-5607-809AB3C33155}"/>
+              </a:ext>
+            </a:extLst>
+          </p:cNvPr>
+          <p:cNvPicPr>
+            <a:picLocks noChangeAspect="1"/>
+          </p:cNvPicPr>
+          <p:nvPr/>
+        </p:nvPicPr>
+        <p:blipFill>
+          <a:blip r:embed="rId3"/>
+          <a:stretch>
+            <a:fillRect/>
+          </a:stretch>
+        </p:blipFill>
+        <p:spPr>
+          <a:xfrm>
+            <a:off x="4939687" y="2145230"/>
+            <a:ext cx="4024312" cy="1515979"/>
+          </a:xfrm>
+          <a:prstGeom prst="rect">
+            <a:avLst/>
+          </a:prstGeom>
+          <a:ln>
+            <a:solidFill>
+              <a:schemeClr val="bg1"/>
+            </a:solidFill>
+          </a:ln>
+        </p:spPr>
+      </p:pic>
+    </p:spTree>
+    <p:extLst>
+      <p:ext uri="{BB962C8B-B14F-4D97-AF65-F5344CB8AC3E}">
+        <p14:creationId xmlns:p14="http://schemas.microsoft.com/office/powerpoint/2010/main" val="238117267"/>
+      </p:ext>
+    </p:extLst>
+  </p:cSld>
+  <p:clrMapOvr>
+    <a:masterClrMapping/>
+  </p:clrMapOvr>
+</p:sld>
+</file>
+
+<file path=ppt/slides/slide22.xml><?xml version="1.0" encoding="utf-8"?>
+<p:sld xmlns:a="http://schemas.openxmlformats.org/drawingml/2006/main" xmlns:r="http://schemas.openxmlformats.org/officeDocument/2006/relationships" xmlns:p="http://schemas.openxmlformats.org/presentationml/2006/main" show="0">
+  <p:cSld>
+    <p:spTree>
+      <p:nvGrpSpPr>
+        <p:cNvPr id="1" name=""/>
+        <p:cNvGrpSpPr/>
+        <p:nvPr/>
+      </p:nvGrpSpPr>
+      <p:grpSpPr>
+        <a:xfrm>
+          <a:off x="0" y="0"/>
+          <a:ext cx="0" cy="0"/>
+          <a:chOff x="0" y="0"/>
+          <a:chExt cx="0" cy="0"/>
+        </a:xfrm>
+      </p:grpSpPr>
+      <p:sp>
+        <p:nvSpPr>
+          <p:cNvPr id="2" name="Titel 1">
+            <a:extLst>
+              <a:ext uri="{FF2B5EF4-FFF2-40B4-BE49-F238E27FC236}">
+                <a16:creationId xmlns:a16="http://schemas.microsoft.com/office/drawing/2014/main" id="{446D3BEF-CC88-B742-5807-43EE48D25381}"/>
+              </a:ext>
+            </a:extLst>
+          </p:cNvPr>
+          <p:cNvSpPr>
+            <a:spLocks noGrp="1"/>
+          </p:cNvSpPr>
+          <p:nvPr>
+            <p:ph type="title"/>
+          </p:nvPr>
+        </p:nvSpPr>
+        <p:spPr/>
+        <p:txBody>
+          <a:bodyPr>
+            <a:normAutofit fontScale="90000"/>
+          </a:bodyPr>
+          <a:lstStyle/>
+          <a:p>
+            <a:r>
+              <a:rPr lang="de-AT" dirty="0"/>
+              <a:t>Robot</a:t>
+            </a:r>
+            <a:endParaRPr lang="en-US" dirty="0"/>
+          </a:p>
+        </p:txBody>
+      </p:sp>
+      <p:sp>
+        <p:nvSpPr>
+          <p:cNvPr id="3" name="Textplatzhalter 2">
+            <a:extLst>
+              <a:ext uri="{FF2B5EF4-FFF2-40B4-BE49-F238E27FC236}">
+                <a16:creationId xmlns:a16="http://schemas.microsoft.com/office/drawing/2014/main" id="{04897626-5992-AC9F-A7C2-0A8A6A65B6F9}"/>
+              </a:ext>
+            </a:extLst>
+          </p:cNvPr>
+          <p:cNvSpPr>
+            <a:spLocks noGrp="1"/>
+          </p:cNvSpPr>
+          <p:nvPr>
+            <p:ph type="body" sz="quarter" idx="14"/>
+          </p:nvPr>
+        </p:nvSpPr>
+        <p:spPr/>
+        <p:txBody>
+          <a:bodyPr>
+            <a:normAutofit/>
+          </a:bodyPr>
+          <a:lstStyle/>
+          <a:p>
+            <a:pPr algn="l"/>
+            <a:endParaRPr lang="en-US" sz="1600" dirty="0"/>
+          </a:p>
+        </p:txBody>
+      </p:sp>
+      <p:sp>
+        <p:nvSpPr>
+          <p:cNvPr id="4" name="Fußzeilenplatzhalter 3">
+            <a:extLst>
+              <a:ext uri="{FF2B5EF4-FFF2-40B4-BE49-F238E27FC236}">
+                <a16:creationId xmlns:a16="http://schemas.microsoft.com/office/drawing/2014/main" id="{17F6F80D-FCFD-474A-A46E-BEF92F26DC8D}"/>
+              </a:ext>
+            </a:extLst>
+          </p:cNvPr>
+          <p:cNvSpPr>
+            <a:spLocks noGrp="1"/>
+          </p:cNvSpPr>
+          <p:nvPr>
+            <p:ph type="ftr" sz="quarter" idx="12"/>
+          </p:nvPr>
+        </p:nvSpPr>
+        <p:spPr/>
+        <p:txBody>
+          <a:bodyPr/>
+          <a:lstStyle/>
+          <a:p>
+            <a:r>
+              <a:rPr lang="en-US" dirty="0"/>
+              <a:t>Virtualization of a Real-Time Operating System for Robot Control with a Focus on </a:t>
+            </a:r>
+            <a:r>
+              <a:rPr lang="en-US" dirty="0" err="1"/>
+              <a:t>RealTime</a:t>
+            </a:r>
+            <a:r>
+              <a:rPr lang="en-US" dirty="0"/>
+              <a:t> Compliance</a:t>
+            </a:r>
+            <a:r>
+              <a:rPr lang="en-GB" dirty="0"/>
+              <a:t> | </a:t>
+            </a:r>
+            <a:r>
+              <a:rPr lang="de-AT" dirty="0"/>
+              <a:t>Halil Pamuk, </a:t>
+            </a:r>
+            <a:r>
+              <a:rPr lang="de-AT" dirty="0" err="1"/>
+              <a:t>BSc</a:t>
+            </a:r>
+            <a:r>
+              <a:rPr lang="de-AT" dirty="0"/>
+              <a:t>.</a:t>
+            </a:r>
+            <a:r>
+              <a:rPr lang="en-GB" dirty="0"/>
+              <a:t> | 10.10.2024</a:t>
+            </a:r>
+          </a:p>
+        </p:txBody>
+      </p:sp>
+      <p:sp>
+        <p:nvSpPr>
+          <p:cNvPr id="5" name="Foliennummernplatzhalter 4">
+            <a:extLst>
+              <a:ext uri="{FF2B5EF4-FFF2-40B4-BE49-F238E27FC236}">
+                <a16:creationId xmlns:a16="http://schemas.microsoft.com/office/drawing/2014/main" id="{6FE7C3E3-082F-E591-9994-A62597200B98}"/>
+              </a:ext>
+            </a:extLst>
+          </p:cNvPr>
+          <p:cNvSpPr>
+            <a:spLocks noGrp="1"/>
+          </p:cNvSpPr>
+          <p:nvPr>
+            <p:ph type="sldNum" sz="quarter" idx="13"/>
+          </p:nvPr>
+        </p:nvSpPr>
+        <p:spPr/>
+        <p:txBody>
+          <a:bodyPr/>
+          <a:lstStyle/>
+          <a:p>
+            <a:fld id="{9C057DB4-583E-41A7-BD94-987342018C17}" type="slidenum">
+              <a:rPr lang="en-GB" smtClean="0"/>
+              <a:pPr/>
+              <a:t>22</a:t>
+            </a:fld>
+            <a:endParaRPr lang="en-GB" dirty="0"/>
+          </a:p>
+        </p:txBody>
+      </p:sp>
+      <p:sp>
+        <p:nvSpPr>
+          <p:cNvPr id="6" name="Textfeld 5">
+            <a:extLst>
+              <a:ext uri="{FF2B5EF4-FFF2-40B4-BE49-F238E27FC236}">
+                <a16:creationId xmlns:a16="http://schemas.microsoft.com/office/drawing/2014/main" id="{9AB5A822-3C8A-C9CC-A179-6AC2B863414C}"/>
+              </a:ext>
+            </a:extLst>
+          </p:cNvPr>
+          <p:cNvSpPr txBox="1"/>
+          <p:nvPr/>
+        </p:nvSpPr>
+        <p:spPr>
+          <a:xfrm>
+            <a:off x="2042160" y="1988820"/>
+            <a:ext cx="914400" cy="914400"/>
+          </a:xfrm>
+          <a:prstGeom prst="rect">
+            <a:avLst/>
+          </a:prstGeom>
+        </p:spPr>
+        <p:txBody>
+          <a:bodyPr vert="horz" wrap="none" lIns="91440" tIns="45720" rIns="91440" bIns="45720" rtlCol="0" anchor="t">
+            <a:normAutofit/>
+          </a:bodyPr>
+          <a:lstStyle/>
+          <a:p>
+            <a:pPr algn="l"/>
+            <a:endParaRPr lang="en-US" sz="2800" dirty="0"/>
+          </a:p>
+        </p:txBody>
+      </p:sp>
+      <p:pic>
+        <p:nvPicPr>
+          <p:cNvPr id="9" name="Grafik 8">
+            <a:extLst>
+              <a:ext uri="{FF2B5EF4-FFF2-40B4-BE49-F238E27FC236}">
+                <a16:creationId xmlns:a16="http://schemas.microsoft.com/office/drawing/2014/main" id="{8AA22D66-9642-174F-0BDF-305387A9F328}"/>
+              </a:ext>
+            </a:extLst>
+          </p:cNvPr>
+          <p:cNvPicPr>
+            <a:picLocks noChangeAspect="1"/>
+          </p:cNvPicPr>
+          <p:nvPr/>
+        </p:nvPicPr>
+        <p:blipFill rotWithShape="1">
+          <a:blip r:embed="rId2"/>
+          <a:srcRect l="26765" r="23041" b="13273"/>
+          <a:stretch/>
+        </p:blipFill>
+        <p:spPr>
+          <a:xfrm>
+            <a:off x="1585399" y="950806"/>
+            <a:ext cx="2156426" cy="2746265"/>
+          </a:xfrm>
+          <a:prstGeom prst="rect">
+            <a:avLst/>
+          </a:prstGeom>
+        </p:spPr>
+      </p:pic>
+      <p:pic>
+        <p:nvPicPr>
+          <p:cNvPr id="11" name="Grafik 10">
+            <a:extLst>
+              <a:ext uri="{FF2B5EF4-FFF2-40B4-BE49-F238E27FC236}">
+                <a16:creationId xmlns:a16="http://schemas.microsoft.com/office/drawing/2014/main" id="{A8BC4AFD-4111-6B2C-1C53-B29D2B9BFA1D}"/>
+              </a:ext>
+            </a:extLst>
+          </p:cNvPr>
+          <p:cNvPicPr>
+            <a:picLocks noChangeAspect="1"/>
+          </p:cNvPicPr>
+          <p:nvPr/>
+        </p:nvPicPr>
+        <p:blipFill>
+          <a:blip r:embed="rId3"/>
+          <a:stretch>
+            <a:fillRect/>
+          </a:stretch>
+        </p:blipFill>
+        <p:spPr>
+          <a:xfrm>
+            <a:off x="4810534" y="1148015"/>
+            <a:ext cx="3517742" cy="2847470"/>
+          </a:xfrm>
+          <a:prstGeom prst="rect">
+            <a:avLst/>
+          </a:prstGeom>
+        </p:spPr>
+      </p:pic>
+      <p:pic>
+        <p:nvPicPr>
+          <p:cNvPr id="8" name="Grafik 7">
+            <a:extLst>
+              <a:ext uri="{FF2B5EF4-FFF2-40B4-BE49-F238E27FC236}">
+                <a16:creationId xmlns:a16="http://schemas.microsoft.com/office/drawing/2014/main" id="{7C708985-A87B-918E-E384-FE1B754AFFA7}"/>
+              </a:ext>
+            </a:extLst>
+          </p:cNvPr>
+          <p:cNvPicPr>
+            <a:picLocks noChangeAspect="1"/>
+          </p:cNvPicPr>
+          <p:nvPr/>
+        </p:nvPicPr>
+        <p:blipFill>
+          <a:blip r:embed="rId4"/>
+          <a:stretch>
+            <a:fillRect/>
+          </a:stretch>
+        </p:blipFill>
+        <p:spPr>
+          <a:xfrm>
+            <a:off x="1342207" y="3751115"/>
+            <a:ext cx="2315394" cy="192950"/>
+          </a:xfrm>
+          <a:prstGeom prst="rect">
+            <a:avLst/>
+          </a:prstGeom>
+        </p:spPr>
+      </p:pic>
+    </p:spTree>
+    <p:extLst>
+      <p:ext uri="{BB962C8B-B14F-4D97-AF65-F5344CB8AC3E}">
+        <p14:creationId xmlns:p14="http://schemas.microsoft.com/office/powerpoint/2010/main" val="243719433"/>
+      </p:ext>
+    </p:extLst>
+  </p:cSld>
+  <p:clrMapOvr>
+    <a:masterClrMapping/>
+  </p:clrMapOvr>
+</p:sld>
+</file>
+
+<file path=ppt/slides/slide23.xml><?xml version="1.0" encoding="utf-8"?>
+<p:sld xmlns:a="http://schemas.openxmlformats.org/drawingml/2006/main" xmlns:r="http://schemas.openxmlformats.org/officeDocument/2006/relationships" xmlns:p="http://schemas.openxmlformats.org/presentationml/2006/main" show="0">
+  <p:cSld>
+    <p:spTree>
+      <p:nvGrpSpPr>
+        <p:cNvPr id="1" name=""/>
+        <p:cNvGrpSpPr/>
+        <p:nvPr/>
+      </p:nvGrpSpPr>
+      <p:grpSpPr>
+        <a:xfrm>
+          <a:off x="0" y="0"/>
+          <a:ext cx="0" cy="0"/>
+          <a:chOff x="0" y="0"/>
+          <a:chExt cx="0" cy="0"/>
+        </a:xfrm>
+      </p:grpSpPr>
+      <p:sp>
+        <p:nvSpPr>
+          <p:cNvPr id="2" name="Titel 1">
+            <a:extLst>
+              <a:ext uri="{FF2B5EF4-FFF2-40B4-BE49-F238E27FC236}">
+                <a16:creationId xmlns:a16="http://schemas.microsoft.com/office/drawing/2014/main" id="{446D3BEF-CC88-B742-5807-43EE48D25381}"/>
+              </a:ext>
+            </a:extLst>
+          </p:cNvPr>
+          <p:cNvSpPr>
+            <a:spLocks noGrp="1"/>
+          </p:cNvSpPr>
+          <p:nvPr>
+            <p:ph type="title"/>
+          </p:nvPr>
+        </p:nvSpPr>
+        <p:spPr/>
+        <p:txBody>
+          <a:bodyPr>
+            <a:normAutofit fontScale="90000"/>
+          </a:bodyPr>
+          <a:lstStyle/>
+          <a:p>
+            <a:r>
+              <a:rPr lang="de-AT" dirty="0" err="1"/>
+              <a:t>Servo</a:t>
+            </a:r>
+            <a:r>
+              <a:rPr lang="de-AT" dirty="0"/>
+              <a:t> Motor with PWM </a:t>
+            </a:r>
+            <a:r>
+              <a:rPr lang="de-AT" dirty="0" err="1"/>
+              <a:t>module</a:t>
+            </a:r>
+            <a:endParaRPr lang="en-US" dirty="0"/>
+          </a:p>
+        </p:txBody>
+      </p:sp>
+      <p:sp>
+        <p:nvSpPr>
+          <p:cNvPr id="3" name="Textplatzhalter 2">
+            <a:extLst>
+              <a:ext uri="{FF2B5EF4-FFF2-40B4-BE49-F238E27FC236}">
+                <a16:creationId xmlns:a16="http://schemas.microsoft.com/office/drawing/2014/main" id="{04897626-5992-AC9F-A7C2-0A8A6A65B6F9}"/>
+              </a:ext>
+            </a:extLst>
+          </p:cNvPr>
+          <p:cNvSpPr>
+            <a:spLocks noGrp="1"/>
+          </p:cNvSpPr>
+          <p:nvPr>
+            <p:ph type="body" sz="quarter" idx="14"/>
+          </p:nvPr>
+        </p:nvSpPr>
+        <p:spPr/>
+        <p:txBody>
+          <a:bodyPr>
+            <a:normAutofit/>
+          </a:bodyPr>
+          <a:lstStyle/>
+          <a:p>
+            <a:pPr algn="l"/>
+            <a:endParaRPr lang="en-US" sz="1600" dirty="0"/>
+          </a:p>
+        </p:txBody>
+      </p:sp>
+      <p:sp>
+        <p:nvSpPr>
+          <p:cNvPr id="4" name="Fußzeilenplatzhalter 3">
+            <a:extLst>
+              <a:ext uri="{FF2B5EF4-FFF2-40B4-BE49-F238E27FC236}">
+                <a16:creationId xmlns:a16="http://schemas.microsoft.com/office/drawing/2014/main" id="{17F6F80D-FCFD-474A-A46E-BEF92F26DC8D}"/>
+              </a:ext>
+            </a:extLst>
+          </p:cNvPr>
+          <p:cNvSpPr>
+            <a:spLocks noGrp="1"/>
+          </p:cNvSpPr>
+          <p:nvPr>
+            <p:ph type="ftr" sz="quarter" idx="12"/>
+          </p:nvPr>
+        </p:nvSpPr>
+        <p:spPr/>
+        <p:txBody>
+          <a:bodyPr/>
+          <a:lstStyle/>
+          <a:p>
+            <a:r>
+              <a:rPr lang="en-US"/>
+              <a:t>Virtualization of a Real-Time Operating System for Robot Control with a Focus on RealTime Compliance</a:t>
+            </a:r>
+            <a:r>
+              <a:rPr lang="en-GB"/>
+              <a:t> | </a:t>
+            </a:r>
+            <a:r>
+              <a:rPr lang="de-AT"/>
+              <a:t>Halil Pamuk, BSc.</a:t>
+            </a:r>
+            <a:r>
+              <a:rPr lang="en-GB"/>
+              <a:t> | 10.10.2024</a:t>
+            </a:r>
+            <a:endParaRPr lang="en-GB" dirty="0"/>
+          </a:p>
+        </p:txBody>
+      </p:sp>
+      <p:sp>
+        <p:nvSpPr>
+          <p:cNvPr id="5" name="Foliennummernplatzhalter 4">
+            <a:extLst>
+              <a:ext uri="{FF2B5EF4-FFF2-40B4-BE49-F238E27FC236}">
+                <a16:creationId xmlns:a16="http://schemas.microsoft.com/office/drawing/2014/main" id="{6FE7C3E3-082F-E591-9994-A62597200B98}"/>
+              </a:ext>
+            </a:extLst>
+          </p:cNvPr>
+          <p:cNvSpPr>
+            <a:spLocks noGrp="1"/>
+          </p:cNvSpPr>
+          <p:nvPr>
+            <p:ph type="sldNum" sz="quarter" idx="13"/>
+          </p:nvPr>
+        </p:nvSpPr>
+        <p:spPr/>
+        <p:txBody>
+          <a:bodyPr/>
+          <a:lstStyle/>
+          <a:p>
+            <a:fld id="{9C057DB4-583E-41A7-BD94-987342018C17}" type="slidenum">
+              <a:rPr lang="en-GB" smtClean="0"/>
+              <a:pPr/>
+              <a:t>23</a:t>
+            </a:fld>
+            <a:endParaRPr lang="en-GB" dirty="0"/>
+          </a:p>
+        </p:txBody>
+      </p:sp>
+      <p:sp>
+        <p:nvSpPr>
+          <p:cNvPr id="6" name="Textfeld 5">
+            <a:extLst>
+              <a:ext uri="{FF2B5EF4-FFF2-40B4-BE49-F238E27FC236}">
+                <a16:creationId xmlns:a16="http://schemas.microsoft.com/office/drawing/2014/main" id="{9AB5A822-3C8A-C9CC-A179-6AC2B863414C}"/>
+              </a:ext>
+            </a:extLst>
+          </p:cNvPr>
+          <p:cNvSpPr txBox="1"/>
+          <p:nvPr/>
+        </p:nvSpPr>
+        <p:spPr>
+          <a:xfrm>
+            <a:off x="2042160" y="1988820"/>
+            <a:ext cx="914400" cy="914400"/>
+          </a:xfrm>
+          <a:prstGeom prst="rect">
+            <a:avLst/>
+          </a:prstGeom>
+        </p:spPr>
+        <p:txBody>
+          <a:bodyPr vert="horz" wrap="none" lIns="91440" tIns="45720" rIns="91440" bIns="45720" rtlCol="0" anchor="t">
+            <a:normAutofit/>
+          </a:bodyPr>
+          <a:lstStyle/>
+          <a:p>
+            <a:pPr algn="l"/>
+            <a:endParaRPr lang="en-US" sz="2800" dirty="0"/>
+          </a:p>
+        </p:txBody>
+      </p:sp>
+      <p:pic>
+        <p:nvPicPr>
+          <p:cNvPr id="8" name="Grafik 7">
+            <a:extLst>
+              <a:ext uri="{FF2B5EF4-FFF2-40B4-BE49-F238E27FC236}">
+                <a16:creationId xmlns:a16="http://schemas.microsoft.com/office/drawing/2014/main" id="{735F8350-DE65-C17B-46C7-8C021227B139}"/>
+              </a:ext>
+            </a:extLst>
+          </p:cNvPr>
+          <p:cNvPicPr>
+            <a:picLocks noChangeAspect="1"/>
+          </p:cNvPicPr>
+          <p:nvPr/>
+        </p:nvPicPr>
+        <p:blipFill>
+          <a:blip r:embed="rId2"/>
+          <a:stretch>
+            <a:fillRect/>
+          </a:stretch>
+        </p:blipFill>
+        <p:spPr>
+          <a:xfrm>
+            <a:off x="2785723" y="952894"/>
+            <a:ext cx="3563874" cy="3502109"/>
+          </a:xfrm>
+          <a:prstGeom prst="rect">
+            <a:avLst/>
+          </a:prstGeom>
+        </p:spPr>
+      </p:pic>
+    </p:spTree>
+    <p:extLst>
+      <p:ext uri="{BB962C8B-B14F-4D97-AF65-F5344CB8AC3E}">
+        <p14:creationId xmlns:p14="http://schemas.microsoft.com/office/powerpoint/2010/main" val="446549561"/>
+      </p:ext>
+    </p:extLst>
+  </p:cSld>
+  <p:clrMapOvr>
+    <a:masterClrMapping/>
+  </p:clrMapOvr>
+</p:sld>
+</file>
+
+<file path=ppt/slides/slide24.xml><?xml version="1.0" encoding="utf-8"?>
+<p:sld xmlns:a="http://schemas.openxmlformats.org/drawingml/2006/main" xmlns:r="http://schemas.openxmlformats.org/officeDocument/2006/relationships" xmlns:p="http://schemas.openxmlformats.org/presentationml/2006/main" show="0">
+  <p:cSld>
+    <p:spTree>
+      <p:nvGrpSpPr>
+        <p:cNvPr id="1" name=""/>
+        <p:cNvGrpSpPr/>
+        <p:nvPr/>
+      </p:nvGrpSpPr>
+      <p:grpSpPr>
+        <a:xfrm>
+          <a:off x="0" y="0"/>
+          <a:ext cx="0" cy="0"/>
+          <a:chOff x="0" y="0"/>
+          <a:chExt cx="0" cy="0"/>
+        </a:xfrm>
+      </p:grpSpPr>
+      <p:sp>
+        <p:nvSpPr>
+          <p:cNvPr id="2" name="Titel 1">
+            <a:extLst>
+              <a:ext uri="{FF2B5EF4-FFF2-40B4-BE49-F238E27FC236}">
+                <a16:creationId xmlns:a16="http://schemas.microsoft.com/office/drawing/2014/main" id="{446D3BEF-CC88-B742-5807-43EE48D25381}"/>
+              </a:ext>
+            </a:extLst>
+          </p:cNvPr>
+          <p:cNvSpPr>
+            <a:spLocks noGrp="1"/>
+          </p:cNvSpPr>
+          <p:nvPr>
+            <p:ph type="title"/>
+          </p:nvPr>
+        </p:nvSpPr>
+        <p:spPr/>
+        <p:txBody>
+          <a:bodyPr>
+            <a:normAutofit fontScale="90000"/>
+          </a:bodyPr>
+          <a:lstStyle/>
+          <a:p>
+            <a:r>
+              <a:rPr lang="de-AT" dirty="0" err="1"/>
+              <a:t>Servo</a:t>
+            </a:r>
+            <a:r>
+              <a:rPr lang="de-AT" dirty="0"/>
+              <a:t> Motor </a:t>
+            </a:r>
+            <a:r>
+              <a:rPr lang="de-AT" dirty="0" err="1"/>
+              <a:t>Function</a:t>
+            </a:r>
+            <a:endParaRPr lang="en-US" dirty="0"/>
+          </a:p>
+        </p:txBody>
+      </p:sp>
+      <p:sp>
+        <p:nvSpPr>
+          <p:cNvPr id="3" name="Textplatzhalter 2">
+            <a:extLst>
+              <a:ext uri="{FF2B5EF4-FFF2-40B4-BE49-F238E27FC236}">
+                <a16:creationId xmlns:a16="http://schemas.microsoft.com/office/drawing/2014/main" id="{04897626-5992-AC9F-A7C2-0A8A6A65B6F9}"/>
+              </a:ext>
+            </a:extLst>
+          </p:cNvPr>
+          <p:cNvSpPr>
+            <a:spLocks noGrp="1"/>
+          </p:cNvSpPr>
+          <p:nvPr>
+            <p:ph type="body" sz="quarter" idx="14"/>
+          </p:nvPr>
+        </p:nvSpPr>
+        <p:spPr/>
+        <p:txBody>
+          <a:bodyPr>
+            <a:normAutofit/>
+          </a:bodyPr>
+          <a:lstStyle/>
+          <a:p>
+            <a:pPr algn="l"/>
+            <a:endParaRPr lang="en-US" sz="1600" dirty="0"/>
+          </a:p>
+        </p:txBody>
+      </p:sp>
+      <p:sp>
+        <p:nvSpPr>
+          <p:cNvPr id="4" name="Fußzeilenplatzhalter 3">
+            <a:extLst>
+              <a:ext uri="{FF2B5EF4-FFF2-40B4-BE49-F238E27FC236}">
+                <a16:creationId xmlns:a16="http://schemas.microsoft.com/office/drawing/2014/main" id="{17F6F80D-FCFD-474A-A46E-BEF92F26DC8D}"/>
+              </a:ext>
+            </a:extLst>
+          </p:cNvPr>
+          <p:cNvSpPr>
+            <a:spLocks noGrp="1"/>
+          </p:cNvSpPr>
+          <p:nvPr>
+            <p:ph type="ftr" sz="quarter" idx="12"/>
+          </p:nvPr>
+        </p:nvSpPr>
+        <p:spPr/>
+        <p:txBody>
+          <a:bodyPr/>
+          <a:lstStyle/>
+          <a:p>
+            <a:r>
+              <a:rPr lang="en-US"/>
+              <a:t>Virtualization of a Real-Time Operating System for Robot Control with a Focus on RealTime Compliance</a:t>
+            </a:r>
+            <a:r>
+              <a:rPr lang="en-GB"/>
+              <a:t> | </a:t>
+            </a:r>
+            <a:r>
+              <a:rPr lang="de-AT"/>
+              <a:t>Halil Pamuk, BSc.</a:t>
+            </a:r>
+            <a:r>
+              <a:rPr lang="en-GB"/>
+              <a:t> | 10.10.2024</a:t>
+            </a:r>
+            <a:endParaRPr lang="en-GB" dirty="0"/>
+          </a:p>
+        </p:txBody>
+      </p:sp>
+      <p:sp>
+        <p:nvSpPr>
+          <p:cNvPr id="5" name="Foliennummernplatzhalter 4">
+            <a:extLst>
+              <a:ext uri="{FF2B5EF4-FFF2-40B4-BE49-F238E27FC236}">
+                <a16:creationId xmlns:a16="http://schemas.microsoft.com/office/drawing/2014/main" id="{6FE7C3E3-082F-E591-9994-A62597200B98}"/>
+              </a:ext>
+            </a:extLst>
+          </p:cNvPr>
+          <p:cNvSpPr>
+            <a:spLocks noGrp="1"/>
+          </p:cNvSpPr>
+          <p:nvPr>
+            <p:ph type="sldNum" sz="quarter" idx="13"/>
+          </p:nvPr>
+        </p:nvSpPr>
+        <p:spPr/>
+        <p:txBody>
+          <a:bodyPr/>
+          <a:lstStyle/>
+          <a:p>
+            <a:fld id="{9C057DB4-583E-41A7-BD94-987342018C17}" type="slidenum">
+              <a:rPr lang="en-GB" smtClean="0"/>
+              <a:pPr/>
+              <a:t>24</a:t>
+            </a:fld>
+            <a:endParaRPr lang="en-GB" dirty="0"/>
+          </a:p>
+        </p:txBody>
+      </p:sp>
+      <p:sp>
+        <p:nvSpPr>
+          <p:cNvPr id="6" name="Textfeld 5">
+            <a:extLst>
+              <a:ext uri="{FF2B5EF4-FFF2-40B4-BE49-F238E27FC236}">
+                <a16:creationId xmlns:a16="http://schemas.microsoft.com/office/drawing/2014/main" id="{9AB5A822-3C8A-C9CC-A179-6AC2B863414C}"/>
+              </a:ext>
+            </a:extLst>
+          </p:cNvPr>
+          <p:cNvSpPr txBox="1"/>
+          <p:nvPr/>
+        </p:nvSpPr>
+        <p:spPr>
+          <a:xfrm>
+            <a:off x="2042160" y="1988820"/>
+            <a:ext cx="914400" cy="914400"/>
+          </a:xfrm>
+          <a:prstGeom prst="rect">
+            <a:avLst/>
+          </a:prstGeom>
+        </p:spPr>
+        <p:txBody>
+          <a:bodyPr vert="horz" wrap="none" lIns="91440" tIns="45720" rIns="91440" bIns="45720" rtlCol="0" anchor="t">
+            <a:normAutofit/>
+          </a:bodyPr>
+          <a:lstStyle/>
+          <a:p>
+            <a:pPr algn="l"/>
+            <a:endParaRPr lang="en-US" sz="2800" dirty="0"/>
+          </a:p>
+        </p:txBody>
+      </p:sp>
+      <p:pic>
+        <p:nvPicPr>
+          <p:cNvPr id="8" name="Grafik 7">
+            <a:extLst>
+              <a:ext uri="{FF2B5EF4-FFF2-40B4-BE49-F238E27FC236}">
+                <a16:creationId xmlns:a16="http://schemas.microsoft.com/office/drawing/2014/main" id="{0E09A812-0394-4A2D-1D09-45B398080278}"/>
+              </a:ext>
+            </a:extLst>
+          </p:cNvPr>
+          <p:cNvPicPr>
+            <a:picLocks noChangeAspect="1"/>
+          </p:cNvPicPr>
+          <p:nvPr/>
+        </p:nvPicPr>
+        <p:blipFill>
+          <a:blip r:embed="rId2"/>
+          <a:stretch>
+            <a:fillRect/>
+          </a:stretch>
+        </p:blipFill>
+        <p:spPr>
+          <a:xfrm>
+            <a:off x="2185949" y="971348"/>
+            <a:ext cx="4763421" cy="3609975"/>
+          </a:xfrm>
+          <a:prstGeom prst="rect">
+            <a:avLst/>
+          </a:prstGeom>
+        </p:spPr>
+      </p:pic>
+    </p:spTree>
+    <p:extLst>
+      <p:ext uri="{BB962C8B-B14F-4D97-AF65-F5344CB8AC3E}">
+        <p14:creationId xmlns:p14="http://schemas.microsoft.com/office/powerpoint/2010/main" val="3894031948"/>
+      </p:ext>
+    </p:extLst>
+  </p:cSld>
+  <p:clrMapOvr>
+    <a:masterClrMapping/>
+  </p:clrMapOvr>
+</p:sld>
+</file>
+
+<file path=ppt/slides/slide25.xml><?xml version="1.0" encoding="utf-8"?>
+<p:sld xmlns:a="http://schemas.openxmlformats.org/drawingml/2006/main" xmlns:r="http://schemas.openxmlformats.org/officeDocument/2006/relationships" xmlns:p="http://schemas.openxmlformats.org/presentationml/2006/main" show="0">
+  <p:cSld>
+    <p:spTree>
+      <p:nvGrpSpPr>
+        <p:cNvPr id="1" name=""/>
+        <p:cNvGrpSpPr/>
+        <p:nvPr/>
+      </p:nvGrpSpPr>
+      <p:grpSpPr>
+        <a:xfrm>
+          <a:off x="0" y="0"/>
+          <a:ext cx="0" cy="0"/>
+          <a:chOff x="0" y="0"/>
+          <a:chExt cx="0" cy="0"/>
+        </a:xfrm>
+      </p:grpSpPr>
+      <p:sp>
+        <p:nvSpPr>
+          <p:cNvPr id="2" name="Titel 1">
+            <a:extLst>
+              <a:ext uri="{FF2B5EF4-FFF2-40B4-BE49-F238E27FC236}">
+                <a16:creationId xmlns:a16="http://schemas.microsoft.com/office/drawing/2014/main" id="{446D3BEF-CC88-B742-5807-43EE48D25381}"/>
+              </a:ext>
+            </a:extLst>
+          </p:cNvPr>
+          <p:cNvSpPr>
+            <a:spLocks noGrp="1"/>
+          </p:cNvSpPr>
+          <p:nvPr>
+            <p:ph type="title"/>
+          </p:nvPr>
+        </p:nvSpPr>
+        <p:spPr/>
+        <p:txBody>
+          <a:bodyPr>
+            <a:normAutofit fontScale="90000"/>
+          </a:bodyPr>
+          <a:lstStyle/>
+          <a:p>
+            <a:r>
+              <a:rPr lang="de-AT" dirty="0" err="1"/>
+              <a:t>Robotic</a:t>
+            </a:r>
+            <a:r>
+              <a:rPr lang="de-AT" dirty="0"/>
+              <a:t> Application Setups</a:t>
+            </a:r>
+            <a:endParaRPr lang="en-US" dirty="0"/>
+          </a:p>
+        </p:txBody>
+      </p:sp>
+      <p:sp>
+        <p:nvSpPr>
+          <p:cNvPr id="3" name="Textplatzhalter 2">
+            <a:extLst>
+              <a:ext uri="{FF2B5EF4-FFF2-40B4-BE49-F238E27FC236}">
+                <a16:creationId xmlns:a16="http://schemas.microsoft.com/office/drawing/2014/main" id="{04897626-5992-AC9F-A7C2-0A8A6A65B6F9}"/>
+              </a:ext>
+            </a:extLst>
+          </p:cNvPr>
+          <p:cNvSpPr>
+            <a:spLocks noGrp="1"/>
+          </p:cNvSpPr>
+          <p:nvPr>
+            <p:ph type="body" sz="quarter" idx="14"/>
+          </p:nvPr>
+        </p:nvSpPr>
+        <p:spPr/>
+        <p:txBody>
+          <a:bodyPr>
+            <a:normAutofit/>
+          </a:bodyPr>
+          <a:lstStyle/>
+          <a:p>
+            <a:pPr algn="l"/>
+            <a:endParaRPr lang="en-US" sz="1600" dirty="0"/>
+          </a:p>
+        </p:txBody>
+      </p:sp>
+      <p:sp>
+        <p:nvSpPr>
+          <p:cNvPr id="4" name="Fußzeilenplatzhalter 3">
+            <a:extLst>
+              <a:ext uri="{FF2B5EF4-FFF2-40B4-BE49-F238E27FC236}">
+                <a16:creationId xmlns:a16="http://schemas.microsoft.com/office/drawing/2014/main" id="{17F6F80D-FCFD-474A-A46E-BEF92F26DC8D}"/>
+              </a:ext>
+            </a:extLst>
+          </p:cNvPr>
+          <p:cNvSpPr>
+            <a:spLocks noGrp="1"/>
+          </p:cNvSpPr>
+          <p:nvPr>
+            <p:ph type="ftr" sz="quarter" idx="12"/>
+          </p:nvPr>
+        </p:nvSpPr>
+        <p:spPr/>
+        <p:txBody>
+          <a:bodyPr/>
+          <a:lstStyle/>
+          <a:p>
+            <a:r>
+              <a:rPr lang="en-US"/>
+              <a:t>Virtualization of a Real-Time Operating System for Robot Control with a Focus on RealTime Compliance</a:t>
+            </a:r>
+            <a:r>
+              <a:rPr lang="en-GB"/>
+              <a:t> | </a:t>
+            </a:r>
+            <a:r>
+              <a:rPr lang="de-AT"/>
+              <a:t>Halil Pamuk, BSc.</a:t>
+            </a:r>
+            <a:r>
+              <a:rPr lang="en-GB"/>
+              <a:t> | 10.10.2024</a:t>
+            </a:r>
+            <a:endParaRPr lang="en-GB" dirty="0"/>
+          </a:p>
+        </p:txBody>
+      </p:sp>
+      <p:sp>
+        <p:nvSpPr>
+          <p:cNvPr id="5" name="Foliennummernplatzhalter 4">
+            <a:extLst>
+              <a:ext uri="{FF2B5EF4-FFF2-40B4-BE49-F238E27FC236}">
+                <a16:creationId xmlns:a16="http://schemas.microsoft.com/office/drawing/2014/main" id="{6FE7C3E3-082F-E591-9994-A62597200B98}"/>
+              </a:ext>
+            </a:extLst>
+          </p:cNvPr>
+          <p:cNvSpPr>
+            <a:spLocks noGrp="1"/>
+          </p:cNvSpPr>
+          <p:nvPr>
+            <p:ph type="sldNum" sz="quarter" idx="13"/>
+          </p:nvPr>
+        </p:nvSpPr>
+        <p:spPr/>
+        <p:txBody>
+          <a:bodyPr/>
+          <a:lstStyle/>
+          <a:p>
+            <a:fld id="{9C057DB4-583E-41A7-BD94-987342018C17}" type="slidenum">
+              <a:rPr lang="en-GB" smtClean="0"/>
+              <a:pPr/>
+              <a:t>25</a:t>
+            </a:fld>
+            <a:endParaRPr lang="en-GB" dirty="0"/>
+          </a:p>
+        </p:txBody>
+      </p:sp>
+      <p:sp>
+        <p:nvSpPr>
+          <p:cNvPr id="6" name="Textfeld 5">
+            <a:extLst>
+              <a:ext uri="{FF2B5EF4-FFF2-40B4-BE49-F238E27FC236}">
+                <a16:creationId xmlns:a16="http://schemas.microsoft.com/office/drawing/2014/main" id="{9AB5A822-3C8A-C9CC-A179-6AC2B863414C}"/>
+              </a:ext>
+            </a:extLst>
+          </p:cNvPr>
+          <p:cNvSpPr txBox="1"/>
+          <p:nvPr/>
+        </p:nvSpPr>
+        <p:spPr>
+          <a:xfrm>
+            <a:off x="2042160" y="1988820"/>
+            <a:ext cx="914400" cy="914400"/>
+          </a:xfrm>
+          <a:prstGeom prst="rect">
+            <a:avLst/>
+          </a:prstGeom>
+        </p:spPr>
+        <p:txBody>
+          <a:bodyPr vert="horz" wrap="none" lIns="91440" tIns="45720" rIns="91440" bIns="45720" rtlCol="0" anchor="t">
+            <a:normAutofit/>
+          </a:bodyPr>
+          <a:lstStyle/>
+          <a:p>
+            <a:pPr algn="l"/>
+            <a:endParaRPr lang="en-US" sz="2800" dirty="0"/>
+          </a:p>
+        </p:txBody>
+      </p:sp>
+      <p:pic>
+        <p:nvPicPr>
+          <p:cNvPr id="8" name="Grafik 7">
+            <a:extLst>
+              <a:ext uri="{FF2B5EF4-FFF2-40B4-BE49-F238E27FC236}">
+                <a16:creationId xmlns:a16="http://schemas.microsoft.com/office/drawing/2014/main" id="{76248B69-8E55-DD43-3B53-2BA2735B4DF3}"/>
+              </a:ext>
+            </a:extLst>
+          </p:cNvPr>
+          <p:cNvPicPr>
+            <a:picLocks noChangeAspect="1"/>
+          </p:cNvPicPr>
+          <p:nvPr/>
+        </p:nvPicPr>
+        <p:blipFill>
+          <a:blip r:embed="rId2"/>
+          <a:stretch>
+            <a:fillRect/>
+          </a:stretch>
+        </p:blipFill>
+        <p:spPr>
+          <a:xfrm>
+            <a:off x="1013209" y="889436"/>
+            <a:ext cx="2972301" cy="3457575"/>
+          </a:xfrm>
+          <a:prstGeom prst="rect">
+            <a:avLst/>
+          </a:prstGeom>
+        </p:spPr>
+      </p:pic>
+      <p:pic>
+        <p:nvPicPr>
+          <p:cNvPr id="12" name="Grafik 11">
+            <a:extLst>
+              <a:ext uri="{FF2B5EF4-FFF2-40B4-BE49-F238E27FC236}">
+                <a16:creationId xmlns:a16="http://schemas.microsoft.com/office/drawing/2014/main" id="{3EC1D0D7-CAD7-1F51-8830-6B3C4D5AB2B3}"/>
+              </a:ext>
+            </a:extLst>
+          </p:cNvPr>
+          <p:cNvPicPr>
+            <a:picLocks noChangeAspect="1"/>
+          </p:cNvPicPr>
+          <p:nvPr/>
+        </p:nvPicPr>
+        <p:blipFill>
+          <a:blip r:embed="rId3"/>
+          <a:stretch>
+            <a:fillRect/>
+          </a:stretch>
+        </p:blipFill>
+        <p:spPr>
+          <a:xfrm>
+            <a:off x="5158492" y="1118790"/>
+            <a:ext cx="2868829" cy="3228221"/>
+          </a:xfrm>
+          <a:prstGeom prst="rect">
+            <a:avLst/>
+          </a:prstGeom>
+        </p:spPr>
+      </p:pic>
+    </p:spTree>
+    <p:extLst>
+      <p:ext uri="{BB962C8B-B14F-4D97-AF65-F5344CB8AC3E}">
+        <p14:creationId xmlns:p14="http://schemas.microsoft.com/office/powerpoint/2010/main" val="2813496607"/>
+      </p:ext>
+    </p:extLst>
+  </p:cSld>
+  <p:clrMapOvr>
+    <a:masterClrMapping/>
+  </p:clrMapOvr>
+</p:sld>
+</file>
+
+<file path=ppt/slides/slide26.xml><?xml version="1.0" encoding="utf-8"?>
+<p:sld xmlns:a="http://schemas.openxmlformats.org/drawingml/2006/main" xmlns:r="http://schemas.openxmlformats.org/officeDocument/2006/relationships" xmlns:p="http://schemas.openxmlformats.org/presentationml/2006/main" show="0">
+  <p:cSld>
+    <p:spTree>
+      <p:nvGrpSpPr>
+        <p:cNvPr id="1" name=""/>
+        <p:cNvGrpSpPr/>
+        <p:nvPr/>
+      </p:nvGrpSpPr>
+      <p:grpSpPr>
+        <a:xfrm>
+          <a:off x="0" y="0"/>
+          <a:ext cx="0" cy="0"/>
+          <a:chOff x="0" y="0"/>
+          <a:chExt cx="0" cy="0"/>
+        </a:xfrm>
+      </p:grpSpPr>
+      <p:sp>
+        <p:nvSpPr>
+          <p:cNvPr id="2" name="Titel 1">
+            <a:extLst>
+              <a:ext uri="{FF2B5EF4-FFF2-40B4-BE49-F238E27FC236}">
+                <a16:creationId xmlns:a16="http://schemas.microsoft.com/office/drawing/2014/main" id="{446D3BEF-CC88-B742-5807-43EE48D25381}"/>
+              </a:ext>
+            </a:extLst>
+          </p:cNvPr>
+          <p:cNvSpPr>
+            <a:spLocks noGrp="1"/>
+          </p:cNvSpPr>
+          <p:nvPr>
+            <p:ph type="title"/>
+          </p:nvPr>
+        </p:nvSpPr>
+        <p:spPr/>
+        <p:txBody>
+          <a:bodyPr>
+            <a:normAutofit fontScale="90000"/>
+          </a:bodyPr>
+          <a:lstStyle/>
+          <a:p>
+            <a:r>
+              <a:rPr lang="de-AT" dirty="0" err="1"/>
+              <a:t>Robotic</a:t>
+            </a:r>
+            <a:r>
+              <a:rPr lang="de-AT" dirty="0"/>
+              <a:t> Application Flowchart</a:t>
+            </a:r>
+            <a:endParaRPr lang="en-US" dirty="0"/>
+          </a:p>
+        </p:txBody>
+      </p:sp>
+      <p:sp>
+        <p:nvSpPr>
+          <p:cNvPr id="3" name="Textplatzhalter 2">
+            <a:extLst>
+              <a:ext uri="{FF2B5EF4-FFF2-40B4-BE49-F238E27FC236}">
+                <a16:creationId xmlns:a16="http://schemas.microsoft.com/office/drawing/2014/main" id="{04897626-5992-AC9F-A7C2-0A8A6A65B6F9}"/>
+              </a:ext>
+            </a:extLst>
+          </p:cNvPr>
+          <p:cNvSpPr>
+            <a:spLocks noGrp="1"/>
+          </p:cNvSpPr>
+          <p:nvPr>
+            <p:ph type="body" sz="quarter" idx="14"/>
+          </p:nvPr>
+        </p:nvSpPr>
+        <p:spPr/>
+        <p:txBody>
+          <a:bodyPr>
+            <a:normAutofit/>
+          </a:bodyPr>
+          <a:lstStyle/>
+          <a:p>
+            <a:pPr algn="l"/>
+            <a:endParaRPr lang="en-US" sz="1600" dirty="0"/>
+          </a:p>
+        </p:txBody>
+      </p:sp>
+      <p:sp>
+        <p:nvSpPr>
+          <p:cNvPr id="4" name="Fußzeilenplatzhalter 3">
+            <a:extLst>
+              <a:ext uri="{FF2B5EF4-FFF2-40B4-BE49-F238E27FC236}">
+                <a16:creationId xmlns:a16="http://schemas.microsoft.com/office/drawing/2014/main" id="{17F6F80D-FCFD-474A-A46E-BEF92F26DC8D}"/>
+              </a:ext>
+            </a:extLst>
+          </p:cNvPr>
+          <p:cNvSpPr>
+            <a:spLocks noGrp="1"/>
+          </p:cNvSpPr>
+          <p:nvPr>
+            <p:ph type="ftr" sz="quarter" idx="12"/>
+          </p:nvPr>
+        </p:nvSpPr>
+        <p:spPr/>
+        <p:txBody>
+          <a:bodyPr/>
+          <a:lstStyle/>
+          <a:p>
+            <a:r>
+              <a:rPr lang="en-US"/>
+              <a:t>Virtualization of a Real-Time Operating System for Robot Control with a Focus on RealTime Compliance</a:t>
+            </a:r>
+            <a:r>
+              <a:rPr lang="en-GB"/>
+              <a:t> | </a:t>
+            </a:r>
+            <a:r>
+              <a:rPr lang="de-AT"/>
+              <a:t>Halil Pamuk, BSc.</a:t>
+            </a:r>
+            <a:r>
+              <a:rPr lang="en-GB"/>
+              <a:t> | 10.10.2024</a:t>
+            </a:r>
+            <a:endParaRPr lang="en-GB" dirty="0"/>
+          </a:p>
+        </p:txBody>
+      </p:sp>
+      <p:sp>
+        <p:nvSpPr>
+          <p:cNvPr id="5" name="Foliennummernplatzhalter 4">
+            <a:extLst>
+              <a:ext uri="{FF2B5EF4-FFF2-40B4-BE49-F238E27FC236}">
+                <a16:creationId xmlns:a16="http://schemas.microsoft.com/office/drawing/2014/main" id="{6FE7C3E3-082F-E591-9994-A62597200B98}"/>
+              </a:ext>
+            </a:extLst>
+          </p:cNvPr>
+          <p:cNvSpPr>
+            <a:spLocks noGrp="1"/>
+          </p:cNvSpPr>
+          <p:nvPr>
+            <p:ph type="sldNum" sz="quarter" idx="13"/>
+          </p:nvPr>
+        </p:nvSpPr>
+        <p:spPr/>
+        <p:txBody>
+          <a:bodyPr/>
+          <a:lstStyle/>
+          <a:p>
+            <a:fld id="{9C057DB4-583E-41A7-BD94-987342018C17}" type="slidenum">
+              <a:rPr lang="en-GB" smtClean="0"/>
+              <a:pPr/>
+              <a:t>26</a:t>
+            </a:fld>
+            <a:endParaRPr lang="en-GB" dirty="0"/>
+          </a:p>
+        </p:txBody>
+      </p:sp>
+      <p:sp>
+        <p:nvSpPr>
+          <p:cNvPr id="6" name="Textfeld 5">
+            <a:extLst>
+              <a:ext uri="{FF2B5EF4-FFF2-40B4-BE49-F238E27FC236}">
+                <a16:creationId xmlns:a16="http://schemas.microsoft.com/office/drawing/2014/main" id="{9AB5A822-3C8A-C9CC-A179-6AC2B863414C}"/>
+              </a:ext>
+            </a:extLst>
+          </p:cNvPr>
+          <p:cNvSpPr txBox="1"/>
+          <p:nvPr/>
+        </p:nvSpPr>
+        <p:spPr>
+          <a:xfrm>
+            <a:off x="2042160" y="1988820"/>
+            <a:ext cx="914400" cy="914400"/>
+          </a:xfrm>
+          <a:prstGeom prst="rect">
+            <a:avLst/>
+          </a:prstGeom>
+        </p:spPr>
+        <p:txBody>
+          <a:bodyPr vert="horz" wrap="none" lIns="91440" tIns="45720" rIns="91440" bIns="45720" rtlCol="0" anchor="t">
+            <a:normAutofit/>
+          </a:bodyPr>
+          <a:lstStyle/>
+          <a:p>
+            <a:pPr algn="l"/>
+            <a:endParaRPr lang="en-US" sz="2800" dirty="0"/>
+          </a:p>
+        </p:txBody>
+      </p:sp>
+      <p:pic>
+        <p:nvPicPr>
+          <p:cNvPr id="9" name="Grafik 8">
+            <a:extLst>
+              <a:ext uri="{FF2B5EF4-FFF2-40B4-BE49-F238E27FC236}">
+                <a16:creationId xmlns:a16="http://schemas.microsoft.com/office/drawing/2014/main" id="{1708792E-4F38-0C2B-B849-C4EF7833D799}"/>
+              </a:ext>
+            </a:extLst>
+          </p:cNvPr>
+          <p:cNvPicPr>
+            <a:picLocks noChangeAspect="1"/>
+          </p:cNvPicPr>
+          <p:nvPr/>
+        </p:nvPicPr>
+        <p:blipFill>
+          <a:blip r:embed="rId2"/>
+          <a:stretch>
+            <a:fillRect/>
+          </a:stretch>
+        </p:blipFill>
+        <p:spPr>
+          <a:xfrm>
+            <a:off x="1399804" y="948827"/>
+            <a:ext cx="6335712" cy="3680122"/>
+          </a:xfrm>
+          <a:prstGeom prst="rect">
+            <a:avLst/>
+          </a:prstGeom>
+        </p:spPr>
+      </p:pic>
+    </p:spTree>
+    <p:extLst>
+      <p:ext uri="{BB962C8B-B14F-4D97-AF65-F5344CB8AC3E}">
+        <p14:creationId xmlns:p14="http://schemas.microsoft.com/office/powerpoint/2010/main" val="3582462374"/>
+      </p:ext>
+    </p:extLst>
+  </p:cSld>
+  <p:clrMapOvr>
+    <a:masterClrMapping/>
+  </p:clrMapOvr>
+</p:sld>
+</file>
+
+<file path=ppt/slides/slide27.xml><?xml version="1.0" encoding="utf-8"?>
+<p:sld xmlns:a="http://schemas.openxmlformats.org/drawingml/2006/main" xmlns:r="http://schemas.openxmlformats.org/officeDocument/2006/relationships" xmlns:p="http://schemas.openxmlformats.org/presentationml/2006/main" show="0">
+  <p:cSld>
+    <p:spTree>
+      <p:nvGrpSpPr>
+        <p:cNvPr id="1" name=""/>
+        <p:cNvGrpSpPr/>
+        <p:nvPr/>
+      </p:nvGrpSpPr>
+      <p:grpSpPr>
+        <a:xfrm>
+          <a:off x="0" y="0"/>
+          <a:ext cx="0" cy="0"/>
+          <a:chOff x="0" y="0"/>
+          <a:chExt cx="0" cy="0"/>
+        </a:xfrm>
+      </p:grpSpPr>
+      <p:sp>
+        <p:nvSpPr>
+          <p:cNvPr id="2" name="Titel 1">
+            <a:extLst>
+              <a:ext uri="{FF2B5EF4-FFF2-40B4-BE49-F238E27FC236}">
+                <a16:creationId xmlns:a16="http://schemas.microsoft.com/office/drawing/2014/main" id="{446D3BEF-CC88-B742-5807-43EE48D25381}"/>
+              </a:ext>
+            </a:extLst>
+          </p:cNvPr>
+          <p:cNvSpPr>
+            <a:spLocks noGrp="1"/>
+          </p:cNvSpPr>
+          <p:nvPr>
+            <p:ph type="title"/>
+          </p:nvPr>
+        </p:nvSpPr>
+        <p:spPr/>
+        <p:txBody>
+          <a:bodyPr>
+            <a:normAutofit fontScale="90000"/>
+          </a:bodyPr>
+          <a:lstStyle/>
+          <a:p>
+            <a:r>
+              <a:rPr lang="de-AT" dirty="0"/>
+              <a:t>Results </a:t>
+            </a:r>
+            <a:r>
+              <a:rPr lang="de-AT" dirty="0" err="1"/>
+              <a:t>of</a:t>
+            </a:r>
+            <a:r>
+              <a:rPr lang="de-AT" dirty="0"/>
+              <a:t> </a:t>
+            </a:r>
+            <a:r>
+              <a:rPr lang="de-AT" dirty="0" err="1"/>
+              <a:t>Robotic</a:t>
+            </a:r>
+            <a:r>
+              <a:rPr lang="de-AT" dirty="0"/>
+              <a:t> Application</a:t>
+            </a:r>
+            <a:endParaRPr lang="en-US" dirty="0"/>
+          </a:p>
+        </p:txBody>
+      </p:sp>
+      <p:sp>
+        <p:nvSpPr>
+          <p:cNvPr id="3" name="Textplatzhalter 2">
+            <a:extLst>
+              <a:ext uri="{FF2B5EF4-FFF2-40B4-BE49-F238E27FC236}">
+                <a16:creationId xmlns:a16="http://schemas.microsoft.com/office/drawing/2014/main" id="{04897626-5992-AC9F-A7C2-0A8A6A65B6F9}"/>
+              </a:ext>
+            </a:extLst>
+          </p:cNvPr>
+          <p:cNvSpPr>
+            <a:spLocks noGrp="1"/>
+          </p:cNvSpPr>
+          <p:nvPr>
+            <p:ph type="body" sz="quarter" idx="14"/>
+          </p:nvPr>
+        </p:nvSpPr>
+        <p:spPr/>
+        <p:txBody>
+          <a:bodyPr>
+            <a:normAutofit/>
+          </a:bodyPr>
+          <a:lstStyle/>
+          <a:p>
+            <a:pPr algn="l"/>
+            <a:endParaRPr lang="en-US" sz="1600" dirty="0"/>
+          </a:p>
+        </p:txBody>
+      </p:sp>
+      <p:sp>
+        <p:nvSpPr>
+          <p:cNvPr id="4" name="Fußzeilenplatzhalter 3">
+            <a:extLst>
+              <a:ext uri="{FF2B5EF4-FFF2-40B4-BE49-F238E27FC236}">
+                <a16:creationId xmlns:a16="http://schemas.microsoft.com/office/drawing/2014/main" id="{17F6F80D-FCFD-474A-A46E-BEF92F26DC8D}"/>
+              </a:ext>
+            </a:extLst>
+          </p:cNvPr>
+          <p:cNvSpPr>
+            <a:spLocks noGrp="1"/>
+          </p:cNvSpPr>
+          <p:nvPr>
+            <p:ph type="ftr" sz="quarter" idx="12"/>
+          </p:nvPr>
+        </p:nvSpPr>
+        <p:spPr/>
+        <p:txBody>
+          <a:bodyPr/>
+          <a:lstStyle/>
+          <a:p>
+            <a:r>
+              <a:rPr lang="en-US"/>
+              <a:t>Virtualization of a Real-Time Operating System for Robot Control with a Focus on RealTime Compliance</a:t>
+            </a:r>
+            <a:r>
+              <a:rPr lang="en-GB"/>
+              <a:t> | </a:t>
+            </a:r>
+            <a:r>
+              <a:rPr lang="de-AT"/>
+              <a:t>Halil Pamuk, BSc.</a:t>
+            </a:r>
+            <a:r>
+              <a:rPr lang="en-GB"/>
+              <a:t> | 10.10.2024</a:t>
+            </a:r>
+            <a:endParaRPr lang="en-GB" dirty="0"/>
+          </a:p>
+        </p:txBody>
+      </p:sp>
+      <p:sp>
+        <p:nvSpPr>
+          <p:cNvPr id="5" name="Foliennummernplatzhalter 4">
+            <a:extLst>
+              <a:ext uri="{FF2B5EF4-FFF2-40B4-BE49-F238E27FC236}">
+                <a16:creationId xmlns:a16="http://schemas.microsoft.com/office/drawing/2014/main" id="{6FE7C3E3-082F-E591-9994-A62597200B98}"/>
+              </a:ext>
+            </a:extLst>
+          </p:cNvPr>
+          <p:cNvSpPr>
+            <a:spLocks noGrp="1"/>
+          </p:cNvSpPr>
+          <p:nvPr>
+            <p:ph type="sldNum" sz="quarter" idx="13"/>
+          </p:nvPr>
+        </p:nvSpPr>
+        <p:spPr/>
+        <p:txBody>
+          <a:bodyPr/>
+          <a:lstStyle/>
+          <a:p>
+            <a:fld id="{9C057DB4-583E-41A7-BD94-987342018C17}" type="slidenum">
+              <a:rPr lang="en-GB" smtClean="0"/>
+              <a:pPr/>
+              <a:t>27</a:t>
+            </a:fld>
+            <a:endParaRPr lang="en-GB" dirty="0"/>
+          </a:p>
+        </p:txBody>
+      </p:sp>
+      <p:sp>
+        <p:nvSpPr>
+          <p:cNvPr id="6" name="Textfeld 5">
+            <a:extLst>
+              <a:ext uri="{FF2B5EF4-FFF2-40B4-BE49-F238E27FC236}">
+                <a16:creationId xmlns:a16="http://schemas.microsoft.com/office/drawing/2014/main" id="{9AB5A822-3C8A-C9CC-A179-6AC2B863414C}"/>
+              </a:ext>
+            </a:extLst>
+          </p:cNvPr>
+          <p:cNvSpPr txBox="1"/>
+          <p:nvPr/>
+        </p:nvSpPr>
+        <p:spPr>
+          <a:xfrm>
+            <a:off x="2042160" y="1988820"/>
+            <a:ext cx="914400" cy="914400"/>
+          </a:xfrm>
+          <a:prstGeom prst="rect">
+            <a:avLst/>
+          </a:prstGeom>
+        </p:spPr>
+        <p:txBody>
+          <a:bodyPr vert="horz" wrap="none" lIns="91440" tIns="45720" rIns="91440" bIns="45720" rtlCol="0" anchor="t">
+            <a:normAutofit/>
+          </a:bodyPr>
+          <a:lstStyle/>
+          <a:p>
+            <a:pPr algn="l"/>
+            <a:endParaRPr lang="en-US" sz="2800" dirty="0"/>
+          </a:p>
+        </p:txBody>
+      </p:sp>
+      <p:pic>
+        <p:nvPicPr>
+          <p:cNvPr id="8" name="Grafik 7">
+            <a:extLst>
+              <a:ext uri="{FF2B5EF4-FFF2-40B4-BE49-F238E27FC236}">
+                <a16:creationId xmlns:a16="http://schemas.microsoft.com/office/drawing/2014/main" id="{ED8E7867-64AB-3367-6543-388B17B091C8}"/>
+              </a:ext>
+            </a:extLst>
+          </p:cNvPr>
+          <p:cNvPicPr>
+            <a:picLocks noChangeAspect="1"/>
+          </p:cNvPicPr>
+          <p:nvPr/>
+        </p:nvPicPr>
+        <p:blipFill>
+          <a:blip r:embed="rId2"/>
+          <a:stretch>
+            <a:fillRect/>
+          </a:stretch>
+        </p:blipFill>
+        <p:spPr>
+          <a:xfrm>
+            <a:off x="1662906" y="737011"/>
+            <a:ext cx="5809508" cy="3845262"/>
+          </a:xfrm>
+          <a:prstGeom prst="rect">
+            <a:avLst/>
+          </a:prstGeom>
+        </p:spPr>
+      </p:pic>
+    </p:spTree>
+    <p:extLst>
+      <p:ext uri="{BB962C8B-B14F-4D97-AF65-F5344CB8AC3E}">
+        <p14:creationId xmlns:p14="http://schemas.microsoft.com/office/powerpoint/2010/main" val="3580813374"/>
+      </p:ext>
+    </p:extLst>
+  </p:cSld>
+  <p:clrMapOvr>
+    <a:masterClrMapping/>
+  </p:clrMapOvr>
+</p:sld>
+</file>
+
+<file path=ppt/slides/slide28.xml><?xml version="1.0" encoding="utf-8"?>
+<p:sld xmlns:a="http://schemas.openxmlformats.org/drawingml/2006/main" xmlns:r="http://schemas.openxmlformats.org/officeDocument/2006/relationships" xmlns:p="http://schemas.openxmlformats.org/presentationml/2006/main" show="0">
+  <p:cSld>
+    <p:spTree>
+      <p:nvGrpSpPr>
+        <p:cNvPr id="1" name=""/>
+        <p:cNvGrpSpPr/>
+        <p:nvPr/>
+      </p:nvGrpSpPr>
+      <p:grpSpPr>
+        <a:xfrm>
+          <a:off x="0" y="0"/>
+          <a:ext cx="0" cy="0"/>
+          <a:chOff x="0" y="0"/>
+          <a:chExt cx="0" cy="0"/>
+        </a:xfrm>
+      </p:grpSpPr>
+      <p:sp>
+        <p:nvSpPr>
+          <p:cNvPr id="2" name="Titel 1">
+            <a:extLst>
+              <a:ext uri="{FF2B5EF4-FFF2-40B4-BE49-F238E27FC236}">
+                <a16:creationId xmlns:a16="http://schemas.microsoft.com/office/drawing/2014/main" id="{446D3BEF-CC88-B742-5807-43EE48D25381}"/>
+              </a:ext>
+            </a:extLst>
+          </p:cNvPr>
+          <p:cNvSpPr>
+            <a:spLocks noGrp="1"/>
+          </p:cNvSpPr>
+          <p:nvPr>
+            <p:ph type="title"/>
+          </p:nvPr>
+        </p:nvSpPr>
+        <p:spPr/>
+        <p:txBody>
+          <a:bodyPr>
+            <a:normAutofit fontScale="90000"/>
+          </a:bodyPr>
+          <a:lstStyle/>
+          <a:p>
+            <a:r>
+              <a:rPr lang="en-US" dirty="0"/>
+              <a:t>QEMU Script</a:t>
+            </a:r>
+          </a:p>
+        </p:txBody>
+      </p:sp>
+      <p:sp>
+        <p:nvSpPr>
+          <p:cNvPr id="3" name="Textplatzhalter 2">
+            <a:extLst>
+              <a:ext uri="{FF2B5EF4-FFF2-40B4-BE49-F238E27FC236}">
+                <a16:creationId xmlns:a16="http://schemas.microsoft.com/office/drawing/2014/main" id="{04897626-5992-AC9F-A7C2-0A8A6A65B6F9}"/>
+              </a:ext>
+            </a:extLst>
+          </p:cNvPr>
+          <p:cNvSpPr>
+            <a:spLocks noGrp="1"/>
+          </p:cNvSpPr>
+          <p:nvPr>
+            <p:ph type="body" sz="quarter" idx="14"/>
+          </p:nvPr>
+        </p:nvSpPr>
+        <p:spPr/>
+        <p:txBody>
+          <a:bodyPr/>
+          <a:lstStyle/>
+          <a:p>
+            <a:endParaRPr lang="en-US" dirty="0"/>
+          </a:p>
+        </p:txBody>
+      </p:sp>
+      <p:sp>
+        <p:nvSpPr>
+          <p:cNvPr id="4" name="Fußzeilenplatzhalter 3">
+            <a:extLst>
+              <a:ext uri="{FF2B5EF4-FFF2-40B4-BE49-F238E27FC236}">
+                <a16:creationId xmlns:a16="http://schemas.microsoft.com/office/drawing/2014/main" id="{17F6F80D-FCFD-474A-A46E-BEF92F26DC8D}"/>
+              </a:ext>
+            </a:extLst>
+          </p:cNvPr>
+          <p:cNvSpPr>
+            <a:spLocks noGrp="1"/>
+          </p:cNvSpPr>
+          <p:nvPr>
+            <p:ph type="ftr" sz="quarter" idx="12"/>
+          </p:nvPr>
+        </p:nvSpPr>
+        <p:spPr/>
+        <p:txBody>
+          <a:bodyPr/>
+          <a:lstStyle/>
+          <a:p>
+            <a:r>
+              <a:rPr lang="en-US"/>
+              <a:t>Virtualization of a Real-Time Operating System for Robot Control with a Focus on RealTime Compliance</a:t>
+            </a:r>
+            <a:r>
+              <a:rPr lang="en-GB"/>
+              <a:t> | </a:t>
+            </a:r>
+            <a:r>
+              <a:rPr lang="de-AT"/>
+              <a:t>Halil Pamuk, BSc.</a:t>
+            </a:r>
+            <a:r>
+              <a:rPr lang="en-GB"/>
+              <a:t> | 10.10.2024</a:t>
+            </a:r>
+            <a:endParaRPr lang="en-GB" dirty="0"/>
+          </a:p>
+        </p:txBody>
+      </p:sp>
+      <p:sp>
+        <p:nvSpPr>
+          <p:cNvPr id="5" name="Foliennummernplatzhalter 4">
+            <a:extLst>
+              <a:ext uri="{FF2B5EF4-FFF2-40B4-BE49-F238E27FC236}">
+                <a16:creationId xmlns:a16="http://schemas.microsoft.com/office/drawing/2014/main" id="{6FE7C3E3-082F-E591-9994-A62597200B98}"/>
+              </a:ext>
+            </a:extLst>
+          </p:cNvPr>
+          <p:cNvSpPr>
+            <a:spLocks noGrp="1"/>
+          </p:cNvSpPr>
+          <p:nvPr>
+            <p:ph type="sldNum" sz="quarter" idx="13"/>
+          </p:nvPr>
+        </p:nvSpPr>
+        <p:spPr/>
+        <p:txBody>
+          <a:bodyPr/>
+          <a:lstStyle/>
+          <a:p>
+            <a:fld id="{9C057DB4-583E-41A7-BD94-987342018C17}" type="slidenum">
+              <a:rPr lang="en-GB" smtClean="0"/>
+              <a:pPr/>
+              <a:t>28</a:t>
             </a:fld>
             <a:endParaRPr lang="en-GB" dirty="0"/>
           </a:p>
@@ -6291,7 +10875,7 @@
 </p:sld>
 </file>
 
-<file path=ppt/slides/slide12.xml><?xml version="1.0" encoding="utf-8"?>
+<file path=ppt/slides/slide29.xml><?xml version="1.0" encoding="utf-8"?>
 <p:sld xmlns:a="http://schemas.openxmlformats.org/drawingml/2006/main" xmlns:r="http://schemas.openxmlformats.org/officeDocument/2006/relationships" xmlns:p="http://schemas.openxmlformats.org/presentationml/2006/main" show="0">
   <p:cSld>
     <p:spTree>
@@ -6432,7 +11016,7 @@
             <a:fld id="{9C057DB4-583E-41A7-BD94-987342018C17}" type="slidenum">
               <a:rPr lang="en-GB" smtClean="0"/>
               <a:pPr/>
-              <a:t>12</a:t>
+              <a:t>29</a:t>
             </a:fld>
             <a:endParaRPr lang="en-GB" dirty="0"/>
           </a:p>
@@ -6512,2110 +11096,6 @@
     <p:extLst>
       <p:ext uri="{BB962C8B-B14F-4D97-AF65-F5344CB8AC3E}">
         <p14:creationId xmlns:p14="http://schemas.microsoft.com/office/powerpoint/2010/main" val="3454499866"/>
-      </p:ext>
-    </p:extLst>
-  </p:cSld>
-  <p:clrMapOvr>
-    <a:masterClrMapping/>
-  </p:clrMapOvr>
-</p:sld>
-</file>
-
-<file path=ppt/slides/slide13.xml><?xml version="1.0" encoding="utf-8"?>
-<p:sld xmlns:a="http://schemas.openxmlformats.org/drawingml/2006/main" xmlns:r="http://schemas.openxmlformats.org/officeDocument/2006/relationships" xmlns:p="http://schemas.openxmlformats.org/presentationml/2006/main" show="0">
-  <p:cSld>
-    <p:spTree>
-      <p:nvGrpSpPr>
-        <p:cNvPr id="1" name=""/>
-        <p:cNvGrpSpPr/>
-        <p:nvPr/>
-      </p:nvGrpSpPr>
-      <p:grpSpPr>
-        <a:xfrm>
-          <a:off x="0" y="0"/>
-          <a:ext cx="0" cy="0"/>
-          <a:chOff x="0" y="0"/>
-          <a:chExt cx="0" cy="0"/>
-        </a:xfrm>
-      </p:grpSpPr>
-      <p:sp>
-        <p:nvSpPr>
-          <p:cNvPr id="2" name="Titel 1">
-            <a:extLst>
-              <a:ext uri="{FF2B5EF4-FFF2-40B4-BE49-F238E27FC236}">
-                <a16:creationId xmlns:a16="http://schemas.microsoft.com/office/drawing/2014/main" id="{446D3BEF-CC88-B742-5807-43EE48D25381}"/>
-              </a:ext>
-            </a:extLst>
-          </p:cNvPr>
-          <p:cNvSpPr>
-            <a:spLocks noGrp="1"/>
-          </p:cNvSpPr>
-          <p:nvPr>
-            <p:ph type="title"/>
-          </p:nvPr>
-        </p:nvSpPr>
-        <p:spPr/>
-        <p:txBody>
-          <a:bodyPr>
-            <a:normAutofit fontScale="90000"/>
-          </a:bodyPr>
-          <a:lstStyle/>
-          <a:p>
-            <a:r>
-              <a:rPr lang="en-US" dirty="0"/>
-              <a:t>Salamander 4 Virtualization QEMU Configurations</a:t>
-            </a:r>
-          </a:p>
-        </p:txBody>
-      </p:sp>
-      <p:sp>
-        <p:nvSpPr>
-          <p:cNvPr id="3" name="Textplatzhalter 2">
-            <a:extLst>
-              <a:ext uri="{FF2B5EF4-FFF2-40B4-BE49-F238E27FC236}">
-                <a16:creationId xmlns:a16="http://schemas.microsoft.com/office/drawing/2014/main" id="{04897626-5992-AC9F-A7C2-0A8A6A65B6F9}"/>
-              </a:ext>
-            </a:extLst>
-          </p:cNvPr>
-          <p:cNvSpPr>
-            <a:spLocks noGrp="1"/>
-          </p:cNvSpPr>
-          <p:nvPr>
-            <p:ph type="body" sz="quarter" idx="14"/>
-          </p:nvPr>
-        </p:nvSpPr>
-        <p:spPr/>
-        <p:txBody>
-          <a:bodyPr>
-            <a:normAutofit/>
-          </a:bodyPr>
-          <a:lstStyle/>
-          <a:p>
-            <a:pPr algn="l"/>
-            <a:endParaRPr lang="en-US" sz="1600" dirty="0"/>
-          </a:p>
-        </p:txBody>
-      </p:sp>
-      <p:sp>
-        <p:nvSpPr>
-          <p:cNvPr id="4" name="Fußzeilenplatzhalter 3">
-            <a:extLst>
-              <a:ext uri="{FF2B5EF4-FFF2-40B4-BE49-F238E27FC236}">
-                <a16:creationId xmlns:a16="http://schemas.microsoft.com/office/drawing/2014/main" id="{17F6F80D-FCFD-474A-A46E-BEF92F26DC8D}"/>
-              </a:ext>
-            </a:extLst>
-          </p:cNvPr>
-          <p:cNvSpPr>
-            <a:spLocks noGrp="1"/>
-          </p:cNvSpPr>
-          <p:nvPr>
-            <p:ph type="ftr" sz="quarter" idx="12"/>
-          </p:nvPr>
-        </p:nvSpPr>
-        <p:spPr/>
-        <p:txBody>
-          <a:bodyPr/>
-          <a:lstStyle/>
-          <a:p>
-            <a:r>
-              <a:rPr lang="en-US"/>
-              <a:t>Virtualization of a Real-Time Operating System for Robot Control with a Focus on RealTime Compliance</a:t>
-            </a:r>
-            <a:r>
-              <a:rPr lang="en-GB"/>
-              <a:t> | </a:t>
-            </a:r>
-            <a:r>
-              <a:rPr lang="de-AT"/>
-              <a:t>Halil Pamuk, BSc.</a:t>
-            </a:r>
-            <a:r>
-              <a:rPr lang="en-GB"/>
-              <a:t> | 10.10.2024</a:t>
-            </a:r>
-            <a:endParaRPr lang="en-GB" dirty="0"/>
-          </a:p>
-        </p:txBody>
-      </p:sp>
-      <p:sp>
-        <p:nvSpPr>
-          <p:cNvPr id="5" name="Foliennummernplatzhalter 4">
-            <a:extLst>
-              <a:ext uri="{FF2B5EF4-FFF2-40B4-BE49-F238E27FC236}">
-                <a16:creationId xmlns:a16="http://schemas.microsoft.com/office/drawing/2014/main" id="{6FE7C3E3-082F-E591-9994-A62597200B98}"/>
-              </a:ext>
-            </a:extLst>
-          </p:cNvPr>
-          <p:cNvSpPr>
-            <a:spLocks noGrp="1"/>
-          </p:cNvSpPr>
-          <p:nvPr>
-            <p:ph type="sldNum" sz="quarter" idx="13"/>
-          </p:nvPr>
-        </p:nvSpPr>
-        <p:spPr/>
-        <p:txBody>
-          <a:bodyPr/>
-          <a:lstStyle/>
-          <a:p>
-            <a:fld id="{9C057DB4-583E-41A7-BD94-987342018C17}" type="slidenum">
-              <a:rPr lang="en-GB" smtClean="0"/>
-              <a:pPr/>
-              <a:t>13</a:t>
-            </a:fld>
-            <a:endParaRPr lang="en-GB" dirty="0"/>
-          </a:p>
-        </p:txBody>
-      </p:sp>
-      <p:sp>
-        <p:nvSpPr>
-          <p:cNvPr id="6" name="Textfeld 5">
-            <a:extLst>
-              <a:ext uri="{FF2B5EF4-FFF2-40B4-BE49-F238E27FC236}">
-                <a16:creationId xmlns:a16="http://schemas.microsoft.com/office/drawing/2014/main" id="{9AB5A822-3C8A-C9CC-A179-6AC2B863414C}"/>
-              </a:ext>
-            </a:extLst>
-          </p:cNvPr>
-          <p:cNvSpPr txBox="1"/>
-          <p:nvPr/>
-        </p:nvSpPr>
-        <p:spPr>
-          <a:xfrm>
-            <a:off x="2042160" y="1988820"/>
-            <a:ext cx="914400" cy="914400"/>
-          </a:xfrm>
-          <a:prstGeom prst="rect">
-            <a:avLst/>
-          </a:prstGeom>
-        </p:spPr>
-        <p:txBody>
-          <a:bodyPr vert="horz" wrap="none" lIns="91440" tIns="45720" rIns="91440" bIns="45720" rtlCol="0" anchor="t">
-            <a:normAutofit/>
-          </a:bodyPr>
-          <a:lstStyle/>
-          <a:p>
-            <a:pPr algn="l"/>
-            <a:endParaRPr lang="en-US" sz="2800" dirty="0"/>
-          </a:p>
-        </p:txBody>
-      </p:sp>
-      <p:pic>
-        <p:nvPicPr>
-          <p:cNvPr id="16" name="Grafik 15">
-            <a:extLst>
-              <a:ext uri="{FF2B5EF4-FFF2-40B4-BE49-F238E27FC236}">
-                <a16:creationId xmlns:a16="http://schemas.microsoft.com/office/drawing/2014/main" id="{4149004D-F8A4-6484-6E99-7343828DE748}"/>
-              </a:ext>
-            </a:extLst>
-          </p:cNvPr>
-          <p:cNvPicPr>
-            <a:picLocks noChangeAspect="1"/>
-          </p:cNvPicPr>
-          <p:nvPr/>
-        </p:nvPicPr>
-        <p:blipFill>
-          <a:blip r:embed="rId2"/>
-          <a:stretch>
-            <a:fillRect/>
-          </a:stretch>
-        </p:blipFill>
-        <p:spPr>
-          <a:xfrm>
-            <a:off x="6049285" y="1959492"/>
-            <a:ext cx="2495550" cy="685800"/>
-          </a:xfrm>
-          <a:prstGeom prst="rect">
-            <a:avLst/>
-          </a:prstGeom>
-        </p:spPr>
-      </p:pic>
-      <p:pic>
-        <p:nvPicPr>
-          <p:cNvPr id="18" name="Grafik 17">
-            <a:extLst>
-              <a:ext uri="{FF2B5EF4-FFF2-40B4-BE49-F238E27FC236}">
-                <a16:creationId xmlns:a16="http://schemas.microsoft.com/office/drawing/2014/main" id="{57BD6D07-7979-354B-C04D-FC8969F74962}"/>
-              </a:ext>
-            </a:extLst>
-          </p:cNvPr>
-          <p:cNvPicPr>
-            <a:picLocks noChangeAspect="1"/>
-          </p:cNvPicPr>
-          <p:nvPr/>
-        </p:nvPicPr>
-        <p:blipFill>
-          <a:blip r:embed="rId3"/>
-          <a:stretch>
-            <a:fillRect/>
-          </a:stretch>
-        </p:blipFill>
-        <p:spPr>
-          <a:xfrm>
-            <a:off x="434862" y="713223"/>
-            <a:ext cx="5203938" cy="3864139"/>
-          </a:xfrm>
-          <a:prstGeom prst="rect">
-            <a:avLst/>
-          </a:prstGeom>
-        </p:spPr>
-      </p:pic>
-    </p:spTree>
-    <p:extLst>
-      <p:ext uri="{BB962C8B-B14F-4D97-AF65-F5344CB8AC3E}">
-        <p14:creationId xmlns:p14="http://schemas.microsoft.com/office/powerpoint/2010/main" val="4234065362"/>
-      </p:ext>
-    </p:extLst>
-  </p:cSld>
-  <p:clrMapOvr>
-    <a:masterClrMapping/>
-  </p:clrMapOvr>
-</p:sld>
-</file>
-
-<file path=ppt/slides/slide14.xml><?xml version="1.0" encoding="utf-8"?>
-<p:sld xmlns:a="http://schemas.openxmlformats.org/drawingml/2006/main" xmlns:r="http://schemas.openxmlformats.org/officeDocument/2006/relationships" xmlns:p="http://schemas.openxmlformats.org/presentationml/2006/main" show="0">
-  <p:cSld>
-    <p:spTree>
-      <p:nvGrpSpPr>
-        <p:cNvPr id="1" name=""/>
-        <p:cNvGrpSpPr/>
-        <p:nvPr/>
-      </p:nvGrpSpPr>
-      <p:grpSpPr>
-        <a:xfrm>
-          <a:off x="0" y="0"/>
-          <a:ext cx="0" cy="0"/>
-          <a:chOff x="0" y="0"/>
-          <a:chExt cx="0" cy="0"/>
-        </a:xfrm>
-      </p:grpSpPr>
-      <p:sp>
-        <p:nvSpPr>
-          <p:cNvPr id="2" name="Titel 1">
-            <a:extLst>
-              <a:ext uri="{FF2B5EF4-FFF2-40B4-BE49-F238E27FC236}">
-                <a16:creationId xmlns:a16="http://schemas.microsoft.com/office/drawing/2014/main" id="{446D3BEF-CC88-B742-5807-43EE48D25381}"/>
-              </a:ext>
-            </a:extLst>
-          </p:cNvPr>
-          <p:cNvSpPr>
-            <a:spLocks noGrp="1"/>
-          </p:cNvSpPr>
-          <p:nvPr>
-            <p:ph type="title"/>
-          </p:nvPr>
-        </p:nvSpPr>
-        <p:spPr/>
-        <p:txBody>
-          <a:bodyPr>
-            <a:normAutofit fontScale="90000"/>
-          </a:bodyPr>
-          <a:lstStyle/>
-          <a:p>
-            <a:r>
-              <a:rPr lang="de-AT" dirty="0"/>
-              <a:t>Robot</a:t>
-            </a:r>
-            <a:endParaRPr lang="en-US" dirty="0"/>
-          </a:p>
-        </p:txBody>
-      </p:sp>
-      <p:sp>
-        <p:nvSpPr>
-          <p:cNvPr id="3" name="Textplatzhalter 2">
-            <a:extLst>
-              <a:ext uri="{FF2B5EF4-FFF2-40B4-BE49-F238E27FC236}">
-                <a16:creationId xmlns:a16="http://schemas.microsoft.com/office/drawing/2014/main" id="{04897626-5992-AC9F-A7C2-0A8A6A65B6F9}"/>
-              </a:ext>
-            </a:extLst>
-          </p:cNvPr>
-          <p:cNvSpPr>
-            <a:spLocks noGrp="1"/>
-          </p:cNvSpPr>
-          <p:nvPr>
-            <p:ph type="body" sz="quarter" idx="14"/>
-          </p:nvPr>
-        </p:nvSpPr>
-        <p:spPr/>
-        <p:txBody>
-          <a:bodyPr>
-            <a:normAutofit/>
-          </a:bodyPr>
-          <a:lstStyle/>
-          <a:p>
-            <a:pPr algn="l"/>
-            <a:endParaRPr lang="en-US" sz="1600" dirty="0"/>
-          </a:p>
-        </p:txBody>
-      </p:sp>
-      <p:sp>
-        <p:nvSpPr>
-          <p:cNvPr id="4" name="Fußzeilenplatzhalter 3">
-            <a:extLst>
-              <a:ext uri="{FF2B5EF4-FFF2-40B4-BE49-F238E27FC236}">
-                <a16:creationId xmlns:a16="http://schemas.microsoft.com/office/drawing/2014/main" id="{17F6F80D-FCFD-474A-A46E-BEF92F26DC8D}"/>
-              </a:ext>
-            </a:extLst>
-          </p:cNvPr>
-          <p:cNvSpPr>
-            <a:spLocks noGrp="1"/>
-          </p:cNvSpPr>
-          <p:nvPr>
-            <p:ph type="ftr" sz="quarter" idx="12"/>
-          </p:nvPr>
-        </p:nvSpPr>
-        <p:spPr/>
-        <p:txBody>
-          <a:bodyPr/>
-          <a:lstStyle/>
-          <a:p>
-            <a:r>
-              <a:rPr lang="en-US" dirty="0"/>
-              <a:t>Virtualization of a Real-Time Operating System for Robot Control with a Focus on </a:t>
-            </a:r>
-            <a:r>
-              <a:rPr lang="en-US" dirty="0" err="1"/>
-              <a:t>RealTime</a:t>
-            </a:r>
-            <a:r>
-              <a:rPr lang="en-US" dirty="0"/>
-              <a:t> Compliance</a:t>
-            </a:r>
-            <a:r>
-              <a:rPr lang="en-GB" dirty="0"/>
-              <a:t> | </a:t>
-            </a:r>
-            <a:r>
-              <a:rPr lang="de-AT" dirty="0"/>
-              <a:t>Halil Pamuk, </a:t>
-            </a:r>
-            <a:r>
-              <a:rPr lang="de-AT" dirty="0" err="1"/>
-              <a:t>BSc</a:t>
-            </a:r>
-            <a:r>
-              <a:rPr lang="de-AT" dirty="0"/>
-              <a:t>.</a:t>
-            </a:r>
-            <a:r>
-              <a:rPr lang="en-GB" dirty="0"/>
-              <a:t> | 10.10.2024</a:t>
-            </a:r>
-          </a:p>
-        </p:txBody>
-      </p:sp>
-      <p:sp>
-        <p:nvSpPr>
-          <p:cNvPr id="5" name="Foliennummernplatzhalter 4">
-            <a:extLst>
-              <a:ext uri="{FF2B5EF4-FFF2-40B4-BE49-F238E27FC236}">
-                <a16:creationId xmlns:a16="http://schemas.microsoft.com/office/drawing/2014/main" id="{6FE7C3E3-082F-E591-9994-A62597200B98}"/>
-              </a:ext>
-            </a:extLst>
-          </p:cNvPr>
-          <p:cNvSpPr>
-            <a:spLocks noGrp="1"/>
-          </p:cNvSpPr>
-          <p:nvPr>
-            <p:ph type="sldNum" sz="quarter" idx="13"/>
-          </p:nvPr>
-        </p:nvSpPr>
-        <p:spPr/>
-        <p:txBody>
-          <a:bodyPr/>
-          <a:lstStyle/>
-          <a:p>
-            <a:fld id="{9C057DB4-583E-41A7-BD94-987342018C17}" type="slidenum">
-              <a:rPr lang="en-GB" smtClean="0"/>
-              <a:pPr/>
-              <a:t>14</a:t>
-            </a:fld>
-            <a:endParaRPr lang="en-GB" dirty="0"/>
-          </a:p>
-        </p:txBody>
-      </p:sp>
-      <p:sp>
-        <p:nvSpPr>
-          <p:cNvPr id="6" name="Textfeld 5">
-            <a:extLst>
-              <a:ext uri="{FF2B5EF4-FFF2-40B4-BE49-F238E27FC236}">
-                <a16:creationId xmlns:a16="http://schemas.microsoft.com/office/drawing/2014/main" id="{9AB5A822-3C8A-C9CC-A179-6AC2B863414C}"/>
-              </a:ext>
-            </a:extLst>
-          </p:cNvPr>
-          <p:cNvSpPr txBox="1"/>
-          <p:nvPr/>
-        </p:nvSpPr>
-        <p:spPr>
-          <a:xfrm>
-            <a:off x="2042160" y="1988820"/>
-            <a:ext cx="914400" cy="914400"/>
-          </a:xfrm>
-          <a:prstGeom prst="rect">
-            <a:avLst/>
-          </a:prstGeom>
-        </p:spPr>
-        <p:txBody>
-          <a:bodyPr vert="horz" wrap="none" lIns="91440" tIns="45720" rIns="91440" bIns="45720" rtlCol="0" anchor="t">
-            <a:normAutofit/>
-          </a:bodyPr>
-          <a:lstStyle/>
-          <a:p>
-            <a:pPr algn="l"/>
-            <a:endParaRPr lang="en-US" sz="2800" dirty="0"/>
-          </a:p>
-        </p:txBody>
-      </p:sp>
-      <p:pic>
-        <p:nvPicPr>
-          <p:cNvPr id="9" name="Grafik 8">
-            <a:extLst>
-              <a:ext uri="{FF2B5EF4-FFF2-40B4-BE49-F238E27FC236}">
-                <a16:creationId xmlns:a16="http://schemas.microsoft.com/office/drawing/2014/main" id="{8AA22D66-9642-174F-0BDF-305387A9F328}"/>
-              </a:ext>
-            </a:extLst>
-          </p:cNvPr>
-          <p:cNvPicPr>
-            <a:picLocks noChangeAspect="1"/>
-          </p:cNvPicPr>
-          <p:nvPr/>
-        </p:nvPicPr>
-        <p:blipFill rotWithShape="1">
-          <a:blip r:embed="rId2"/>
-          <a:srcRect l="26765" r="23041" b="13273"/>
-          <a:stretch/>
-        </p:blipFill>
-        <p:spPr>
-          <a:xfrm>
-            <a:off x="1585399" y="950806"/>
-            <a:ext cx="2156426" cy="2746265"/>
-          </a:xfrm>
-          <a:prstGeom prst="rect">
-            <a:avLst/>
-          </a:prstGeom>
-        </p:spPr>
-      </p:pic>
-      <p:pic>
-        <p:nvPicPr>
-          <p:cNvPr id="11" name="Grafik 10">
-            <a:extLst>
-              <a:ext uri="{FF2B5EF4-FFF2-40B4-BE49-F238E27FC236}">
-                <a16:creationId xmlns:a16="http://schemas.microsoft.com/office/drawing/2014/main" id="{A8BC4AFD-4111-6B2C-1C53-B29D2B9BFA1D}"/>
-              </a:ext>
-            </a:extLst>
-          </p:cNvPr>
-          <p:cNvPicPr>
-            <a:picLocks noChangeAspect="1"/>
-          </p:cNvPicPr>
-          <p:nvPr/>
-        </p:nvPicPr>
-        <p:blipFill>
-          <a:blip r:embed="rId3"/>
-          <a:stretch>
-            <a:fillRect/>
-          </a:stretch>
-        </p:blipFill>
-        <p:spPr>
-          <a:xfrm>
-            <a:off x="4810534" y="1148015"/>
-            <a:ext cx="3517742" cy="2847470"/>
-          </a:xfrm>
-          <a:prstGeom prst="rect">
-            <a:avLst/>
-          </a:prstGeom>
-        </p:spPr>
-      </p:pic>
-      <p:pic>
-        <p:nvPicPr>
-          <p:cNvPr id="8" name="Grafik 7">
-            <a:extLst>
-              <a:ext uri="{FF2B5EF4-FFF2-40B4-BE49-F238E27FC236}">
-                <a16:creationId xmlns:a16="http://schemas.microsoft.com/office/drawing/2014/main" id="{7C708985-A87B-918E-E384-FE1B754AFFA7}"/>
-              </a:ext>
-            </a:extLst>
-          </p:cNvPr>
-          <p:cNvPicPr>
-            <a:picLocks noChangeAspect="1"/>
-          </p:cNvPicPr>
-          <p:nvPr/>
-        </p:nvPicPr>
-        <p:blipFill>
-          <a:blip r:embed="rId4"/>
-          <a:stretch>
-            <a:fillRect/>
-          </a:stretch>
-        </p:blipFill>
-        <p:spPr>
-          <a:xfrm>
-            <a:off x="1342207" y="3751115"/>
-            <a:ext cx="2315394" cy="192950"/>
-          </a:xfrm>
-          <a:prstGeom prst="rect">
-            <a:avLst/>
-          </a:prstGeom>
-        </p:spPr>
-      </p:pic>
-    </p:spTree>
-    <p:extLst>
-      <p:ext uri="{BB962C8B-B14F-4D97-AF65-F5344CB8AC3E}">
-        <p14:creationId xmlns:p14="http://schemas.microsoft.com/office/powerpoint/2010/main" val="243719433"/>
-      </p:ext>
-    </p:extLst>
-  </p:cSld>
-  <p:clrMapOvr>
-    <a:masterClrMapping/>
-  </p:clrMapOvr>
-</p:sld>
-</file>
-
-<file path=ppt/slides/slide15.xml><?xml version="1.0" encoding="utf-8"?>
-<p:sld xmlns:a="http://schemas.openxmlformats.org/drawingml/2006/main" xmlns:r="http://schemas.openxmlformats.org/officeDocument/2006/relationships" xmlns:p="http://schemas.openxmlformats.org/presentationml/2006/main" show="0">
-  <p:cSld>
-    <p:spTree>
-      <p:nvGrpSpPr>
-        <p:cNvPr id="1" name=""/>
-        <p:cNvGrpSpPr/>
-        <p:nvPr/>
-      </p:nvGrpSpPr>
-      <p:grpSpPr>
-        <a:xfrm>
-          <a:off x="0" y="0"/>
-          <a:ext cx="0" cy="0"/>
-          <a:chOff x="0" y="0"/>
-          <a:chExt cx="0" cy="0"/>
-        </a:xfrm>
-      </p:grpSpPr>
-      <p:sp>
-        <p:nvSpPr>
-          <p:cNvPr id="2" name="Titel 1">
-            <a:extLst>
-              <a:ext uri="{FF2B5EF4-FFF2-40B4-BE49-F238E27FC236}">
-                <a16:creationId xmlns:a16="http://schemas.microsoft.com/office/drawing/2014/main" id="{446D3BEF-CC88-B742-5807-43EE48D25381}"/>
-              </a:ext>
-            </a:extLst>
-          </p:cNvPr>
-          <p:cNvSpPr>
-            <a:spLocks noGrp="1"/>
-          </p:cNvSpPr>
-          <p:nvPr>
-            <p:ph type="title"/>
-          </p:nvPr>
-        </p:nvSpPr>
-        <p:spPr/>
-        <p:txBody>
-          <a:bodyPr>
-            <a:normAutofit fontScale="90000"/>
-          </a:bodyPr>
-          <a:lstStyle/>
-          <a:p>
-            <a:r>
-              <a:rPr lang="de-AT" dirty="0" err="1"/>
-              <a:t>Servo</a:t>
-            </a:r>
-            <a:r>
-              <a:rPr lang="de-AT" dirty="0"/>
-              <a:t> Motor with PWM </a:t>
-            </a:r>
-            <a:r>
-              <a:rPr lang="de-AT" dirty="0" err="1"/>
-              <a:t>module</a:t>
-            </a:r>
-            <a:endParaRPr lang="en-US" dirty="0"/>
-          </a:p>
-        </p:txBody>
-      </p:sp>
-      <p:sp>
-        <p:nvSpPr>
-          <p:cNvPr id="3" name="Textplatzhalter 2">
-            <a:extLst>
-              <a:ext uri="{FF2B5EF4-FFF2-40B4-BE49-F238E27FC236}">
-                <a16:creationId xmlns:a16="http://schemas.microsoft.com/office/drawing/2014/main" id="{04897626-5992-AC9F-A7C2-0A8A6A65B6F9}"/>
-              </a:ext>
-            </a:extLst>
-          </p:cNvPr>
-          <p:cNvSpPr>
-            <a:spLocks noGrp="1"/>
-          </p:cNvSpPr>
-          <p:nvPr>
-            <p:ph type="body" sz="quarter" idx="14"/>
-          </p:nvPr>
-        </p:nvSpPr>
-        <p:spPr/>
-        <p:txBody>
-          <a:bodyPr>
-            <a:normAutofit/>
-          </a:bodyPr>
-          <a:lstStyle/>
-          <a:p>
-            <a:pPr algn="l"/>
-            <a:endParaRPr lang="en-US" sz="1600" dirty="0"/>
-          </a:p>
-        </p:txBody>
-      </p:sp>
-      <p:sp>
-        <p:nvSpPr>
-          <p:cNvPr id="4" name="Fußzeilenplatzhalter 3">
-            <a:extLst>
-              <a:ext uri="{FF2B5EF4-FFF2-40B4-BE49-F238E27FC236}">
-                <a16:creationId xmlns:a16="http://schemas.microsoft.com/office/drawing/2014/main" id="{17F6F80D-FCFD-474A-A46E-BEF92F26DC8D}"/>
-              </a:ext>
-            </a:extLst>
-          </p:cNvPr>
-          <p:cNvSpPr>
-            <a:spLocks noGrp="1"/>
-          </p:cNvSpPr>
-          <p:nvPr>
-            <p:ph type="ftr" sz="quarter" idx="12"/>
-          </p:nvPr>
-        </p:nvSpPr>
-        <p:spPr/>
-        <p:txBody>
-          <a:bodyPr/>
-          <a:lstStyle/>
-          <a:p>
-            <a:r>
-              <a:rPr lang="en-US"/>
-              <a:t>Virtualization of a Real-Time Operating System for Robot Control with a Focus on RealTime Compliance</a:t>
-            </a:r>
-            <a:r>
-              <a:rPr lang="en-GB"/>
-              <a:t> | </a:t>
-            </a:r>
-            <a:r>
-              <a:rPr lang="de-AT"/>
-              <a:t>Halil Pamuk, BSc.</a:t>
-            </a:r>
-            <a:r>
-              <a:rPr lang="en-GB"/>
-              <a:t> | 10.10.2024</a:t>
-            </a:r>
-            <a:endParaRPr lang="en-GB" dirty="0"/>
-          </a:p>
-        </p:txBody>
-      </p:sp>
-      <p:sp>
-        <p:nvSpPr>
-          <p:cNvPr id="5" name="Foliennummernplatzhalter 4">
-            <a:extLst>
-              <a:ext uri="{FF2B5EF4-FFF2-40B4-BE49-F238E27FC236}">
-                <a16:creationId xmlns:a16="http://schemas.microsoft.com/office/drawing/2014/main" id="{6FE7C3E3-082F-E591-9994-A62597200B98}"/>
-              </a:ext>
-            </a:extLst>
-          </p:cNvPr>
-          <p:cNvSpPr>
-            <a:spLocks noGrp="1"/>
-          </p:cNvSpPr>
-          <p:nvPr>
-            <p:ph type="sldNum" sz="quarter" idx="13"/>
-          </p:nvPr>
-        </p:nvSpPr>
-        <p:spPr/>
-        <p:txBody>
-          <a:bodyPr/>
-          <a:lstStyle/>
-          <a:p>
-            <a:fld id="{9C057DB4-583E-41A7-BD94-987342018C17}" type="slidenum">
-              <a:rPr lang="en-GB" smtClean="0"/>
-              <a:pPr/>
-              <a:t>15</a:t>
-            </a:fld>
-            <a:endParaRPr lang="en-GB" dirty="0"/>
-          </a:p>
-        </p:txBody>
-      </p:sp>
-      <p:sp>
-        <p:nvSpPr>
-          <p:cNvPr id="6" name="Textfeld 5">
-            <a:extLst>
-              <a:ext uri="{FF2B5EF4-FFF2-40B4-BE49-F238E27FC236}">
-                <a16:creationId xmlns:a16="http://schemas.microsoft.com/office/drawing/2014/main" id="{9AB5A822-3C8A-C9CC-A179-6AC2B863414C}"/>
-              </a:ext>
-            </a:extLst>
-          </p:cNvPr>
-          <p:cNvSpPr txBox="1"/>
-          <p:nvPr/>
-        </p:nvSpPr>
-        <p:spPr>
-          <a:xfrm>
-            <a:off x="2042160" y="1988820"/>
-            <a:ext cx="914400" cy="914400"/>
-          </a:xfrm>
-          <a:prstGeom prst="rect">
-            <a:avLst/>
-          </a:prstGeom>
-        </p:spPr>
-        <p:txBody>
-          <a:bodyPr vert="horz" wrap="none" lIns="91440" tIns="45720" rIns="91440" bIns="45720" rtlCol="0" anchor="t">
-            <a:normAutofit/>
-          </a:bodyPr>
-          <a:lstStyle/>
-          <a:p>
-            <a:pPr algn="l"/>
-            <a:endParaRPr lang="en-US" sz="2800" dirty="0"/>
-          </a:p>
-        </p:txBody>
-      </p:sp>
-      <p:pic>
-        <p:nvPicPr>
-          <p:cNvPr id="8" name="Grafik 7">
-            <a:extLst>
-              <a:ext uri="{FF2B5EF4-FFF2-40B4-BE49-F238E27FC236}">
-                <a16:creationId xmlns:a16="http://schemas.microsoft.com/office/drawing/2014/main" id="{735F8350-DE65-C17B-46C7-8C021227B139}"/>
-              </a:ext>
-            </a:extLst>
-          </p:cNvPr>
-          <p:cNvPicPr>
-            <a:picLocks noChangeAspect="1"/>
-          </p:cNvPicPr>
-          <p:nvPr/>
-        </p:nvPicPr>
-        <p:blipFill>
-          <a:blip r:embed="rId2"/>
-          <a:stretch>
-            <a:fillRect/>
-          </a:stretch>
-        </p:blipFill>
-        <p:spPr>
-          <a:xfrm>
-            <a:off x="2785723" y="952894"/>
-            <a:ext cx="3563874" cy="3502109"/>
-          </a:xfrm>
-          <a:prstGeom prst="rect">
-            <a:avLst/>
-          </a:prstGeom>
-        </p:spPr>
-      </p:pic>
-    </p:spTree>
-    <p:extLst>
-      <p:ext uri="{BB962C8B-B14F-4D97-AF65-F5344CB8AC3E}">
-        <p14:creationId xmlns:p14="http://schemas.microsoft.com/office/powerpoint/2010/main" val="446549561"/>
-      </p:ext>
-    </p:extLst>
-  </p:cSld>
-  <p:clrMapOvr>
-    <a:masterClrMapping/>
-  </p:clrMapOvr>
-</p:sld>
-</file>
-
-<file path=ppt/slides/slide16.xml><?xml version="1.0" encoding="utf-8"?>
-<p:sld xmlns:a="http://schemas.openxmlformats.org/drawingml/2006/main" xmlns:r="http://schemas.openxmlformats.org/officeDocument/2006/relationships" xmlns:p="http://schemas.openxmlformats.org/presentationml/2006/main" show="0">
-  <p:cSld>
-    <p:spTree>
-      <p:nvGrpSpPr>
-        <p:cNvPr id="1" name=""/>
-        <p:cNvGrpSpPr/>
-        <p:nvPr/>
-      </p:nvGrpSpPr>
-      <p:grpSpPr>
-        <a:xfrm>
-          <a:off x="0" y="0"/>
-          <a:ext cx="0" cy="0"/>
-          <a:chOff x="0" y="0"/>
-          <a:chExt cx="0" cy="0"/>
-        </a:xfrm>
-      </p:grpSpPr>
-      <p:sp>
-        <p:nvSpPr>
-          <p:cNvPr id="2" name="Titel 1">
-            <a:extLst>
-              <a:ext uri="{FF2B5EF4-FFF2-40B4-BE49-F238E27FC236}">
-                <a16:creationId xmlns:a16="http://schemas.microsoft.com/office/drawing/2014/main" id="{446D3BEF-CC88-B742-5807-43EE48D25381}"/>
-              </a:ext>
-            </a:extLst>
-          </p:cNvPr>
-          <p:cNvSpPr>
-            <a:spLocks noGrp="1"/>
-          </p:cNvSpPr>
-          <p:nvPr>
-            <p:ph type="title"/>
-          </p:nvPr>
-        </p:nvSpPr>
-        <p:spPr/>
-        <p:txBody>
-          <a:bodyPr>
-            <a:normAutofit fontScale="90000"/>
-          </a:bodyPr>
-          <a:lstStyle/>
-          <a:p>
-            <a:r>
-              <a:rPr lang="de-AT" dirty="0" err="1"/>
-              <a:t>Servo</a:t>
-            </a:r>
-            <a:r>
-              <a:rPr lang="de-AT" dirty="0"/>
-              <a:t> Motor </a:t>
-            </a:r>
-            <a:r>
-              <a:rPr lang="de-AT" dirty="0" err="1"/>
-              <a:t>Function</a:t>
-            </a:r>
-            <a:endParaRPr lang="en-US" dirty="0"/>
-          </a:p>
-        </p:txBody>
-      </p:sp>
-      <p:sp>
-        <p:nvSpPr>
-          <p:cNvPr id="3" name="Textplatzhalter 2">
-            <a:extLst>
-              <a:ext uri="{FF2B5EF4-FFF2-40B4-BE49-F238E27FC236}">
-                <a16:creationId xmlns:a16="http://schemas.microsoft.com/office/drawing/2014/main" id="{04897626-5992-AC9F-A7C2-0A8A6A65B6F9}"/>
-              </a:ext>
-            </a:extLst>
-          </p:cNvPr>
-          <p:cNvSpPr>
-            <a:spLocks noGrp="1"/>
-          </p:cNvSpPr>
-          <p:nvPr>
-            <p:ph type="body" sz="quarter" idx="14"/>
-          </p:nvPr>
-        </p:nvSpPr>
-        <p:spPr/>
-        <p:txBody>
-          <a:bodyPr>
-            <a:normAutofit/>
-          </a:bodyPr>
-          <a:lstStyle/>
-          <a:p>
-            <a:pPr algn="l"/>
-            <a:endParaRPr lang="en-US" sz="1600" dirty="0"/>
-          </a:p>
-        </p:txBody>
-      </p:sp>
-      <p:sp>
-        <p:nvSpPr>
-          <p:cNvPr id="4" name="Fußzeilenplatzhalter 3">
-            <a:extLst>
-              <a:ext uri="{FF2B5EF4-FFF2-40B4-BE49-F238E27FC236}">
-                <a16:creationId xmlns:a16="http://schemas.microsoft.com/office/drawing/2014/main" id="{17F6F80D-FCFD-474A-A46E-BEF92F26DC8D}"/>
-              </a:ext>
-            </a:extLst>
-          </p:cNvPr>
-          <p:cNvSpPr>
-            <a:spLocks noGrp="1"/>
-          </p:cNvSpPr>
-          <p:nvPr>
-            <p:ph type="ftr" sz="quarter" idx="12"/>
-          </p:nvPr>
-        </p:nvSpPr>
-        <p:spPr/>
-        <p:txBody>
-          <a:bodyPr/>
-          <a:lstStyle/>
-          <a:p>
-            <a:r>
-              <a:rPr lang="en-US"/>
-              <a:t>Virtualization of a Real-Time Operating System for Robot Control with a Focus on RealTime Compliance</a:t>
-            </a:r>
-            <a:r>
-              <a:rPr lang="en-GB"/>
-              <a:t> | </a:t>
-            </a:r>
-            <a:r>
-              <a:rPr lang="de-AT"/>
-              <a:t>Halil Pamuk, BSc.</a:t>
-            </a:r>
-            <a:r>
-              <a:rPr lang="en-GB"/>
-              <a:t> | 10.10.2024</a:t>
-            </a:r>
-            <a:endParaRPr lang="en-GB" dirty="0"/>
-          </a:p>
-        </p:txBody>
-      </p:sp>
-      <p:sp>
-        <p:nvSpPr>
-          <p:cNvPr id="5" name="Foliennummernplatzhalter 4">
-            <a:extLst>
-              <a:ext uri="{FF2B5EF4-FFF2-40B4-BE49-F238E27FC236}">
-                <a16:creationId xmlns:a16="http://schemas.microsoft.com/office/drawing/2014/main" id="{6FE7C3E3-082F-E591-9994-A62597200B98}"/>
-              </a:ext>
-            </a:extLst>
-          </p:cNvPr>
-          <p:cNvSpPr>
-            <a:spLocks noGrp="1"/>
-          </p:cNvSpPr>
-          <p:nvPr>
-            <p:ph type="sldNum" sz="quarter" idx="13"/>
-          </p:nvPr>
-        </p:nvSpPr>
-        <p:spPr/>
-        <p:txBody>
-          <a:bodyPr/>
-          <a:lstStyle/>
-          <a:p>
-            <a:fld id="{9C057DB4-583E-41A7-BD94-987342018C17}" type="slidenum">
-              <a:rPr lang="en-GB" smtClean="0"/>
-              <a:pPr/>
-              <a:t>16</a:t>
-            </a:fld>
-            <a:endParaRPr lang="en-GB" dirty="0"/>
-          </a:p>
-        </p:txBody>
-      </p:sp>
-      <p:sp>
-        <p:nvSpPr>
-          <p:cNvPr id="6" name="Textfeld 5">
-            <a:extLst>
-              <a:ext uri="{FF2B5EF4-FFF2-40B4-BE49-F238E27FC236}">
-                <a16:creationId xmlns:a16="http://schemas.microsoft.com/office/drawing/2014/main" id="{9AB5A822-3C8A-C9CC-A179-6AC2B863414C}"/>
-              </a:ext>
-            </a:extLst>
-          </p:cNvPr>
-          <p:cNvSpPr txBox="1"/>
-          <p:nvPr/>
-        </p:nvSpPr>
-        <p:spPr>
-          <a:xfrm>
-            <a:off x="2042160" y="1988820"/>
-            <a:ext cx="914400" cy="914400"/>
-          </a:xfrm>
-          <a:prstGeom prst="rect">
-            <a:avLst/>
-          </a:prstGeom>
-        </p:spPr>
-        <p:txBody>
-          <a:bodyPr vert="horz" wrap="none" lIns="91440" tIns="45720" rIns="91440" bIns="45720" rtlCol="0" anchor="t">
-            <a:normAutofit/>
-          </a:bodyPr>
-          <a:lstStyle/>
-          <a:p>
-            <a:pPr algn="l"/>
-            <a:endParaRPr lang="en-US" sz="2800" dirty="0"/>
-          </a:p>
-        </p:txBody>
-      </p:sp>
-      <p:pic>
-        <p:nvPicPr>
-          <p:cNvPr id="8" name="Grafik 7">
-            <a:extLst>
-              <a:ext uri="{FF2B5EF4-FFF2-40B4-BE49-F238E27FC236}">
-                <a16:creationId xmlns:a16="http://schemas.microsoft.com/office/drawing/2014/main" id="{0E09A812-0394-4A2D-1D09-45B398080278}"/>
-              </a:ext>
-            </a:extLst>
-          </p:cNvPr>
-          <p:cNvPicPr>
-            <a:picLocks noChangeAspect="1"/>
-          </p:cNvPicPr>
-          <p:nvPr/>
-        </p:nvPicPr>
-        <p:blipFill>
-          <a:blip r:embed="rId2"/>
-          <a:stretch>
-            <a:fillRect/>
-          </a:stretch>
-        </p:blipFill>
-        <p:spPr>
-          <a:xfrm>
-            <a:off x="2185949" y="971348"/>
-            <a:ext cx="4763421" cy="3609975"/>
-          </a:xfrm>
-          <a:prstGeom prst="rect">
-            <a:avLst/>
-          </a:prstGeom>
-        </p:spPr>
-      </p:pic>
-    </p:spTree>
-    <p:extLst>
-      <p:ext uri="{BB962C8B-B14F-4D97-AF65-F5344CB8AC3E}">
-        <p14:creationId xmlns:p14="http://schemas.microsoft.com/office/powerpoint/2010/main" val="3894031948"/>
-      </p:ext>
-    </p:extLst>
-  </p:cSld>
-  <p:clrMapOvr>
-    <a:masterClrMapping/>
-  </p:clrMapOvr>
-</p:sld>
-</file>
-
-<file path=ppt/slides/slide17.xml><?xml version="1.0" encoding="utf-8"?>
-<p:sld xmlns:a="http://schemas.openxmlformats.org/drawingml/2006/main" xmlns:r="http://schemas.openxmlformats.org/officeDocument/2006/relationships" xmlns:p="http://schemas.openxmlformats.org/presentationml/2006/main" show="0">
-  <p:cSld>
-    <p:spTree>
-      <p:nvGrpSpPr>
-        <p:cNvPr id="1" name=""/>
-        <p:cNvGrpSpPr/>
-        <p:nvPr/>
-      </p:nvGrpSpPr>
-      <p:grpSpPr>
-        <a:xfrm>
-          <a:off x="0" y="0"/>
-          <a:ext cx="0" cy="0"/>
-          <a:chOff x="0" y="0"/>
-          <a:chExt cx="0" cy="0"/>
-        </a:xfrm>
-      </p:grpSpPr>
-      <p:sp>
-        <p:nvSpPr>
-          <p:cNvPr id="2" name="Titel 1">
-            <a:extLst>
-              <a:ext uri="{FF2B5EF4-FFF2-40B4-BE49-F238E27FC236}">
-                <a16:creationId xmlns:a16="http://schemas.microsoft.com/office/drawing/2014/main" id="{446D3BEF-CC88-B742-5807-43EE48D25381}"/>
-              </a:ext>
-            </a:extLst>
-          </p:cNvPr>
-          <p:cNvSpPr>
-            <a:spLocks noGrp="1"/>
-          </p:cNvSpPr>
-          <p:nvPr>
-            <p:ph type="title"/>
-          </p:nvPr>
-        </p:nvSpPr>
-        <p:spPr/>
-        <p:txBody>
-          <a:bodyPr>
-            <a:normAutofit fontScale="90000"/>
-          </a:bodyPr>
-          <a:lstStyle/>
-          <a:p>
-            <a:r>
-              <a:rPr lang="de-AT" dirty="0" err="1"/>
-              <a:t>Robotic</a:t>
-            </a:r>
-            <a:r>
-              <a:rPr lang="de-AT" dirty="0"/>
-              <a:t> Application Setups</a:t>
-            </a:r>
-            <a:endParaRPr lang="en-US" dirty="0"/>
-          </a:p>
-        </p:txBody>
-      </p:sp>
-      <p:sp>
-        <p:nvSpPr>
-          <p:cNvPr id="3" name="Textplatzhalter 2">
-            <a:extLst>
-              <a:ext uri="{FF2B5EF4-FFF2-40B4-BE49-F238E27FC236}">
-                <a16:creationId xmlns:a16="http://schemas.microsoft.com/office/drawing/2014/main" id="{04897626-5992-AC9F-A7C2-0A8A6A65B6F9}"/>
-              </a:ext>
-            </a:extLst>
-          </p:cNvPr>
-          <p:cNvSpPr>
-            <a:spLocks noGrp="1"/>
-          </p:cNvSpPr>
-          <p:nvPr>
-            <p:ph type="body" sz="quarter" idx="14"/>
-          </p:nvPr>
-        </p:nvSpPr>
-        <p:spPr/>
-        <p:txBody>
-          <a:bodyPr>
-            <a:normAutofit/>
-          </a:bodyPr>
-          <a:lstStyle/>
-          <a:p>
-            <a:pPr algn="l"/>
-            <a:endParaRPr lang="en-US" sz="1600" dirty="0"/>
-          </a:p>
-        </p:txBody>
-      </p:sp>
-      <p:sp>
-        <p:nvSpPr>
-          <p:cNvPr id="4" name="Fußzeilenplatzhalter 3">
-            <a:extLst>
-              <a:ext uri="{FF2B5EF4-FFF2-40B4-BE49-F238E27FC236}">
-                <a16:creationId xmlns:a16="http://schemas.microsoft.com/office/drawing/2014/main" id="{17F6F80D-FCFD-474A-A46E-BEF92F26DC8D}"/>
-              </a:ext>
-            </a:extLst>
-          </p:cNvPr>
-          <p:cNvSpPr>
-            <a:spLocks noGrp="1"/>
-          </p:cNvSpPr>
-          <p:nvPr>
-            <p:ph type="ftr" sz="quarter" idx="12"/>
-          </p:nvPr>
-        </p:nvSpPr>
-        <p:spPr/>
-        <p:txBody>
-          <a:bodyPr/>
-          <a:lstStyle/>
-          <a:p>
-            <a:r>
-              <a:rPr lang="en-US"/>
-              <a:t>Virtualization of a Real-Time Operating System for Robot Control with a Focus on RealTime Compliance</a:t>
-            </a:r>
-            <a:r>
-              <a:rPr lang="en-GB"/>
-              <a:t> | </a:t>
-            </a:r>
-            <a:r>
-              <a:rPr lang="de-AT"/>
-              <a:t>Halil Pamuk, BSc.</a:t>
-            </a:r>
-            <a:r>
-              <a:rPr lang="en-GB"/>
-              <a:t> | 10.10.2024</a:t>
-            </a:r>
-            <a:endParaRPr lang="en-GB" dirty="0"/>
-          </a:p>
-        </p:txBody>
-      </p:sp>
-      <p:sp>
-        <p:nvSpPr>
-          <p:cNvPr id="5" name="Foliennummernplatzhalter 4">
-            <a:extLst>
-              <a:ext uri="{FF2B5EF4-FFF2-40B4-BE49-F238E27FC236}">
-                <a16:creationId xmlns:a16="http://schemas.microsoft.com/office/drawing/2014/main" id="{6FE7C3E3-082F-E591-9994-A62597200B98}"/>
-              </a:ext>
-            </a:extLst>
-          </p:cNvPr>
-          <p:cNvSpPr>
-            <a:spLocks noGrp="1"/>
-          </p:cNvSpPr>
-          <p:nvPr>
-            <p:ph type="sldNum" sz="quarter" idx="13"/>
-          </p:nvPr>
-        </p:nvSpPr>
-        <p:spPr/>
-        <p:txBody>
-          <a:bodyPr/>
-          <a:lstStyle/>
-          <a:p>
-            <a:fld id="{9C057DB4-583E-41A7-BD94-987342018C17}" type="slidenum">
-              <a:rPr lang="en-GB" smtClean="0"/>
-              <a:pPr/>
-              <a:t>17</a:t>
-            </a:fld>
-            <a:endParaRPr lang="en-GB" dirty="0"/>
-          </a:p>
-        </p:txBody>
-      </p:sp>
-      <p:sp>
-        <p:nvSpPr>
-          <p:cNvPr id="6" name="Textfeld 5">
-            <a:extLst>
-              <a:ext uri="{FF2B5EF4-FFF2-40B4-BE49-F238E27FC236}">
-                <a16:creationId xmlns:a16="http://schemas.microsoft.com/office/drawing/2014/main" id="{9AB5A822-3C8A-C9CC-A179-6AC2B863414C}"/>
-              </a:ext>
-            </a:extLst>
-          </p:cNvPr>
-          <p:cNvSpPr txBox="1"/>
-          <p:nvPr/>
-        </p:nvSpPr>
-        <p:spPr>
-          <a:xfrm>
-            <a:off x="2042160" y="1988820"/>
-            <a:ext cx="914400" cy="914400"/>
-          </a:xfrm>
-          <a:prstGeom prst="rect">
-            <a:avLst/>
-          </a:prstGeom>
-        </p:spPr>
-        <p:txBody>
-          <a:bodyPr vert="horz" wrap="none" lIns="91440" tIns="45720" rIns="91440" bIns="45720" rtlCol="0" anchor="t">
-            <a:normAutofit/>
-          </a:bodyPr>
-          <a:lstStyle/>
-          <a:p>
-            <a:pPr algn="l"/>
-            <a:endParaRPr lang="en-US" sz="2800" dirty="0"/>
-          </a:p>
-        </p:txBody>
-      </p:sp>
-      <p:pic>
-        <p:nvPicPr>
-          <p:cNvPr id="8" name="Grafik 7">
-            <a:extLst>
-              <a:ext uri="{FF2B5EF4-FFF2-40B4-BE49-F238E27FC236}">
-                <a16:creationId xmlns:a16="http://schemas.microsoft.com/office/drawing/2014/main" id="{76248B69-8E55-DD43-3B53-2BA2735B4DF3}"/>
-              </a:ext>
-            </a:extLst>
-          </p:cNvPr>
-          <p:cNvPicPr>
-            <a:picLocks noChangeAspect="1"/>
-          </p:cNvPicPr>
-          <p:nvPr/>
-        </p:nvPicPr>
-        <p:blipFill>
-          <a:blip r:embed="rId2"/>
-          <a:stretch>
-            <a:fillRect/>
-          </a:stretch>
-        </p:blipFill>
-        <p:spPr>
-          <a:xfrm>
-            <a:off x="1013209" y="889436"/>
-            <a:ext cx="2972301" cy="3457575"/>
-          </a:xfrm>
-          <a:prstGeom prst="rect">
-            <a:avLst/>
-          </a:prstGeom>
-        </p:spPr>
-      </p:pic>
-      <p:pic>
-        <p:nvPicPr>
-          <p:cNvPr id="12" name="Grafik 11">
-            <a:extLst>
-              <a:ext uri="{FF2B5EF4-FFF2-40B4-BE49-F238E27FC236}">
-                <a16:creationId xmlns:a16="http://schemas.microsoft.com/office/drawing/2014/main" id="{3EC1D0D7-CAD7-1F51-8830-6B3C4D5AB2B3}"/>
-              </a:ext>
-            </a:extLst>
-          </p:cNvPr>
-          <p:cNvPicPr>
-            <a:picLocks noChangeAspect="1"/>
-          </p:cNvPicPr>
-          <p:nvPr/>
-        </p:nvPicPr>
-        <p:blipFill>
-          <a:blip r:embed="rId3"/>
-          <a:stretch>
-            <a:fillRect/>
-          </a:stretch>
-        </p:blipFill>
-        <p:spPr>
-          <a:xfrm>
-            <a:off x="5158492" y="1118790"/>
-            <a:ext cx="2868829" cy="3228221"/>
-          </a:xfrm>
-          <a:prstGeom prst="rect">
-            <a:avLst/>
-          </a:prstGeom>
-        </p:spPr>
-      </p:pic>
-    </p:spTree>
-    <p:extLst>
-      <p:ext uri="{BB962C8B-B14F-4D97-AF65-F5344CB8AC3E}">
-        <p14:creationId xmlns:p14="http://schemas.microsoft.com/office/powerpoint/2010/main" val="2813496607"/>
-      </p:ext>
-    </p:extLst>
-  </p:cSld>
-  <p:clrMapOvr>
-    <a:masterClrMapping/>
-  </p:clrMapOvr>
-</p:sld>
-</file>
-
-<file path=ppt/slides/slide18.xml><?xml version="1.0" encoding="utf-8"?>
-<p:sld xmlns:a="http://schemas.openxmlformats.org/drawingml/2006/main" xmlns:r="http://schemas.openxmlformats.org/officeDocument/2006/relationships" xmlns:p="http://schemas.openxmlformats.org/presentationml/2006/main" show="0">
-  <p:cSld>
-    <p:spTree>
-      <p:nvGrpSpPr>
-        <p:cNvPr id="1" name=""/>
-        <p:cNvGrpSpPr/>
-        <p:nvPr/>
-      </p:nvGrpSpPr>
-      <p:grpSpPr>
-        <a:xfrm>
-          <a:off x="0" y="0"/>
-          <a:ext cx="0" cy="0"/>
-          <a:chOff x="0" y="0"/>
-          <a:chExt cx="0" cy="0"/>
-        </a:xfrm>
-      </p:grpSpPr>
-      <p:sp>
-        <p:nvSpPr>
-          <p:cNvPr id="2" name="Titel 1">
-            <a:extLst>
-              <a:ext uri="{FF2B5EF4-FFF2-40B4-BE49-F238E27FC236}">
-                <a16:creationId xmlns:a16="http://schemas.microsoft.com/office/drawing/2014/main" id="{446D3BEF-CC88-B742-5807-43EE48D25381}"/>
-              </a:ext>
-            </a:extLst>
-          </p:cNvPr>
-          <p:cNvSpPr>
-            <a:spLocks noGrp="1"/>
-          </p:cNvSpPr>
-          <p:nvPr>
-            <p:ph type="title"/>
-          </p:nvPr>
-        </p:nvSpPr>
-        <p:spPr/>
-        <p:txBody>
-          <a:bodyPr>
-            <a:normAutofit fontScale="90000"/>
-          </a:bodyPr>
-          <a:lstStyle/>
-          <a:p>
-            <a:r>
-              <a:rPr lang="de-AT" dirty="0" err="1"/>
-              <a:t>Robotic</a:t>
-            </a:r>
-            <a:r>
-              <a:rPr lang="de-AT" dirty="0"/>
-              <a:t> Application Flowchart</a:t>
-            </a:r>
-            <a:endParaRPr lang="en-US" dirty="0"/>
-          </a:p>
-        </p:txBody>
-      </p:sp>
-      <p:sp>
-        <p:nvSpPr>
-          <p:cNvPr id="3" name="Textplatzhalter 2">
-            <a:extLst>
-              <a:ext uri="{FF2B5EF4-FFF2-40B4-BE49-F238E27FC236}">
-                <a16:creationId xmlns:a16="http://schemas.microsoft.com/office/drawing/2014/main" id="{04897626-5992-AC9F-A7C2-0A8A6A65B6F9}"/>
-              </a:ext>
-            </a:extLst>
-          </p:cNvPr>
-          <p:cNvSpPr>
-            <a:spLocks noGrp="1"/>
-          </p:cNvSpPr>
-          <p:nvPr>
-            <p:ph type="body" sz="quarter" idx="14"/>
-          </p:nvPr>
-        </p:nvSpPr>
-        <p:spPr/>
-        <p:txBody>
-          <a:bodyPr>
-            <a:normAutofit/>
-          </a:bodyPr>
-          <a:lstStyle/>
-          <a:p>
-            <a:pPr algn="l"/>
-            <a:endParaRPr lang="en-US" sz="1600" dirty="0"/>
-          </a:p>
-        </p:txBody>
-      </p:sp>
-      <p:sp>
-        <p:nvSpPr>
-          <p:cNvPr id="4" name="Fußzeilenplatzhalter 3">
-            <a:extLst>
-              <a:ext uri="{FF2B5EF4-FFF2-40B4-BE49-F238E27FC236}">
-                <a16:creationId xmlns:a16="http://schemas.microsoft.com/office/drawing/2014/main" id="{17F6F80D-FCFD-474A-A46E-BEF92F26DC8D}"/>
-              </a:ext>
-            </a:extLst>
-          </p:cNvPr>
-          <p:cNvSpPr>
-            <a:spLocks noGrp="1"/>
-          </p:cNvSpPr>
-          <p:nvPr>
-            <p:ph type="ftr" sz="quarter" idx="12"/>
-          </p:nvPr>
-        </p:nvSpPr>
-        <p:spPr/>
-        <p:txBody>
-          <a:bodyPr/>
-          <a:lstStyle/>
-          <a:p>
-            <a:r>
-              <a:rPr lang="en-US"/>
-              <a:t>Virtualization of a Real-Time Operating System for Robot Control with a Focus on RealTime Compliance</a:t>
-            </a:r>
-            <a:r>
-              <a:rPr lang="en-GB"/>
-              <a:t> | </a:t>
-            </a:r>
-            <a:r>
-              <a:rPr lang="de-AT"/>
-              <a:t>Halil Pamuk, BSc.</a:t>
-            </a:r>
-            <a:r>
-              <a:rPr lang="en-GB"/>
-              <a:t> | 10.10.2024</a:t>
-            </a:r>
-            <a:endParaRPr lang="en-GB" dirty="0"/>
-          </a:p>
-        </p:txBody>
-      </p:sp>
-      <p:sp>
-        <p:nvSpPr>
-          <p:cNvPr id="5" name="Foliennummernplatzhalter 4">
-            <a:extLst>
-              <a:ext uri="{FF2B5EF4-FFF2-40B4-BE49-F238E27FC236}">
-                <a16:creationId xmlns:a16="http://schemas.microsoft.com/office/drawing/2014/main" id="{6FE7C3E3-082F-E591-9994-A62597200B98}"/>
-              </a:ext>
-            </a:extLst>
-          </p:cNvPr>
-          <p:cNvSpPr>
-            <a:spLocks noGrp="1"/>
-          </p:cNvSpPr>
-          <p:nvPr>
-            <p:ph type="sldNum" sz="quarter" idx="13"/>
-          </p:nvPr>
-        </p:nvSpPr>
-        <p:spPr/>
-        <p:txBody>
-          <a:bodyPr/>
-          <a:lstStyle/>
-          <a:p>
-            <a:fld id="{9C057DB4-583E-41A7-BD94-987342018C17}" type="slidenum">
-              <a:rPr lang="en-GB" smtClean="0"/>
-              <a:pPr/>
-              <a:t>18</a:t>
-            </a:fld>
-            <a:endParaRPr lang="en-GB" dirty="0"/>
-          </a:p>
-        </p:txBody>
-      </p:sp>
-      <p:sp>
-        <p:nvSpPr>
-          <p:cNvPr id="6" name="Textfeld 5">
-            <a:extLst>
-              <a:ext uri="{FF2B5EF4-FFF2-40B4-BE49-F238E27FC236}">
-                <a16:creationId xmlns:a16="http://schemas.microsoft.com/office/drawing/2014/main" id="{9AB5A822-3C8A-C9CC-A179-6AC2B863414C}"/>
-              </a:ext>
-            </a:extLst>
-          </p:cNvPr>
-          <p:cNvSpPr txBox="1"/>
-          <p:nvPr/>
-        </p:nvSpPr>
-        <p:spPr>
-          <a:xfrm>
-            <a:off x="2042160" y="1988820"/>
-            <a:ext cx="914400" cy="914400"/>
-          </a:xfrm>
-          <a:prstGeom prst="rect">
-            <a:avLst/>
-          </a:prstGeom>
-        </p:spPr>
-        <p:txBody>
-          <a:bodyPr vert="horz" wrap="none" lIns="91440" tIns="45720" rIns="91440" bIns="45720" rtlCol="0" anchor="t">
-            <a:normAutofit/>
-          </a:bodyPr>
-          <a:lstStyle/>
-          <a:p>
-            <a:pPr algn="l"/>
-            <a:endParaRPr lang="en-US" sz="2800" dirty="0"/>
-          </a:p>
-        </p:txBody>
-      </p:sp>
-      <p:pic>
-        <p:nvPicPr>
-          <p:cNvPr id="9" name="Grafik 8">
-            <a:extLst>
-              <a:ext uri="{FF2B5EF4-FFF2-40B4-BE49-F238E27FC236}">
-                <a16:creationId xmlns:a16="http://schemas.microsoft.com/office/drawing/2014/main" id="{1708792E-4F38-0C2B-B849-C4EF7833D799}"/>
-              </a:ext>
-            </a:extLst>
-          </p:cNvPr>
-          <p:cNvPicPr>
-            <a:picLocks noChangeAspect="1"/>
-          </p:cNvPicPr>
-          <p:nvPr/>
-        </p:nvPicPr>
-        <p:blipFill>
-          <a:blip r:embed="rId2"/>
-          <a:stretch>
-            <a:fillRect/>
-          </a:stretch>
-        </p:blipFill>
-        <p:spPr>
-          <a:xfrm>
-            <a:off x="1399804" y="948827"/>
-            <a:ext cx="6335712" cy="3680122"/>
-          </a:xfrm>
-          <a:prstGeom prst="rect">
-            <a:avLst/>
-          </a:prstGeom>
-        </p:spPr>
-      </p:pic>
-    </p:spTree>
-    <p:extLst>
-      <p:ext uri="{BB962C8B-B14F-4D97-AF65-F5344CB8AC3E}">
-        <p14:creationId xmlns:p14="http://schemas.microsoft.com/office/powerpoint/2010/main" val="3582462374"/>
-      </p:ext>
-    </p:extLst>
-  </p:cSld>
-  <p:clrMapOvr>
-    <a:masterClrMapping/>
-  </p:clrMapOvr>
-</p:sld>
-</file>
-
-<file path=ppt/slides/slide19.xml><?xml version="1.0" encoding="utf-8"?>
-<p:sld xmlns:a="http://schemas.openxmlformats.org/drawingml/2006/main" xmlns:r="http://schemas.openxmlformats.org/officeDocument/2006/relationships" xmlns:p="http://schemas.openxmlformats.org/presentationml/2006/main" show="0">
-  <p:cSld>
-    <p:spTree>
-      <p:nvGrpSpPr>
-        <p:cNvPr id="1" name=""/>
-        <p:cNvGrpSpPr/>
-        <p:nvPr/>
-      </p:nvGrpSpPr>
-      <p:grpSpPr>
-        <a:xfrm>
-          <a:off x="0" y="0"/>
-          <a:ext cx="0" cy="0"/>
-          <a:chOff x="0" y="0"/>
-          <a:chExt cx="0" cy="0"/>
-        </a:xfrm>
-      </p:grpSpPr>
-      <p:sp>
-        <p:nvSpPr>
-          <p:cNvPr id="2" name="Titel 1">
-            <a:extLst>
-              <a:ext uri="{FF2B5EF4-FFF2-40B4-BE49-F238E27FC236}">
-                <a16:creationId xmlns:a16="http://schemas.microsoft.com/office/drawing/2014/main" id="{446D3BEF-CC88-B742-5807-43EE48D25381}"/>
-              </a:ext>
-            </a:extLst>
-          </p:cNvPr>
-          <p:cNvSpPr>
-            <a:spLocks noGrp="1"/>
-          </p:cNvSpPr>
-          <p:nvPr>
-            <p:ph type="title"/>
-          </p:nvPr>
-        </p:nvSpPr>
-        <p:spPr/>
-        <p:txBody>
-          <a:bodyPr>
-            <a:normAutofit fontScale="90000"/>
-          </a:bodyPr>
-          <a:lstStyle/>
-          <a:p>
-            <a:r>
-              <a:rPr lang="de-AT" dirty="0"/>
-              <a:t>Results </a:t>
-            </a:r>
-            <a:r>
-              <a:rPr lang="de-AT" dirty="0" err="1"/>
-              <a:t>of</a:t>
-            </a:r>
-            <a:r>
-              <a:rPr lang="de-AT" dirty="0"/>
-              <a:t> </a:t>
-            </a:r>
-            <a:r>
-              <a:rPr lang="de-AT" dirty="0" err="1"/>
-              <a:t>Robotic</a:t>
-            </a:r>
-            <a:r>
-              <a:rPr lang="de-AT" dirty="0"/>
-              <a:t> Application</a:t>
-            </a:r>
-            <a:endParaRPr lang="en-US" dirty="0"/>
-          </a:p>
-        </p:txBody>
-      </p:sp>
-      <p:sp>
-        <p:nvSpPr>
-          <p:cNvPr id="3" name="Textplatzhalter 2">
-            <a:extLst>
-              <a:ext uri="{FF2B5EF4-FFF2-40B4-BE49-F238E27FC236}">
-                <a16:creationId xmlns:a16="http://schemas.microsoft.com/office/drawing/2014/main" id="{04897626-5992-AC9F-A7C2-0A8A6A65B6F9}"/>
-              </a:ext>
-            </a:extLst>
-          </p:cNvPr>
-          <p:cNvSpPr>
-            <a:spLocks noGrp="1"/>
-          </p:cNvSpPr>
-          <p:nvPr>
-            <p:ph type="body" sz="quarter" idx="14"/>
-          </p:nvPr>
-        </p:nvSpPr>
-        <p:spPr/>
-        <p:txBody>
-          <a:bodyPr>
-            <a:normAutofit/>
-          </a:bodyPr>
-          <a:lstStyle/>
-          <a:p>
-            <a:pPr algn="l"/>
-            <a:endParaRPr lang="en-US" sz="1600" dirty="0"/>
-          </a:p>
-        </p:txBody>
-      </p:sp>
-      <p:sp>
-        <p:nvSpPr>
-          <p:cNvPr id="4" name="Fußzeilenplatzhalter 3">
-            <a:extLst>
-              <a:ext uri="{FF2B5EF4-FFF2-40B4-BE49-F238E27FC236}">
-                <a16:creationId xmlns:a16="http://schemas.microsoft.com/office/drawing/2014/main" id="{17F6F80D-FCFD-474A-A46E-BEF92F26DC8D}"/>
-              </a:ext>
-            </a:extLst>
-          </p:cNvPr>
-          <p:cNvSpPr>
-            <a:spLocks noGrp="1"/>
-          </p:cNvSpPr>
-          <p:nvPr>
-            <p:ph type="ftr" sz="quarter" idx="12"/>
-          </p:nvPr>
-        </p:nvSpPr>
-        <p:spPr/>
-        <p:txBody>
-          <a:bodyPr/>
-          <a:lstStyle/>
-          <a:p>
-            <a:r>
-              <a:rPr lang="en-US"/>
-              <a:t>Virtualization of a Real-Time Operating System for Robot Control with a Focus on RealTime Compliance</a:t>
-            </a:r>
-            <a:r>
-              <a:rPr lang="en-GB"/>
-              <a:t> | </a:t>
-            </a:r>
-            <a:r>
-              <a:rPr lang="de-AT"/>
-              <a:t>Halil Pamuk, BSc.</a:t>
-            </a:r>
-            <a:r>
-              <a:rPr lang="en-GB"/>
-              <a:t> | 10.10.2024</a:t>
-            </a:r>
-            <a:endParaRPr lang="en-GB" dirty="0"/>
-          </a:p>
-        </p:txBody>
-      </p:sp>
-      <p:sp>
-        <p:nvSpPr>
-          <p:cNvPr id="5" name="Foliennummernplatzhalter 4">
-            <a:extLst>
-              <a:ext uri="{FF2B5EF4-FFF2-40B4-BE49-F238E27FC236}">
-                <a16:creationId xmlns:a16="http://schemas.microsoft.com/office/drawing/2014/main" id="{6FE7C3E3-082F-E591-9994-A62597200B98}"/>
-              </a:ext>
-            </a:extLst>
-          </p:cNvPr>
-          <p:cNvSpPr>
-            <a:spLocks noGrp="1"/>
-          </p:cNvSpPr>
-          <p:nvPr>
-            <p:ph type="sldNum" sz="quarter" idx="13"/>
-          </p:nvPr>
-        </p:nvSpPr>
-        <p:spPr/>
-        <p:txBody>
-          <a:bodyPr/>
-          <a:lstStyle/>
-          <a:p>
-            <a:fld id="{9C057DB4-583E-41A7-BD94-987342018C17}" type="slidenum">
-              <a:rPr lang="en-GB" smtClean="0"/>
-              <a:pPr/>
-              <a:t>19</a:t>
-            </a:fld>
-            <a:endParaRPr lang="en-GB" dirty="0"/>
-          </a:p>
-        </p:txBody>
-      </p:sp>
-      <p:sp>
-        <p:nvSpPr>
-          <p:cNvPr id="6" name="Textfeld 5">
-            <a:extLst>
-              <a:ext uri="{FF2B5EF4-FFF2-40B4-BE49-F238E27FC236}">
-                <a16:creationId xmlns:a16="http://schemas.microsoft.com/office/drawing/2014/main" id="{9AB5A822-3C8A-C9CC-A179-6AC2B863414C}"/>
-              </a:ext>
-            </a:extLst>
-          </p:cNvPr>
-          <p:cNvSpPr txBox="1"/>
-          <p:nvPr/>
-        </p:nvSpPr>
-        <p:spPr>
-          <a:xfrm>
-            <a:off x="2042160" y="1988820"/>
-            <a:ext cx="914400" cy="914400"/>
-          </a:xfrm>
-          <a:prstGeom prst="rect">
-            <a:avLst/>
-          </a:prstGeom>
-        </p:spPr>
-        <p:txBody>
-          <a:bodyPr vert="horz" wrap="none" lIns="91440" tIns="45720" rIns="91440" bIns="45720" rtlCol="0" anchor="t">
-            <a:normAutofit/>
-          </a:bodyPr>
-          <a:lstStyle/>
-          <a:p>
-            <a:pPr algn="l"/>
-            <a:endParaRPr lang="en-US" sz="2800" dirty="0"/>
-          </a:p>
-        </p:txBody>
-      </p:sp>
-      <p:pic>
-        <p:nvPicPr>
-          <p:cNvPr id="8" name="Grafik 7">
-            <a:extLst>
-              <a:ext uri="{FF2B5EF4-FFF2-40B4-BE49-F238E27FC236}">
-                <a16:creationId xmlns:a16="http://schemas.microsoft.com/office/drawing/2014/main" id="{ED8E7867-64AB-3367-6543-388B17B091C8}"/>
-              </a:ext>
-            </a:extLst>
-          </p:cNvPr>
-          <p:cNvPicPr>
-            <a:picLocks noChangeAspect="1"/>
-          </p:cNvPicPr>
-          <p:nvPr/>
-        </p:nvPicPr>
-        <p:blipFill>
-          <a:blip r:embed="rId2"/>
-          <a:stretch>
-            <a:fillRect/>
-          </a:stretch>
-        </p:blipFill>
-        <p:spPr>
-          <a:xfrm>
-            <a:off x="1662906" y="737011"/>
-            <a:ext cx="5809508" cy="3845262"/>
-          </a:xfrm>
-          <a:prstGeom prst="rect">
-            <a:avLst/>
-          </a:prstGeom>
-        </p:spPr>
-      </p:pic>
-    </p:spTree>
-    <p:extLst>
-      <p:ext uri="{BB962C8B-B14F-4D97-AF65-F5344CB8AC3E}">
-        <p14:creationId xmlns:p14="http://schemas.microsoft.com/office/powerpoint/2010/main" val="3580813374"/>
-      </p:ext>
-    </p:extLst>
-  </p:cSld>
-  <p:clrMapOvr>
-    <a:masterClrMapping/>
-  </p:clrMapOvr>
-</p:sld>
-</file>
-
-<file path=ppt/slides/slide2.xml><?xml version="1.0" encoding="utf-8"?>
-<p:sld xmlns:a="http://schemas.openxmlformats.org/drawingml/2006/main" xmlns:r="http://schemas.openxmlformats.org/officeDocument/2006/relationships" xmlns:p="http://schemas.openxmlformats.org/presentationml/2006/main">
-  <p:cSld>
-    <p:spTree>
-      <p:nvGrpSpPr>
-        <p:cNvPr id="1" name=""/>
-        <p:cNvGrpSpPr/>
-        <p:nvPr/>
-      </p:nvGrpSpPr>
-      <p:grpSpPr>
-        <a:xfrm>
-          <a:off x="0" y="0"/>
-          <a:ext cx="0" cy="0"/>
-          <a:chOff x="0" y="0"/>
-          <a:chExt cx="0" cy="0"/>
-        </a:xfrm>
-      </p:grpSpPr>
-      <p:pic>
-        <p:nvPicPr>
-          <p:cNvPr id="15" name="Grafik 14" descr="Ein Bild, das Text, Screenshot, Reihe, Diagramm enthält.">
-            <a:extLst>
-              <a:ext uri="{FF2B5EF4-FFF2-40B4-BE49-F238E27FC236}">
-                <a16:creationId xmlns:a16="http://schemas.microsoft.com/office/drawing/2014/main" id="{70183D45-2E28-0D46-2796-E345F999D034}"/>
-              </a:ext>
-            </a:extLst>
-          </p:cNvPr>
-          <p:cNvPicPr>
-            <a:picLocks noChangeAspect="1"/>
-          </p:cNvPicPr>
-          <p:nvPr/>
-        </p:nvPicPr>
-        <p:blipFill>
-          <a:blip r:embed="rId2">
-            <a:extLst>
-              <a:ext uri="{28A0092B-C50C-407E-A947-70E740481C1C}">
-                <a14:useLocalDpi xmlns:a14="http://schemas.microsoft.com/office/drawing/2010/main" val="0"/>
-              </a:ext>
-            </a:extLst>
-          </a:blip>
-          <a:stretch>
-            <a:fillRect/>
-          </a:stretch>
-        </p:blipFill>
-        <p:spPr>
-          <a:xfrm>
-            <a:off x="4699159" y="2771774"/>
-            <a:ext cx="4064534" cy="1536903"/>
-          </a:xfrm>
-          <a:prstGeom prst="rect">
-            <a:avLst/>
-          </a:prstGeom>
-          <a:ln>
-            <a:solidFill>
-              <a:schemeClr val="tx1"/>
-            </a:solidFill>
-          </a:ln>
-        </p:spPr>
-      </p:pic>
-      <p:sp>
-        <p:nvSpPr>
-          <p:cNvPr id="2" name="Titel 1">
-            <a:extLst>
-              <a:ext uri="{FF2B5EF4-FFF2-40B4-BE49-F238E27FC236}">
-                <a16:creationId xmlns:a16="http://schemas.microsoft.com/office/drawing/2014/main" id="{73ADFF64-5302-EF15-926F-46D2C696D31A}"/>
-              </a:ext>
-            </a:extLst>
-          </p:cNvPr>
-          <p:cNvSpPr>
-            <a:spLocks noGrp="1"/>
-          </p:cNvSpPr>
-          <p:nvPr>
-            <p:ph type="title"/>
-          </p:nvPr>
-        </p:nvSpPr>
-        <p:spPr/>
-        <p:txBody>
-          <a:bodyPr>
-            <a:normAutofit fontScale="90000"/>
-          </a:bodyPr>
-          <a:lstStyle/>
-          <a:p>
-            <a:r>
-              <a:rPr lang="de-AT" dirty="0"/>
-              <a:t>Introduction</a:t>
-            </a:r>
-          </a:p>
-        </p:txBody>
-      </p:sp>
-      <p:sp>
-        <p:nvSpPr>
-          <p:cNvPr id="3" name="Textplatzhalter 2">
-            <a:extLst>
-              <a:ext uri="{FF2B5EF4-FFF2-40B4-BE49-F238E27FC236}">
-                <a16:creationId xmlns:a16="http://schemas.microsoft.com/office/drawing/2014/main" id="{0C5D34C3-D25D-2153-5492-7F46FFB508EE}"/>
-              </a:ext>
-            </a:extLst>
-          </p:cNvPr>
-          <p:cNvSpPr>
-            <a:spLocks noGrp="1"/>
-          </p:cNvSpPr>
-          <p:nvPr>
-            <p:ph type="body" sz="quarter" idx="14"/>
-          </p:nvPr>
-        </p:nvSpPr>
-        <p:spPr/>
-        <p:txBody>
-          <a:bodyPr>
-            <a:normAutofit/>
-          </a:bodyPr>
-          <a:lstStyle/>
-          <a:p>
-            <a:r>
-              <a:rPr lang="en-US" sz="2000" dirty="0"/>
-              <a:t>Robots perform time-critical tasks</a:t>
-            </a:r>
-          </a:p>
-          <a:p>
-            <a:endParaRPr lang="en-US" sz="2000" dirty="0"/>
-          </a:p>
-          <a:p>
-            <a:r>
-              <a:rPr lang="en-US" sz="2000" dirty="0"/>
-              <a:t>Delays </a:t>
-            </a:r>
-            <a:r>
-              <a:rPr lang="en-US" sz="2000" dirty="0">
-                <a:sym typeface="Wingdings" panose="05000000000000000000" pitchFamily="2" charset="2"/>
-              </a:rPr>
-              <a:t> </a:t>
-            </a:r>
-            <a:r>
-              <a:rPr lang="en-US" sz="2000" dirty="0"/>
-              <a:t>catastrophic consequences</a:t>
-            </a:r>
-          </a:p>
-          <a:p>
-            <a:endParaRPr lang="en-US" sz="2000" dirty="0"/>
-          </a:p>
-          <a:p>
-            <a:r>
-              <a:rPr lang="en-US" sz="2000" dirty="0"/>
-              <a:t>General-Purpose Operating System vs. Real-Time Operating System </a:t>
-            </a:r>
-          </a:p>
-          <a:p>
-            <a:endParaRPr lang="en-US" sz="2000" dirty="0"/>
-          </a:p>
-        </p:txBody>
-      </p:sp>
-      <p:sp>
-        <p:nvSpPr>
-          <p:cNvPr id="4" name="Fußzeilenplatzhalter 3">
-            <a:extLst>
-              <a:ext uri="{FF2B5EF4-FFF2-40B4-BE49-F238E27FC236}">
-                <a16:creationId xmlns:a16="http://schemas.microsoft.com/office/drawing/2014/main" id="{EA817E3F-89E9-CA85-E9CF-E05C574B5D7A}"/>
-              </a:ext>
-            </a:extLst>
-          </p:cNvPr>
-          <p:cNvSpPr>
-            <a:spLocks noGrp="1"/>
-          </p:cNvSpPr>
-          <p:nvPr>
-            <p:ph type="ftr" sz="quarter" idx="12"/>
-          </p:nvPr>
-        </p:nvSpPr>
-        <p:spPr/>
-        <p:txBody>
-          <a:bodyPr/>
-          <a:lstStyle/>
-          <a:p>
-            <a:r>
-              <a:rPr lang="en-US" dirty="0"/>
-              <a:t>Virtualization of a Real-Time Operating System for Robot Control with a Focus on </a:t>
-            </a:r>
-            <a:r>
-              <a:rPr lang="en-US" dirty="0" err="1"/>
-              <a:t>RealTime</a:t>
-            </a:r>
-            <a:r>
-              <a:rPr lang="en-US" dirty="0"/>
-              <a:t> Compliance</a:t>
-            </a:r>
-            <a:r>
-              <a:rPr lang="en-GB" dirty="0"/>
-              <a:t> | </a:t>
-            </a:r>
-            <a:r>
-              <a:rPr lang="de-AT" dirty="0"/>
-              <a:t>Halil Pamuk, </a:t>
-            </a:r>
-            <a:r>
-              <a:rPr lang="de-AT" dirty="0" err="1"/>
-              <a:t>BSc</a:t>
-            </a:r>
-            <a:r>
-              <a:rPr lang="de-AT" dirty="0"/>
-              <a:t>.</a:t>
-            </a:r>
-            <a:r>
-              <a:rPr lang="en-GB" dirty="0"/>
-              <a:t> | 10.10.2024</a:t>
-            </a:r>
-          </a:p>
-        </p:txBody>
-      </p:sp>
-      <p:sp>
-        <p:nvSpPr>
-          <p:cNvPr id="5" name="Foliennummernplatzhalter 4">
-            <a:extLst>
-              <a:ext uri="{FF2B5EF4-FFF2-40B4-BE49-F238E27FC236}">
-                <a16:creationId xmlns:a16="http://schemas.microsoft.com/office/drawing/2014/main" id="{A3704926-5E9E-0193-79D6-E0567D7C55A4}"/>
-              </a:ext>
-            </a:extLst>
-          </p:cNvPr>
-          <p:cNvSpPr>
-            <a:spLocks noGrp="1"/>
-          </p:cNvSpPr>
-          <p:nvPr>
-            <p:ph type="sldNum" sz="quarter" idx="13"/>
-          </p:nvPr>
-        </p:nvSpPr>
-        <p:spPr/>
-        <p:txBody>
-          <a:bodyPr/>
-          <a:lstStyle/>
-          <a:p>
-            <a:fld id="{9C057DB4-583E-41A7-BD94-987342018C17}" type="slidenum">
-              <a:rPr lang="en-GB" smtClean="0"/>
-              <a:pPr/>
-              <a:t>2</a:t>
-            </a:fld>
-            <a:endParaRPr lang="en-GB" dirty="0"/>
-          </a:p>
-        </p:txBody>
-      </p:sp>
-      <p:pic>
-        <p:nvPicPr>
-          <p:cNvPr id="13" name="Grafik 12" descr="Ein Bild, das Text, Screenshot, Schrift, Zahl enthält.&#10;&#10;Automatisch generierte Beschreibung">
-            <a:extLst>
-              <a:ext uri="{FF2B5EF4-FFF2-40B4-BE49-F238E27FC236}">
-                <a16:creationId xmlns:a16="http://schemas.microsoft.com/office/drawing/2014/main" id="{70F739E8-5464-7C7C-30BA-78B9A427F767}"/>
-              </a:ext>
-            </a:extLst>
-          </p:cNvPr>
-          <p:cNvPicPr>
-            <a:picLocks noChangeAspect="1"/>
-          </p:cNvPicPr>
-          <p:nvPr/>
-        </p:nvPicPr>
-        <p:blipFill>
-          <a:blip r:embed="rId3">
-            <a:extLst>
-              <a:ext uri="{28A0092B-C50C-407E-A947-70E740481C1C}">
-                <a14:useLocalDpi xmlns:a14="http://schemas.microsoft.com/office/drawing/2010/main" val="0"/>
-              </a:ext>
-            </a:extLst>
-          </a:blip>
-          <a:stretch>
-            <a:fillRect/>
-          </a:stretch>
-        </p:blipFill>
-        <p:spPr>
-          <a:xfrm>
-            <a:off x="385740" y="2774944"/>
-            <a:ext cx="4124325" cy="1533733"/>
-          </a:xfrm>
-          <a:prstGeom prst="rect">
-            <a:avLst/>
-          </a:prstGeom>
-          <a:ln>
-            <a:solidFill>
-              <a:schemeClr val="tx1"/>
-            </a:solidFill>
-          </a:ln>
-        </p:spPr>
-      </p:pic>
-      <p:sp>
-        <p:nvSpPr>
-          <p:cNvPr id="16" name="Textfeld 15">
-            <a:extLst>
-              <a:ext uri="{FF2B5EF4-FFF2-40B4-BE49-F238E27FC236}">
-                <a16:creationId xmlns:a16="http://schemas.microsoft.com/office/drawing/2014/main" id="{36F7C50C-9802-1145-F3A6-EB87CF7BF46C}"/>
-              </a:ext>
-            </a:extLst>
-          </p:cNvPr>
-          <p:cNvSpPr txBox="1"/>
-          <p:nvPr/>
-        </p:nvSpPr>
-        <p:spPr>
-          <a:xfrm>
-            <a:off x="1351835" y="4340514"/>
-            <a:ext cx="2192134" cy="271012"/>
-          </a:xfrm>
-          <a:prstGeom prst="rect">
-            <a:avLst/>
-          </a:prstGeom>
-        </p:spPr>
-        <p:txBody>
-          <a:bodyPr vert="horz" wrap="none" lIns="91440" tIns="45720" rIns="91440" bIns="45720" rtlCol="0" anchor="t">
-            <a:normAutofit/>
-          </a:bodyPr>
-          <a:lstStyle/>
-          <a:p>
-            <a:pPr algn="l"/>
-            <a:r>
-              <a:rPr lang="de-AT" sz="1000" dirty="0"/>
-              <a:t>Figure 1: Non-</a:t>
-            </a:r>
-            <a:r>
-              <a:rPr lang="de-AT" sz="1000" dirty="0" err="1"/>
-              <a:t>preemptible</a:t>
-            </a:r>
-            <a:r>
-              <a:rPr lang="de-AT" sz="1000" dirty="0"/>
-              <a:t> Kernel [1] </a:t>
-            </a:r>
-            <a:endParaRPr lang="en-US" sz="1000" dirty="0"/>
-          </a:p>
-        </p:txBody>
-      </p:sp>
-      <p:sp>
-        <p:nvSpPr>
-          <p:cNvPr id="6" name="Textfeld 5">
-            <a:extLst>
-              <a:ext uri="{FF2B5EF4-FFF2-40B4-BE49-F238E27FC236}">
-                <a16:creationId xmlns:a16="http://schemas.microsoft.com/office/drawing/2014/main" id="{34178FBA-C589-6075-766F-A04B79B9072E}"/>
-              </a:ext>
-            </a:extLst>
-          </p:cNvPr>
-          <p:cNvSpPr txBox="1"/>
-          <p:nvPr/>
-        </p:nvSpPr>
-        <p:spPr>
-          <a:xfrm>
-            <a:off x="5635359" y="4340427"/>
-            <a:ext cx="2192134" cy="271012"/>
-          </a:xfrm>
-          <a:prstGeom prst="rect">
-            <a:avLst/>
-          </a:prstGeom>
-        </p:spPr>
-        <p:txBody>
-          <a:bodyPr vert="horz" wrap="none" lIns="91440" tIns="45720" rIns="91440" bIns="45720" rtlCol="0" anchor="t">
-            <a:normAutofit/>
-          </a:bodyPr>
-          <a:lstStyle/>
-          <a:p>
-            <a:pPr algn="l"/>
-            <a:r>
-              <a:rPr lang="de-AT" sz="1000" dirty="0"/>
-              <a:t>Figure 2: </a:t>
-            </a:r>
-            <a:r>
-              <a:rPr lang="de-AT" sz="1000" dirty="0" err="1"/>
-              <a:t>Preemptible</a:t>
-            </a:r>
-            <a:r>
-              <a:rPr lang="de-AT" sz="1000" dirty="0"/>
-              <a:t> Kernel [1]</a:t>
-            </a:r>
-            <a:endParaRPr lang="en-US" sz="1000" dirty="0"/>
-          </a:p>
-        </p:txBody>
-      </p:sp>
-    </p:spTree>
-    <p:extLst>
-      <p:ext uri="{BB962C8B-B14F-4D97-AF65-F5344CB8AC3E}">
-        <p14:creationId xmlns:p14="http://schemas.microsoft.com/office/powerpoint/2010/main" val="950087830"/>
       </p:ext>
     </p:extLst>
   </p:cSld>
@@ -9299,6 +11779,746 @@
     <p:extLst>
       <p:ext uri="{BB962C8B-B14F-4D97-AF65-F5344CB8AC3E}">
         <p14:creationId xmlns:p14="http://schemas.microsoft.com/office/powerpoint/2010/main" val="876413958"/>
+      </p:ext>
+    </p:extLst>
+  </p:cSld>
+  <p:clrMapOvr>
+    <a:masterClrMapping/>
+  </p:clrMapOvr>
+</p:sld>
+</file>
+
+<file path=ppt/slides/slide30.xml><?xml version="1.0" encoding="utf-8"?>
+<p:sld xmlns:a="http://schemas.openxmlformats.org/drawingml/2006/main" xmlns:r="http://schemas.openxmlformats.org/officeDocument/2006/relationships" xmlns:p="http://schemas.openxmlformats.org/presentationml/2006/main" show="0">
+  <p:cSld>
+    <p:spTree>
+      <p:nvGrpSpPr>
+        <p:cNvPr id="1" name=""/>
+        <p:cNvGrpSpPr/>
+        <p:nvPr/>
+      </p:nvGrpSpPr>
+      <p:grpSpPr>
+        <a:xfrm>
+          <a:off x="0" y="0"/>
+          <a:ext cx="0" cy="0"/>
+          <a:chOff x="0" y="0"/>
+          <a:chExt cx="0" cy="0"/>
+        </a:xfrm>
+      </p:grpSpPr>
+      <p:sp>
+        <p:nvSpPr>
+          <p:cNvPr id="2" name="Titel 1">
+            <a:extLst>
+              <a:ext uri="{FF2B5EF4-FFF2-40B4-BE49-F238E27FC236}">
+                <a16:creationId xmlns:a16="http://schemas.microsoft.com/office/drawing/2014/main" id="{446D3BEF-CC88-B742-5807-43EE48D25381}"/>
+              </a:ext>
+            </a:extLst>
+          </p:cNvPr>
+          <p:cNvSpPr>
+            <a:spLocks noGrp="1"/>
+          </p:cNvSpPr>
+          <p:nvPr>
+            <p:ph type="title"/>
+          </p:nvPr>
+        </p:nvSpPr>
+        <p:spPr/>
+        <p:txBody>
+          <a:bodyPr>
+            <a:normAutofit fontScale="90000"/>
+          </a:bodyPr>
+          <a:lstStyle/>
+          <a:p>
+            <a:r>
+              <a:rPr lang="en-US" dirty="0"/>
+              <a:t>Trace-</a:t>
+            </a:r>
+            <a:r>
+              <a:rPr lang="en-US" dirty="0" err="1"/>
+              <a:t>cmd</a:t>
+            </a:r>
+            <a:endParaRPr lang="en-US" dirty="0"/>
+          </a:p>
+        </p:txBody>
+      </p:sp>
+      <p:sp>
+        <p:nvSpPr>
+          <p:cNvPr id="3" name="Textplatzhalter 2">
+            <a:extLst>
+              <a:ext uri="{FF2B5EF4-FFF2-40B4-BE49-F238E27FC236}">
+                <a16:creationId xmlns:a16="http://schemas.microsoft.com/office/drawing/2014/main" id="{04897626-5992-AC9F-A7C2-0A8A6A65B6F9}"/>
+              </a:ext>
+            </a:extLst>
+          </p:cNvPr>
+          <p:cNvSpPr>
+            <a:spLocks noGrp="1"/>
+          </p:cNvSpPr>
+          <p:nvPr>
+            <p:ph type="body" sz="quarter" idx="14"/>
+          </p:nvPr>
+        </p:nvSpPr>
+        <p:spPr/>
+        <p:txBody>
+          <a:bodyPr/>
+          <a:lstStyle/>
+          <a:p>
+            <a:endParaRPr lang="en-US" dirty="0"/>
+          </a:p>
+        </p:txBody>
+      </p:sp>
+      <p:sp>
+        <p:nvSpPr>
+          <p:cNvPr id="4" name="Fußzeilenplatzhalter 3">
+            <a:extLst>
+              <a:ext uri="{FF2B5EF4-FFF2-40B4-BE49-F238E27FC236}">
+                <a16:creationId xmlns:a16="http://schemas.microsoft.com/office/drawing/2014/main" id="{17F6F80D-FCFD-474A-A46E-BEF92F26DC8D}"/>
+              </a:ext>
+            </a:extLst>
+          </p:cNvPr>
+          <p:cNvSpPr>
+            <a:spLocks noGrp="1"/>
+          </p:cNvSpPr>
+          <p:nvPr>
+            <p:ph type="ftr" sz="quarter" idx="12"/>
+          </p:nvPr>
+        </p:nvSpPr>
+        <p:spPr/>
+        <p:txBody>
+          <a:bodyPr/>
+          <a:lstStyle/>
+          <a:p>
+            <a:r>
+              <a:rPr lang="en-US"/>
+              <a:t>Virtualization of a Real-Time Operating System for Robot Control with a Focus on RealTime Compliance</a:t>
+            </a:r>
+            <a:r>
+              <a:rPr lang="en-GB"/>
+              <a:t> | </a:t>
+            </a:r>
+            <a:r>
+              <a:rPr lang="de-AT"/>
+              <a:t>Halil Pamuk, BSc.</a:t>
+            </a:r>
+            <a:r>
+              <a:rPr lang="en-GB"/>
+              <a:t> | 10.10.2024</a:t>
+            </a:r>
+            <a:endParaRPr lang="en-GB" dirty="0"/>
+          </a:p>
+        </p:txBody>
+      </p:sp>
+      <p:sp>
+        <p:nvSpPr>
+          <p:cNvPr id="5" name="Foliennummernplatzhalter 4">
+            <a:extLst>
+              <a:ext uri="{FF2B5EF4-FFF2-40B4-BE49-F238E27FC236}">
+                <a16:creationId xmlns:a16="http://schemas.microsoft.com/office/drawing/2014/main" id="{6FE7C3E3-082F-E591-9994-A62597200B98}"/>
+              </a:ext>
+            </a:extLst>
+          </p:cNvPr>
+          <p:cNvSpPr>
+            <a:spLocks noGrp="1"/>
+          </p:cNvSpPr>
+          <p:nvPr>
+            <p:ph type="sldNum" sz="quarter" idx="13"/>
+          </p:nvPr>
+        </p:nvSpPr>
+        <p:spPr/>
+        <p:txBody>
+          <a:bodyPr/>
+          <a:lstStyle/>
+          <a:p>
+            <a:fld id="{9C057DB4-583E-41A7-BD94-987342018C17}" type="slidenum">
+              <a:rPr lang="en-GB" smtClean="0"/>
+              <a:pPr/>
+              <a:t>30</a:t>
+            </a:fld>
+            <a:endParaRPr lang="en-GB" dirty="0"/>
+          </a:p>
+        </p:txBody>
+      </p:sp>
+      <p:pic>
+        <p:nvPicPr>
+          <p:cNvPr id="8" name="Grafik 7">
+            <a:extLst>
+              <a:ext uri="{FF2B5EF4-FFF2-40B4-BE49-F238E27FC236}">
+                <a16:creationId xmlns:a16="http://schemas.microsoft.com/office/drawing/2014/main" id="{1F98723C-3283-3A50-F920-1FB5BC74D92E}"/>
+              </a:ext>
+            </a:extLst>
+          </p:cNvPr>
+          <p:cNvPicPr>
+            <a:picLocks noChangeAspect="1"/>
+          </p:cNvPicPr>
+          <p:nvPr/>
+        </p:nvPicPr>
+        <p:blipFill>
+          <a:blip r:embed="rId2"/>
+          <a:stretch>
+            <a:fillRect/>
+          </a:stretch>
+        </p:blipFill>
+        <p:spPr>
+          <a:xfrm>
+            <a:off x="2036677" y="661542"/>
+            <a:ext cx="5061965" cy="4021450"/>
+          </a:xfrm>
+          <a:prstGeom prst="rect">
+            <a:avLst/>
+          </a:prstGeom>
+        </p:spPr>
+      </p:pic>
+    </p:spTree>
+    <p:extLst>
+      <p:ext uri="{BB962C8B-B14F-4D97-AF65-F5344CB8AC3E}">
+        <p14:creationId xmlns:p14="http://schemas.microsoft.com/office/powerpoint/2010/main" val="715715049"/>
+      </p:ext>
+    </p:extLst>
+  </p:cSld>
+  <p:clrMapOvr>
+    <a:masterClrMapping/>
+  </p:clrMapOvr>
+</p:sld>
+</file>
+
+<file path=ppt/slides/slide31.xml><?xml version="1.0" encoding="utf-8"?>
+<p:sld xmlns:a="http://schemas.openxmlformats.org/drawingml/2006/main" xmlns:r="http://schemas.openxmlformats.org/officeDocument/2006/relationships" xmlns:p="http://schemas.openxmlformats.org/presentationml/2006/main" show="0">
+  <p:cSld>
+    <p:spTree>
+      <p:nvGrpSpPr>
+        <p:cNvPr id="1" name=""/>
+        <p:cNvGrpSpPr/>
+        <p:nvPr/>
+      </p:nvGrpSpPr>
+      <p:grpSpPr>
+        <a:xfrm>
+          <a:off x="0" y="0"/>
+          <a:ext cx="0" cy="0"/>
+          <a:chOff x="0" y="0"/>
+          <a:chExt cx="0" cy="0"/>
+        </a:xfrm>
+      </p:grpSpPr>
+      <p:sp>
+        <p:nvSpPr>
+          <p:cNvPr id="2" name="Titel 1">
+            <a:extLst>
+              <a:ext uri="{FF2B5EF4-FFF2-40B4-BE49-F238E27FC236}">
+                <a16:creationId xmlns:a16="http://schemas.microsoft.com/office/drawing/2014/main" id="{446D3BEF-CC88-B742-5807-43EE48D25381}"/>
+              </a:ext>
+            </a:extLst>
+          </p:cNvPr>
+          <p:cNvSpPr>
+            <a:spLocks noGrp="1"/>
+          </p:cNvSpPr>
+          <p:nvPr>
+            <p:ph type="title"/>
+          </p:nvPr>
+        </p:nvSpPr>
+        <p:spPr/>
+        <p:txBody>
+          <a:bodyPr>
+            <a:normAutofit fontScale="90000"/>
+          </a:bodyPr>
+          <a:lstStyle/>
+          <a:p>
+            <a:r>
+              <a:rPr lang="en-US" dirty="0"/>
+              <a:t>Trace-</a:t>
+            </a:r>
+            <a:r>
+              <a:rPr lang="en-US" dirty="0" err="1"/>
+              <a:t>cmd</a:t>
+            </a:r>
+            <a:endParaRPr lang="en-US" dirty="0"/>
+          </a:p>
+        </p:txBody>
+      </p:sp>
+      <p:sp>
+        <p:nvSpPr>
+          <p:cNvPr id="3" name="Textplatzhalter 2">
+            <a:extLst>
+              <a:ext uri="{FF2B5EF4-FFF2-40B4-BE49-F238E27FC236}">
+                <a16:creationId xmlns:a16="http://schemas.microsoft.com/office/drawing/2014/main" id="{04897626-5992-AC9F-A7C2-0A8A6A65B6F9}"/>
+              </a:ext>
+            </a:extLst>
+          </p:cNvPr>
+          <p:cNvSpPr>
+            <a:spLocks noGrp="1"/>
+          </p:cNvSpPr>
+          <p:nvPr>
+            <p:ph type="body" sz="quarter" idx="14"/>
+          </p:nvPr>
+        </p:nvSpPr>
+        <p:spPr/>
+        <p:txBody>
+          <a:bodyPr>
+            <a:normAutofit/>
+          </a:bodyPr>
+          <a:lstStyle/>
+          <a:p>
+            <a:pPr algn="l"/>
+            <a:r>
+              <a:rPr lang="en-US" sz="1600" b="0" i="0" u="none" strike="noStrike" baseline="0" dirty="0" err="1">
+                <a:latin typeface="NimbusMonL-Regu"/>
+              </a:rPr>
+              <a:t>sudo</a:t>
+            </a:r>
+            <a:r>
+              <a:rPr lang="en-US" sz="1600" b="0" i="0" u="none" strike="noStrike" baseline="0" dirty="0">
+                <a:latin typeface="NimbusMonL-Regu"/>
+              </a:rPr>
+              <a:t> trace-</a:t>
+            </a:r>
+            <a:r>
+              <a:rPr lang="en-US" sz="1600" b="0" i="0" u="none" strike="noStrike" baseline="0" dirty="0" err="1">
+                <a:latin typeface="NimbusMonL-Regu"/>
+              </a:rPr>
+              <a:t>cmd</a:t>
+            </a:r>
+            <a:r>
+              <a:rPr lang="en-US" sz="1600" b="0" i="0" u="none" strike="noStrike" baseline="0" dirty="0">
+                <a:latin typeface="NimbusMonL-Regu"/>
+              </a:rPr>
+              <a:t> record -e all -A @3:823 -name Salamander4 -e all</a:t>
+            </a:r>
+          </a:p>
+          <a:p>
+            <a:pPr algn="l"/>
+            <a:endParaRPr lang="en-US" sz="1600" dirty="0">
+              <a:latin typeface="NimbusMonL-Regu"/>
+            </a:endParaRPr>
+          </a:p>
+          <a:p>
+            <a:pPr algn="l"/>
+            <a:endParaRPr lang="en-US" sz="1600" b="0" i="0" u="none" strike="noStrike" baseline="0" dirty="0">
+              <a:latin typeface="NimbusMonL-Regu"/>
+            </a:endParaRPr>
+          </a:p>
+          <a:p>
+            <a:pPr algn="l"/>
+            <a:endParaRPr lang="en-US" sz="1600" dirty="0">
+              <a:latin typeface="NimbusMonL-Regu"/>
+            </a:endParaRPr>
+          </a:p>
+          <a:p>
+            <a:pPr algn="l"/>
+            <a:endParaRPr lang="pt-BR" sz="1600" b="0" i="0" u="none" strike="noStrike" baseline="0" dirty="0">
+              <a:latin typeface="NimbusMonL-Regu"/>
+            </a:endParaRPr>
+          </a:p>
+          <a:p>
+            <a:pPr algn="l"/>
+            <a:r>
+              <a:rPr lang="pt-BR" sz="1600" b="0" i="0" u="none" strike="noStrike" baseline="0" dirty="0">
+                <a:latin typeface="NimbusMonL-Regu"/>
+              </a:rPr>
+              <a:t>sudo trace-cmd record -e kvm:kvm_entry -e kvm:kvm_exit -A @3:823 -name Salamander4 -e all</a:t>
+            </a:r>
+          </a:p>
+          <a:p>
+            <a:pPr algn="l"/>
+            <a:endParaRPr lang="pt-BR" sz="1600" dirty="0">
+              <a:latin typeface="NimbusMonL-Regu"/>
+            </a:endParaRPr>
+          </a:p>
+          <a:p>
+            <a:pPr algn="l"/>
+            <a:endParaRPr lang="pt-BR" sz="1600" dirty="0">
+              <a:latin typeface="NimbusMonL-Regu"/>
+            </a:endParaRPr>
+          </a:p>
+          <a:p>
+            <a:pPr algn="l"/>
+            <a:endParaRPr lang="pt-BR" sz="1600" dirty="0">
+              <a:latin typeface="NimbusMonL-Regu"/>
+            </a:endParaRPr>
+          </a:p>
+          <a:p>
+            <a:pPr algn="l"/>
+            <a:endParaRPr lang="pt-BR" sz="1600" dirty="0">
+              <a:latin typeface="NimbusMonL-Regu"/>
+            </a:endParaRPr>
+          </a:p>
+          <a:p>
+            <a:pPr algn="l"/>
+            <a:r>
+              <a:rPr lang="en-US" sz="1600" b="0" i="0" u="none" strike="noStrike" baseline="0" dirty="0" err="1">
+                <a:latin typeface="NimbusMonL-Regu"/>
+              </a:rPr>
+              <a:t>sudo</a:t>
+            </a:r>
+            <a:r>
+              <a:rPr lang="en-US" sz="1600" b="0" i="0" u="none" strike="noStrike" baseline="0" dirty="0">
+                <a:latin typeface="NimbusMonL-Regu"/>
+              </a:rPr>
+              <a:t> trace-</a:t>
+            </a:r>
+            <a:r>
+              <a:rPr lang="en-US" sz="1600" b="0" i="0" u="none" strike="noStrike" baseline="0" dirty="0" err="1">
+                <a:latin typeface="NimbusMonL-Regu"/>
+              </a:rPr>
+              <a:t>cmd</a:t>
+            </a:r>
+            <a:r>
+              <a:rPr lang="en-US" sz="1600" b="0" i="0" u="none" strike="noStrike" baseline="0" dirty="0">
+                <a:latin typeface="NimbusMonL-Regu"/>
+              </a:rPr>
+              <a:t> record -e </a:t>
+            </a:r>
+            <a:r>
+              <a:rPr lang="en-US" sz="1600" b="0" i="0" u="none" strike="noStrike" baseline="0" dirty="0" err="1">
+                <a:latin typeface="NimbusMonL-Regu"/>
+              </a:rPr>
+              <a:t>kvm</a:t>
+            </a:r>
+            <a:r>
+              <a:rPr lang="en-US" sz="1600" b="0" i="0" u="none" strike="noStrike" baseline="0" dirty="0">
+                <a:latin typeface="NimbusMonL-Regu"/>
+              </a:rPr>
+              <a:t> -e sched -e </a:t>
+            </a:r>
+            <a:r>
+              <a:rPr lang="en-US" sz="1600" b="0" i="0" u="none" strike="noStrike" baseline="0" dirty="0" err="1">
+                <a:latin typeface="NimbusMonL-Regu"/>
+              </a:rPr>
+              <a:t>irq</a:t>
+            </a:r>
+            <a:r>
+              <a:rPr lang="en-US" sz="1600" b="0" i="0" u="none" strike="noStrike" baseline="0" dirty="0">
+                <a:latin typeface="NimbusMonL-Regu"/>
+              </a:rPr>
+              <a:t> -e -A @3:823 -name Salamander4 -e all</a:t>
+            </a:r>
+            <a:endParaRPr lang="en-US" sz="1600" dirty="0"/>
+          </a:p>
+        </p:txBody>
+      </p:sp>
+      <p:sp>
+        <p:nvSpPr>
+          <p:cNvPr id="4" name="Fußzeilenplatzhalter 3">
+            <a:extLst>
+              <a:ext uri="{FF2B5EF4-FFF2-40B4-BE49-F238E27FC236}">
+                <a16:creationId xmlns:a16="http://schemas.microsoft.com/office/drawing/2014/main" id="{17F6F80D-FCFD-474A-A46E-BEF92F26DC8D}"/>
+              </a:ext>
+            </a:extLst>
+          </p:cNvPr>
+          <p:cNvSpPr>
+            <a:spLocks noGrp="1"/>
+          </p:cNvSpPr>
+          <p:nvPr>
+            <p:ph type="ftr" sz="quarter" idx="12"/>
+          </p:nvPr>
+        </p:nvSpPr>
+        <p:spPr/>
+        <p:txBody>
+          <a:bodyPr/>
+          <a:lstStyle/>
+          <a:p>
+            <a:r>
+              <a:rPr lang="en-US"/>
+              <a:t>Virtualization of a Real-Time Operating System for Robot Control with a Focus on RealTime Compliance</a:t>
+            </a:r>
+            <a:r>
+              <a:rPr lang="en-GB"/>
+              <a:t> | </a:t>
+            </a:r>
+            <a:r>
+              <a:rPr lang="de-AT"/>
+              <a:t>Halil Pamuk, BSc.</a:t>
+            </a:r>
+            <a:r>
+              <a:rPr lang="en-GB"/>
+              <a:t> | 10.10.2024</a:t>
+            </a:r>
+            <a:endParaRPr lang="en-GB" dirty="0"/>
+          </a:p>
+        </p:txBody>
+      </p:sp>
+      <p:sp>
+        <p:nvSpPr>
+          <p:cNvPr id="5" name="Foliennummernplatzhalter 4">
+            <a:extLst>
+              <a:ext uri="{FF2B5EF4-FFF2-40B4-BE49-F238E27FC236}">
+                <a16:creationId xmlns:a16="http://schemas.microsoft.com/office/drawing/2014/main" id="{6FE7C3E3-082F-E591-9994-A62597200B98}"/>
+              </a:ext>
+            </a:extLst>
+          </p:cNvPr>
+          <p:cNvSpPr>
+            <a:spLocks noGrp="1"/>
+          </p:cNvSpPr>
+          <p:nvPr>
+            <p:ph type="sldNum" sz="quarter" idx="13"/>
+          </p:nvPr>
+        </p:nvSpPr>
+        <p:spPr/>
+        <p:txBody>
+          <a:bodyPr/>
+          <a:lstStyle/>
+          <a:p>
+            <a:fld id="{9C057DB4-583E-41A7-BD94-987342018C17}" type="slidenum">
+              <a:rPr lang="en-GB" smtClean="0"/>
+              <a:pPr/>
+              <a:t>31</a:t>
+            </a:fld>
+            <a:endParaRPr lang="en-GB" dirty="0"/>
+          </a:p>
+        </p:txBody>
+      </p:sp>
+      <p:sp>
+        <p:nvSpPr>
+          <p:cNvPr id="6" name="Textfeld 5">
+            <a:extLst>
+              <a:ext uri="{FF2B5EF4-FFF2-40B4-BE49-F238E27FC236}">
+                <a16:creationId xmlns:a16="http://schemas.microsoft.com/office/drawing/2014/main" id="{9AB5A822-3C8A-C9CC-A179-6AC2B863414C}"/>
+              </a:ext>
+            </a:extLst>
+          </p:cNvPr>
+          <p:cNvSpPr txBox="1"/>
+          <p:nvPr/>
+        </p:nvSpPr>
+        <p:spPr>
+          <a:xfrm>
+            <a:off x="2042160" y="1988820"/>
+            <a:ext cx="914400" cy="914400"/>
+          </a:xfrm>
+          <a:prstGeom prst="rect">
+            <a:avLst/>
+          </a:prstGeom>
+        </p:spPr>
+        <p:txBody>
+          <a:bodyPr vert="horz" wrap="none" lIns="91440" tIns="45720" rIns="91440" bIns="45720" rtlCol="0" anchor="t">
+            <a:normAutofit/>
+          </a:bodyPr>
+          <a:lstStyle/>
+          <a:p>
+            <a:pPr algn="l"/>
+            <a:endParaRPr lang="en-US" sz="2800" dirty="0"/>
+          </a:p>
+        </p:txBody>
+      </p:sp>
+    </p:spTree>
+    <p:extLst>
+      <p:ext uri="{BB962C8B-B14F-4D97-AF65-F5344CB8AC3E}">
+        <p14:creationId xmlns:p14="http://schemas.microsoft.com/office/powerpoint/2010/main" val="4209507559"/>
+      </p:ext>
+    </p:extLst>
+  </p:cSld>
+  <p:clrMapOvr>
+    <a:masterClrMapping/>
+  </p:clrMapOvr>
+</p:sld>
+</file>
+
+<file path=ppt/slides/slide32.xml><?xml version="1.0" encoding="utf-8"?>
+<p:sld xmlns:a="http://schemas.openxmlformats.org/drawingml/2006/main" xmlns:r="http://schemas.openxmlformats.org/officeDocument/2006/relationships" xmlns:p="http://schemas.openxmlformats.org/presentationml/2006/main" show="0">
+  <p:cSld>
+    <p:spTree>
+      <p:nvGrpSpPr>
+        <p:cNvPr id="1" name=""/>
+        <p:cNvGrpSpPr/>
+        <p:nvPr/>
+      </p:nvGrpSpPr>
+      <p:grpSpPr>
+        <a:xfrm>
+          <a:off x="0" y="0"/>
+          <a:ext cx="0" cy="0"/>
+          <a:chOff x="0" y="0"/>
+          <a:chExt cx="0" cy="0"/>
+        </a:xfrm>
+      </p:grpSpPr>
+      <p:sp>
+        <p:nvSpPr>
+          <p:cNvPr id="2" name="Titel 1">
+            <a:extLst>
+              <a:ext uri="{FF2B5EF4-FFF2-40B4-BE49-F238E27FC236}">
+                <a16:creationId xmlns:a16="http://schemas.microsoft.com/office/drawing/2014/main" id="{446D3BEF-CC88-B742-5807-43EE48D25381}"/>
+              </a:ext>
+            </a:extLst>
+          </p:cNvPr>
+          <p:cNvSpPr>
+            <a:spLocks noGrp="1"/>
+          </p:cNvSpPr>
+          <p:nvPr>
+            <p:ph type="title"/>
+          </p:nvPr>
+        </p:nvSpPr>
+        <p:spPr/>
+        <p:txBody>
+          <a:bodyPr>
+            <a:normAutofit fontScale="90000"/>
+          </a:bodyPr>
+          <a:lstStyle/>
+          <a:p>
+            <a:r>
+              <a:rPr lang="en-US" dirty="0"/>
+              <a:t>Kernelshark</a:t>
+            </a:r>
+          </a:p>
+        </p:txBody>
+      </p:sp>
+      <p:sp>
+        <p:nvSpPr>
+          <p:cNvPr id="3" name="Textplatzhalter 2">
+            <a:extLst>
+              <a:ext uri="{FF2B5EF4-FFF2-40B4-BE49-F238E27FC236}">
+                <a16:creationId xmlns:a16="http://schemas.microsoft.com/office/drawing/2014/main" id="{04897626-5992-AC9F-A7C2-0A8A6A65B6F9}"/>
+              </a:ext>
+            </a:extLst>
+          </p:cNvPr>
+          <p:cNvSpPr>
+            <a:spLocks noGrp="1"/>
+          </p:cNvSpPr>
+          <p:nvPr>
+            <p:ph type="body" sz="quarter" idx="14"/>
+          </p:nvPr>
+        </p:nvSpPr>
+        <p:spPr/>
+        <p:txBody>
+          <a:bodyPr>
+            <a:normAutofit/>
+          </a:bodyPr>
+          <a:lstStyle/>
+          <a:p>
+            <a:pPr algn="l"/>
+            <a:endParaRPr lang="en-US" sz="1600" dirty="0"/>
+          </a:p>
+        </p:txBody>
+      </p:sp>
+      <p:sp>
+        <p:nvSpPr>
+          <p:cNvPr id="4" name="Fußzeilenplatzhalter 3">
+            <a:extLst>
+              <a:ext uri="{FF2B5EF4-FFF2-40B4-BE49-F238E27FC236}">
+                <a16:creationId xmlns:a16="http://schemas.microsoft.com/office/drawing/2014/main" id="{17F6F80D-FCFD-474A-A46E-BEF92F26DC8D}"/>
+              </a:ext>
+            </a:extLst>
+          </p:cNvPr>
+          <p:cNvSpPr>
+            <a:spLocks noGrp="1"/>
+          </p:cNvSpPr>
+          <p:nvPr>
+            <p:ph type="ftr" sz="quarter" idx="12"/>
+          </p:nvPr>
+        </p:nvSpPr>
+        <p:spPr/>
+        <p:txBody>
+          <a:bodyPr/>
+          <a:lstStyle/>
+          <a:p>
+            <a:r>
+              <a:rPr lang="en-US"/>
+              <a:t>Virtualization of a Real-Time Operating System for Robot Control with a Focus on RealTime Compliance</a:t>
+            </a:r>
+            <a:r>
+              <a:rPr lang="en-GB"/>
+              <a:t> | </a:t>
+            </a:r>
+            <a:r>
+              <a:rPr lang="de-AT"/>
+              <a:t>Halil Pamuk, BSc.</a:t>
+            </a:r>
+            <a:r>
+              <a:rPr lang="en-GB"/>
+              <a:t> | 10.10.2024</a:t>
+            </a:r>
+            <a:endParaRPr lang="en-GB" dirty="0"/>
+          </a:p>
+        </p:txBody>
+      </p:sp>
+      <p:sp>
+        <p:nvSpPr>
+          <p:cNvPr id="5" name="Foliennummernplatzhalter 4">
+            <a:extLst>
+              <a:ext uri="{FF2B5EF4-FFF2-40B4-BE49-F238E27FC236}">
+                <a16:creationId xmlns:a16="http://schemas.microsoft.com/office/drawing/2014/main" id="{6FE7C3E3-082F-E591-9994-A62597200B98}"/>
+              </a:ext>
+            </a:extLst>
+          </p:cNvPr>
+          <p:cNvSpPr>
+            <a:spLocks noGrp="1"/>
+          </p:cNvSpPr>
+          <p:nvPr>
+            <p:ph type="sldNum" sz="quarter" idx="13"/>
+          </p:nvPr>
+        </p:nvSpPr>
+        <p:spPr/>
+        <p:txBody>
+          <a:bodyPr/>
+          <a:lstStyle/>
+          <a:p>
+            <a:fld id="{9C057DB4-583E-41A7-BD94-987342018C17}" type="slidenum">
+              <a:rPr lang="en-GB" smtClean="0"/>
+              <a:pPr/>
+              <a:t>32</a:t>
+            </a:fld>
+            <a:endParaRPr lang="en-GB" dirty="0"/>
+          </a:p>
+        </p:txBody>
+      </p:sp>
+      <p:sp>
+        <p:nvSpPr>
+          <p:cNvPr id="6" name="Textfeld 5">
+            <a:extLst>
+              <a:ext uri="{FF2B5EF4-FFF2-40B4-BE49-F238E27FC236}">
+                <a16:creationId xmlns:a16="http://schemas.microsoft.com/office/drawing/2014/main" id="{9AB5A822-3C8A-C9CC-A179-6AC2B863414C}"/>
+              </a:ext>
+            </a:extLst>
+          </p:cNvPr>
+          <p:cNvSpPr txBox="1"/>
+          <p:nvPr/>
+        </p:nvSpPr>
+        <p:spPr>
+          <a:xfrm>
+            <a:off x="2042160" y="1988820"/>
+            <a:ext cx="914400" cy="914400"/>
+          </a:xfrm>
+          <a:prstGeom prst="rect">
+            <a:avLst/>
+          </a:prstGeom>
+        </p:spPr>
+        <p:txBody>
+          <a:bodyPr vert="horz" wrap="none" lIns="91440" tIns="45720" rIns="91440" bIns="45720" rtlCol="0" anchor="t">
+            <a:normAutofit/>
+          </a:bodyPr>
+          <a:lstStyle/>
+          <a:p>
+            <a:pPr algn="l"/>
+            <a:endParaRPr lang="en-US" sz="2800" dirty="0"/>
+          </a:p>
+        </p:txBody>
+      </p:sp>
+      <p:pic>
+        <p:nvPicPr>
+          <p:cNvPr id="8" name="Grafik 7">
+            <a:extLst>
+              <a:ext uri="{FF2B5EF4-FFF2-40B4-BE49-F238E27FC236}">
+                <a16:creationId xmlns:a16="http://schemas.microsoft.com/office/drawing/2014/main" id="{0B040951-889A-2B51-9982-7F94E3984A70}"/>
+              </a:ext>
+            </a:extLst>
+          </p:cNvPr>
+          <p:cNvPicPr>
+            <a:picLocks noChangeAspect="1"/>
+          </p:cNvPicPr>
+          <p:nvPr/>
+        </p:nvPicPr>
+        <p:blipFill>
+          <a:blip r:embed="rId2"/>
+          <a:stretch>
+            <a:fillRect/>
+          </a:stretch>
+        </p:blipFill>
+        <p:spPr>
+          <a:xfrm>
+            <a:off x="1257700" y="656699"/>
+            <a:ext cx="6619919" cy="4064027"/>
+          </a:xfrm>
+          <a:prstGeom prst="rect">
+            <a:avLst/>
+          </a:prstGeom>
+        </p:spPr>
+      </p:pic>
+    </p:spTree>
+    <p:extLst>
+      <p:ext uri="{BB962C8B-B14F-4D97-AF65-F5344CB8AC3E}">
+        <p14:creationId xmlns:p14="http://schemas.microsoft.com/office/powerpoint/2010/main" val="3712151798"/>
       </p:ext>
     </p:extLst>
   </p:cSld>
